--- a/Class 14 Discriminant Analysis.pptx
+++ b/Class 14 Discriminant Analysis.pptx
@@ -5,7 +5,7 @@
     <p:sldMasterId id="2147483648" r:id="rId1"/>
   </p:sldMasterIdLst>
   <p:notesMasterIdLst>
-    <p:notesMasterId r:id="rId24"/>
+    <p:notesMasterId r:id="rId13"/>
   </p:notesMasterIdLst>
   <p:sldIdLst>
     <p:sldId id="256" r:id="rId2"/>
@@ -19,17 +19,6 @@
     <p:sldId id="264" r:id="rId10"/>
     <p:sldId id="265" r:id="rId11"/>
     <p:sldId id="266" r:id="rId12"/>
-    <p:sldId id="267" r:id="rId13"/>
-    <p:sldId id="268" r:id="rId14"/>
-    <p:sldId id="269" r:id="rId15"/>
-    <p:sldId id="270" r:id="rId16"/>
-    <p:sldId id="271" r:id="rId17"/>
-    <p:sldId id="272" r:id="rId18"/>
-    <p:sldId id="273" r:id="rId19"/>
-    <p:sldId id="274" r:id="rId20"/>
-    <p:sldId id="275" r:id="rId21"/>
-    <p:sldId id="276" r:id="rId22"/>
-    <p:sldId id="277" r:id="rId23"/>
   </p:sldIdLst>
   <p:sldSz cx="12192000" cy="6858000"/>
   <p:notesSz cx="6858000" cy="9144000"/>
@@ -144,17 +133,6 @@
             <p14:sldId id="264"/>
             <p14:sldId id="265"/>
             <p14:sldId id="266"/>
-            <p14:sldId id="267"/>
-            <p14:sldId id="268"/>
-            <p14:sldId id="269"/>
-            <p14:sldId id="270"/>
-            <p14:sldId id="271"/>
-            <p14:sldId id="272"/>
-            <p14:sldId id="273"/>
-            <p14:sldId id="274"/>
-            <p14:sldId id="275"/>
-            <p14:sldId id="276"/>
-            <p14:sldId id="277"/>
           </p14:sldIdLst>
         </p14:section>
       </p14:sectionLst>
@@ -248,7 +226,7 @@
           <a:p>
             <a:fld id="{DCB46477-8831-DF47-BC3A-B65F1FA8D045}" type="datetimeFigureOut">
               <a:rPr lang="en-US" smtClean="0"/>
-              <a:t>12/2/21</a:t>
+              <a:t>12/6/21</a:t>
             </a:fld>
             <a:endParaRPr lang="en-US"/>
           </a:p>
@@ -515,90 +493,6 @@
 </p:notesMaster>
 </file>
 
-<file path=ppt/notesSlides/notesSlide1.xml><?xml version="1.0" encoding="utf-8"?>
-<p:notes xmlns:a="http://schemas.openxmlformats.org/drawingml/2006/main" xmlns:r="http://schemas.openxmlformats.org/officeDocument/2006/relationships" xmlns:p="http://schemas.openxmlformats.org/presentationml/2006/main">
-  <p:cSld>
-    <p:spTree>
-      <p:nvGrpSpPr>
-        <p:cNvPr id="1" name=""/>
-        <p:cNvGrpSpPr/>
-        <p:nvPr/>
-      </p:nvGrpSpPr>
-      <p:grpSpPr>
-        <a:xfrm>
-          <a:off x="0" y="0"/>
-          <a:ext cx="0" cy="0"/>
-          <a:chOff x="0" y="0"/>
-          <a:chExt cx="0" cy="0"/>
-        </a:xfrm>
-      </p:grpSpPr>
-      <p:sp>
-        <p:nvSpPr>
-          <p:cNvPr id="2" name="Slide Image Placeholder 1"/>
-          <p:cNvSpPr>
-            <a:spLocks noGrp="1" noRot="1" noChangeAspect="1"/>
-          </p:cNvSpPr>
-          <p:nvPr>
-            <p:ph type="sldImg"/>
-          </p:nvPr>
-        </p:nvSpPr>
-        <p:spPr/>
-      </p:sp>
-      <p:sp>
-        <p:nvSpPr>
-          <p:cNvPr id="3" name="Notes Placeholder 2"/>
-          <p:cNvSpPr>
-            <a:spLocks noGrp="1"/>
-          </p:cNvSpPr>
-          <p:nvPr>
-            <p:ph type="body" idx="1"/>
-          </p:nvPr>
-        </p:nvSpPr>
-        <p:spPr/>
-        <p:txBody>
-          <a:bodyPr/>
-          <a:lstStyle/>
-          <a:p>
-            <a:endParaRPr lang="en-US" dirty="0"/>
-          </a:p>
-        </p:txBody>
-      </p:sp>
-      <p:sp>
-        <p:nvSpPr>
-          <p:cNvPr id="4" name="Slide Number Placeholder 3"/>
-          <p:cNvSpPr>
-            <a:spLocks noGrp="1"/>
-          </p:cNvSpPr>
-          <p:nvPr>
-            <p:ph type="sldNum" sz="quarter" idx="5"/>
-          </p:nvPr>
-        </p:nvSpPr>
-        <p:spPr/>
-        <p:txBody>
-          <a:bodyPr/>
-          <a:lstStyle/>
-          <a:p>
-            <a:fld id="{43238733-7AED-8B42-A60E-276032214EE9}" type="slidenum">
-              <a:rPr lang="en-US" smtClean="0"/>
-              <a:t>3</a:t>
-            </a:fld>
-            <a:endParaRPr lang="en-US"/>
-          </a:p>
-        </p:txBody>
-      </p:sp>
-    </p:spTree>
-    <p:extLst>
-      <p:ext uri="{BB962C8B-B14F-4D97-AF65-F5344CB8AC3E}">
-        <p14:creationId xmlns:p14="http://schemas.microsoft.com/office/powerpoint/2010/main" val="179667257"/>
-      </p:ext>
-    </p:extLst>
-  </p:cSld>
-  <p:clrMapOvr>
-    <a:masterClrMapping/>
-  </p:clrMapOvr>
-</p:notes>
-</file>
-
 <file path=ppt/slideLayouts/slideLayout1.xml><?xml version="1.0" encoding="utf-8"?>
 <p:sldLayout xmlns:a="http://schemas.openxmlformats.org/drawingml/2006/main" xmlns:r="http://schemas.openxmlformats.org/officeDocument/2006/relationships" xmlns:p="http://schemas.openxmlformats.org/presentationml/2006/main" type="title" preserve="1">
   <p:cSld name="Title Slide">
@@ -746,7 +640,7 @@
           <a:p>
             <a:fld id="{037F6D3A-DF67-F84B-9597-C40502329EC7}" type="datetimeFigureOut">
               <a:rPr lang="en-US" smtClean="0"/>
-              <a:t>12/2/21</a:t>
+              <a:t>12/6/21</a:t>
             </a:fld>
             <a:endParaRPr lang="en-US"/>
           </a:p>
@@ -944,7 +838,7 @@
           <a:p>
             <a:fld id="{037F6D3A-DF67-F84B-9597-C40502329EC7}" type="datetimeFigureOut">
               <a:rPr lang="en-US" smtClean="0"/>
-              <a:t>12/2/21</a:t>
+              <a:t>12/6/21</a:t>
             </a:fld>
             <a:endParaRPr lang="en-US"/>
           </a:p>
@@ -1152,7 +1046,7 @@
           <a:p>
             <a:fld id="{037F6D3A-DF67-F84B-9597-C40502329EC7}" type="datetimeFigureOut">
               <a:rPr lang="en-US" smtClean="0"/>
-              <a:t>12/2/21</a:t>
+              <a:t>12/6/21</a:t>
             </a:fld>
             <a:endParaRPr lang="en-US"/>
           </a:p>
@@ -1350,7 +1244,7 @@
           <a:p>
             <a:fld id="{037F6D3A-DF67-F84B-9597-C40502329EC7}" type="datetimeFigureOut">
               <a:rPr lang="en-US" smtClean="0"/>
-              <a:t>12/2/21</a:t>
+              <a:t>12/6/21</a:t>
             </a:fld>
             <a:endParaRPr lang="en-US"/>
           </a:p>
@@ -1625,7 +1519,7 @@
           <a:p>
             <a:fld id="{037F6D3A-DF67-F84B-9597-C40502329EC7}" type="datetimeFigureOut">
               <a:rPr lang="en-US" smtClean="0"/>
-              <a:t>12/2/21</a:t>
+              <a:t>12/6/21</a:t>
             </a:fld>
             <a:endParaRPr lang="en-US"/>
           </a:p>
@@ -1890,7 +1784,7 @@
           <a:p>
             <a:fld id="{037F6D3A-DF67-F84B-9597-C40502329EC7}" type="datetimeFigureOut">
               <a:rPr lang="en-US" smtClean="0"/>
-              <a:t>12/2/21</a:t>
+              <a:t>12/6/21</a:t>
             </a:fld>
             <a:endParaRPr lang="en-US"/>
           </a:p>
@@ -2302,7 +2196,7 @@
           <a:p>
             <a:fld id="{037F6D3A-DF67-F84B-9597-C40502329EC7}" type="datetimeFigureOut">
               <a:rPr lang="en-US" smtClean="0"/>
-              <a:t>12/2/21</a:t>
+              <a:t>12/6/21</a:t>
             </a:fld>
             <a:endParaRPr lang="en-US"/>
           </a:p>
@@ -2443,7 +2337,7 @@
           <a:p>
             <a:fld id="{037F6D3A-DF67-F84B-9597-C40502329EC7}" type="datetimeFigureOut">
               <a:rPr lang="en-US" smtClean="0"/>
-              <a:t>12/2/21</a:t>
+              <a:t>12/6/21</a:t>
             </a:fld>
             <a:endParaRPr lang="en-US"/>
           </a:p>
@@ -2556,7 +2450,7 @@
           <a:p>
             <a:fld id="{037F6D3A-DF67-F84B-9597-C40502329EC7}" type="datetimeFigureOut">
               <a:rPr lang="en-US" smtClean="0"/>
-              <a:t>12/2/21</a:t>
+              <a:t>12/6/21</a:t>
             </a:fld>
             <a:endParaRPr lang="en-US"/>
           </a:p>
@@ -2867,7 +2761,7 @@
           <a:p>
             <a:fld id="{037F6D3A-DF67-F84B-9597-C40502329EC7}" type="datetimeFigureOut">
               <a:rPr lang="en-US" smtClean="0"/>
-              <a:t>12/2/21</a:t>
+              <a:t>12/6/21</a:t>
             </a:fld>
             <a:endParaRPr lang="en-US"/>
           </a:p>
@@ -3155,7 +3049,7 @@
           <a:p>
             <a:fld id="{037F6D3A-DF67-F84B-9597-C40502329EC7}" type="datetimeFigureOut">
               <a:rPr lang="en-US" smtClean="0"/>
-              <a:t>12/2/21</a:t>
+              <a:t>12/6/21</a:t>
             </a:fld>
             <a:endParaRPr lang="en-US"/>
           </a:p>
@@ -3396,7 +3290,7 @@
           <a:p>
             <a:fld id="{037F6D3A-DF67-F84B-9597-C40502329EC7}" type="datetimeFigureOut">
               <a:rPr lang="en-US" smtClean="0"/>
-              <a:t>12/2/21</a:t>
+              <a:t>12/6/21</a:t>
             </a:fld>
             <a:endParaRPr lang="en-US"/>
           </a:p>
@@ -3887,20 +3781,16 @@
           </a:p>
           <a:p>
             <a:r>
-              <a:rPr lang="en-US"/>
+              <a:rPr lang="en-US" dirty="0"/>
               <a:t>December 11</a:t>
             </a:r>
             <a:r>
-              <a:rPr lang="en-US" baseline="30000"/>
+              <a:rPr lang="en-US" baseline="30000" dirty="0"/>
               <a:t>th</a:t>
             </a:r>
             <a:r>
-              <a:rPr lang="en-US"/>
-              <a:t>, </a:t>
-            </a:r>
-            <a:r>
               <a:rPr lang="en-US" dirty="0"/>
-              <a:t>2021</a:t>
+              <a:t>, 2021</a:t>
             </a:r>
           </a:p>
         </p:txBody>
@@ -3940,7 +3830,7 @@
           <p:cNvPr id="2" name="Title 1">
             <a:extLst>
               <a:ext uri="{FF2B5EF4-FFF2-40B4-BE49-F238E27FC236}">
-                <a16:creationId xmlns:a16="http://schemas.microsoft.com/office/drawing/2014/main" id="{887404CB-E8CF-7443-A513-EB63159E7D9E}"/>
+                <a16:creationId xmlns:a16="http://schemas.microsoft.com/office/drawing/2014/main" id="{C2043586-5E41-C046-944B-DB9702D1D57F}"/>
               </a:ext>
             </a:extLst>
           </p:cNvPr>
@@ -3958,49 +3848,61 @@
           <a:p>
             <a:r>
               <a:rPr lang="en-US" dirty="0"/>
-              <a:t>Non-metric multidimensional scaling	</a:t>
-            </a:r>
-          </a:p>
-        </p:txBody>
-      </p:sp>
-      <p:sp>
-        <p:nvSpPr>
-          <p:cNvPr id="3" name="Content Placeholder 2">
-            <a:extLst>
-              <a:ext uri="{FF2B5EF4-FFF2-40B4-BE49-F238E27FC236}">
-                <a16:creationId xmlns:a16="http://schemas.microsoft.com/office/drawing/2014/main" id="{63DB7F8B-92D3-8746-A944-0B9E907D89A0}"/>
-              </a:ext>
-            </a:extLst>
-          </p:cNvPr>
-          <p:cNvSpPr>
-            <a:spLocks noGrp="1"/>
-          </p:cNvSpPr>
-          <p:nvPr>
-            <p:ph idx="1"/>
-          </p:nvPr>
-        </p:nvSpPr>
-        <p:spPr/>
-        <p:txBody>
-          <a:bodyPr/>
-          <a:lstStyle/>
-          <a:p>
-            <a:endParaRPr lang="en-US"/>
+              <a:t>Measure of association for discriminant functions</a:t>
+            </a:r>
+          </a:p>
+        </p:txBody>
+      </p:sp>
+      <p:sp>
+        <p:nvSpPr>
+          <p:cNvPr id="6" name="TextBox 5">
+            <a:extLst>
+              <a:ext uri="{FF2B5EF4-FFF2-40B4-BE49-F238E27FC236}">
+                <a16:creationId xmlns:a16="http://schemas.microsoft.com/office/drawing/2014/main" id="{087DCF26-A141-CF47-AFC5-C14536005EDE}"/>
+              </a:ext>
+            </a:extLst>
+          </p:cNvPr>
+          <p:cNvSpPr txBox="1"/>
+          <p:nvPr/>
+        </p:nvSpPr>
+        <p:spPr>
+          <a:xfrm>
+            <a:off x="1452785" y="3606325"/>
+            <a:ext cx="6042360" cy="369332"/>
+          </a:xfrm>
+          <a:prstGeom prst="rect">
+            <a:avLst/>
+          </a:prstGeom>
+          <a:noFill/>
+        </p:spPr>
+        <p:txBody>
+          <a:bodyPr wrap="none" rtlCol="0">
+            <a:spAutoFit/>
+          </a:bodyPr>
+          <a:lstStyle/>
+          <a:p>
+            <a:r>
+              <a:rPr lang="en-US" dirty="0"/>
+              <a:t>It’s like an R squared value for the fit of discriminant functions </a:t>
+            </a:r>
           </a:p>
         </p:txBody>
       </p:sp>
       <p:pic>
         <p:nvPicPr>
-          <p:cNvPr id="4" name="Picture 3">
-            <a:extLst>
-              <a:ext uri="{FF2B5EF4-FFF2-40B4-BE49-F238E27FC236}">
-                <a16:creationId xmlns:a16="http://schemas.microsoft.com/office/drawing/2014/main" id="{4297DFA6-8E34-2841-B27E-B44AC56D22EC}"/>
+          <p:cNvPr id="9" name="Content Placeholder 8">
+            <a:extLst>
+              <a:ext uri="{FF2B5EF4-FFF2-40B4-BE49-F238E27FC236}">
+                <a16:creationId xmlns:a16="http://schemas.microsoft.com/office/drawing/2014/main" id="{4E190015-A379-564C-B685-DADCBEABEAEB}"/>
               </a:ext>
             </a:extLst>
           </p:cNvPr>
           <p:cNvPicPr>
-            <a:picLocks noChangeAspect="1"/>
+            <a:picLocks noGrp="1" noChangeAspect="1"/>
           </p:cNvPicPr>
-          <p:nvPr/>
+          <p:nvPr>
+            <p:ph idx="1"/>
+          </p:nvPr>
         </p:nvPicPr>
         <p:blipFill>
           <a:blip r:embed="rId2"/>
@@ -4010,8 +3912,8 @@
         </p:blipFill>
         <p:spPr>
           <a:xfrm>
-            <a:off x="838200" y="1690688"/>
-            <a:ext cx="9501447" cy="3994412"/>
+            <a:off x="1652365" y="1880572"/>
+            <a:ext cx="2324100" cy="1079500"/>
           </a:xfrm>
           <a:prstGeom prst="rect">
             <a:avLst/>
@@ -4021,7 +3923,7 @@
     </p:spTree>
     <p:extLst>
       <p:ext uri="{BB962C8B-B14F-4D97-AF65-F5344CB8AC3E}">
-        <p14:creationId xmlns:p14="http://schemas.microsoft.com/office/powerpoint/2010/main" val="893987891"/>
+        <p14:creationId xmlns:p14="http://schemas.microsoft.com/office/powerpoint/2010/main" val="358238200"/>
       </p:ext>
     </p:extLst>
   </p:cSld>
@@ -4053,7 +3955,7 @@
           <p:cNvPr id="2" name="Title 1">
             <a:extLst>
               <a:ext uri="{FF2B5EF4-FFF2-40B4-BE49-F238E27FC236}">
-                <a16:creationId xmlns:a16="http://schemas.microsoft.com/office/drawing/2014/main" id="{990B72BE-8EB0-754D-9041-2E48D5E58663}"/>
+                <a16:creationId xmlns:a16="http://schemas.microsoft.com/office/drawing/2014/main" id="{997BBC7E-3CB1-064D-96AF-A398645C6A9A}"/>
               </a:ext>
             </a:extLst>
           </p:cNvPr>
@@ -4071,58 +3973,26 @@
           <a:p>
             <a:r>
               <a:rPr lang="en-US" dirty="0"/>
-              <a:t>Correspondence Analysis</a:t>
-            </a:r>
-          </a:p>
-        </p:txBody>
-      </p:sp>
-      <p:sp>
-        <p:nvSpPr>
-          <p:cNvPr id="3" name="Content Placeholder 2">
-            <a:extLst>
-              <a:ext uri="{FF2B5EF4-FFF2-40B4-BE49-F238E27FC236}">
-                <a16:creationId xmlns:a16="http://schemas.microsoft.com/office/drawing/2014/main" id="{00196F3B-44F2-2646-8E34-360582B85BF9}"/>
-              </a:ext>
-            </a:extLst>
-          </p:cNvPr>
-          <p:cNvSpPr>
-            <a:spLocks noGrp="1"/>
-          </p:cNvSpPr>
-          <p:nvPr>
-            <p:ph idx="1"/>
-          </p:nvPr>
-        </p:nvSpPr>
-        <p:spPr/>
-        <p:txBody>
-          <a:bodyPr/>
-          <a:lstStyle/>
-          <a:p>
-            <a:r>
-              <a:rPr lang="en-US" dirty="0"/>
-              <a:t>Graphical technique for representing the information in a two-way contingency table.</a:t>
-            </a:r>
-          </a:p>
-          <a:p>
-            <a:r>
-              <a:rPr lang="en-US" dirty="0"/>
-              <a:t>Goal is to plot a point for each row and a point for each column</a:t>
+              <a:t>Standardized Discriminant Functions</a:t>
             </a:r>
           </a:p>
         </p:txBody>
       </p:sp>
       <p:pic>
         <p:nvPicPr>
-          <p:cNvPr id="4" name="Picture 3">
-            <a:extLst>
-              <a:ext uri="{FF2B5EF4-FFF2-40B4-BE49-F238E27FC236}">
-                <a16:creationId xmlns:a16="http://schemas.microsoft.com/office/drawing/2014/main" id="{92F5AB16-0CDC-B440-9F87-85EFAF1D7D8A}"/>
+          <p:cNvPr id="4" name="Content Placeholder 3">
+            <a:extLst>
+              <a:ext uri="{FF2B5EF4-FFF2-40B4-BE49-F238E27FC236}">
+                <a16:creationId xmlns:a16="http://schemas.microsoft.com/office/drawing/2014/main" id="{19771848-B9F2-2B4B-A8F0-A3977E0453FB}"/>
               </a:ext>
             </a:extLst>
           </p:cNvPr>
           <p:cNvPicPr>
-            <a:picLocks noChangeAspect="1"/>
+            <a:picLocks noGrp="1" noChangeAspect="1"/>
           </p:cNvPicPr>
-          <p:nvPr/>
+          <p:nvPr>
+            <p:ph idx="1"/>
+          </p:nvPr>
         </p:nvPicPr>
         <p:blipFill>
           <a:blip r:embed="rId2"/>
@@ -4132,216 +4002,8 @@
         </p:blipFill>
         <p:spPr>
           <a:xfrm>
-            <a:off x="3729990" y="3311040"/>
-            <a:ext cx="5314257" cy="2774512"/>
-          </a:xfrm>
-          <a:prstGeom prst="rect">
-            <a:avLst/>
-          </a:prstGeom>
-        </p:spPr>
-      </p:pic>
-    </p:spTree>
-    <p:extLst>
-      <p:ext uri="{BB962C8B-B14F-4D97-AF65-F5344CB8AC3E}">
-        <p14:creationId xmlns:p14="http://schemas.microsoft.com/office/powerpoint/2010/main" val="3821687764"/>
-      </p:ext>
-    </p:extLst>
-  </p:cSld>
-  <p:clrMapOvr>
-    <a:masterClrMapping/>
-  </p:clrMapOvr>
-</p:sld>
-</file>
-
-<file path=ppt/slides/slide12.xml><?xml version="1.0" encoding="utf-8"?>
-<p:sld xmlns:a="http://schemas.openxmlformats.org/drawingml/2006/main" xmlns:r="http://schemas.openxmlformats.org/officeDocument/2006/relationships" xmlns:p="http://schemas.openxmlformats.org/presentationml/2006/main">
-  <p:cSld>
-    <p:spTree>
-      <p:nvGrpSpPr>
-        <p:cNvPr id="1" name=""/>
-        <p:cNvGrpSpPr/>
-        <p:nvPr/>
-      </p:nvGrpSpPr>
-      <p:grpSpPr>
-        <a:xfrm>
-          <a:off x="0" y="0"/>
-          <a:ext cx="0" cy="0"/>
-          <a:chOff x="0" y="0"/>
-          <a:chExt cx="0" cy="0"/>
-        </a:xfrm>
-      </p:grpSpPr>
-      <p:sp>
-        <p:nvSpPr>
-          <p:cNvPr id="2" name="Title 1">
-            <a:extLst>
-              <a:ext uri="{FF2B5EF4-FFF2-40B4-BE49-F238E27FC236}">
-                <a16:creationId xmlns:a16="http://schemas.microsoft.com/office/drawing/2014/main" id="{E793F535-34EB-9B4D-9EDD-2989A9D13B4C}"/>
-              </a:ext>
-            </a:extLst>
-          </p:cNvPr>
-          <p:cNvSpPr>
-            <a:spLocks noGrp="1"/>
-          </p:cNvSpPr>
-          <p:nvPr>
-            <p:ph type="title"/>
-          </p:nvPr>
-        </p:nvSpPr>
-        <p:spPr/>
-        <p:txBody>
-          <a:bodyPr/>
-          <a:lstStyle/>
-          <a:p>
-            <a:r>
-              <a:rPr lang="en-US" dirty="0"/>
-              <a:t>Introduction continued</a:t>
-            </a:r>
-          </a:p>
-        </p:txBody>
-      </p:sp>
-      <p:sp>
-        <p:nvSpPr>
-          <p:cNvPr id="3" name="Content Placeholder 2">
-            <a:extLst>
-              <a:ext uri="{FF2B5EF4-FFF2-40B4-BE49-F238E27FC236}">
-                <a16:creationId xmlns:a16="http://schemas.microsoft.com/office/drawing/2014/main" id="{648A47B4-3321-5D45-9B4F-44715F1B2F86}"/>
-              </a:ext>
-            </a:extLst>
-          </p:cNvPr>
-          <p:cNvSpPr>
-            <a:spLocks noGrp="1"/>
-          </p:cNvSpPr>
-          <p:nvPr>
-            <p:ph idx="1"/>
-          </p:nvPr>
-        </p:nvSpPr>
-        <p:spPr/>
-        <p:txBody>
-          <a:bodyPr/>
-          <a:lstStyle/>
-          <a:p>
-            <a:r>
-              <a:rPr lang="en-US" dirty="0"/>
-              <a:t>If two row points are close together then the profiles of the two rows are similar and similarly to two column points.</a:t>
-            </a:r>
-          </a:p>
-          <a:p>
-            <a:r>
-              <a:rPr lang="en-US" dirty="0"/>
-              <a:t>If a row point is close to a column point then that combination occurs more often than chance expects</a:t>
-            </a:r>
-          </a:p>
-          <a:p>
-            <a:endParaRPr lang="en-US" dirty="0"/>
-          </a:p>
-        </p:txBody>
-      </p:sp>
-    </p:spTree>
-    <p:extLst>
-      <p:ext uri="{BB962C8B-B14F-4D97-AF65-F5344CB8AC3E}">
-        <p14:creationId xmlns:p14="http://schemas.microsoft.com/office/powerpoint/2010/main" val="3752581908"/>
-      </p:ext>
-    </p:extLst>
-  </p:cSld>
-  <p:clrMapOvr>
-    <a:masterClrMapping/>
-  </p:clrMapOvr>
-</p:sld>
-</file>
-
-<file path=ppt/slides/slide13.xml><?xml version="1.0" encoding="utf-8"?>
-<p:sld xmlns:a="http://schemas.openxmlformats.org/drawingml/2006/main" xmlns:r="http://schemas.openxmlformats.org/officeDocument/2006/relationships" xmlns:p="http://schemas.openxmlformats.org/presentationml/2006/main">
-  <p:cSld>
-    <p:spTree>
-      <p:nvGrpSpPr>
-        <p:cNvPr id="1" name=""/>
-        <p:cNvGrpSpPr/>
-        <p:nvPr/>
-      </p:nvGrpSpPr>
-      <p:grpSpPr>
-        <a:xfrm>
-          <a:off x="0" y="0"/>
-          <a:ext cx="0" cy="0"/>
-          <a:chOff x="0" y="0"/>
-          <a:chExt cx="0" cy="0"/>
-        </a:xfrm>
-      </p:grpSpPr>
-      <p:sp>
-        <p:nvSpPr>
-          <p:cNvPr id="2" name="Title 1">
-            <a:extLst>
-              <a:ext uri="{FF2B5EF4-FFF2-40B4-BE49-F238E27FC236}">
-                <a16:creationId xmlns:a16="http://schemas.microsoft.com/office/drawing/2014/main" id="{EF51ABF7-ACC1-F24A-84A5-3178CEFD417D}"/>
-              </a:ext>
-            </a:extLst>
-          </p:cNvPr>
-          <p:cNvSpPr>
-            <a:spLocks noGrp="1"/>
-          </p:cNvSpPr>
-          <p:nvPr>
-            <p:ph type="title"/>
-          </p:nvPr>
-        </p:nvSpPr>
-        <p:spPr/>
-        <p:txBody>
-          <a:bodyPr/>
-          <a:lstStyle/>
-          <a:p>
-            <a:r>
-              <a:rPr lang="en-US" dirty="0"/>
-              <a:t>Row and Column Profiles</a:t>
-            </a:r>
-          </a:p>
-        </p:txBody>
-      </p:sp>
-      <p:sp>
-        <p:nvSpPr>
-          <p:cNvPr id="3" name="Content Placeholder 2">
-            <a:extLst>
-              <a:ext uri="{FF2B5EF4-FFF2-40B4-BE49-F238E27FC236}">
-                <a16:creationId xmlns:a16="http://schemas.microsoft.com/office/drawing/2014/main" id="{3AEF1EA0-8C2B-F946-A0E1-DF853B4D3C38}"/>
-              </a:ext>
-            </a:extLst>
-          </p:cNvPr>
-          <p:cNvSpPr>
-            <a:spLocks noGrp="1"/>
-          </p:cNvSpPr>
-          <p:nvPr>
-            <p:ph idx="1"/>
-          </p:nvPr>
-        </p:nvSpPr>
-        <p:spPr/>
-        <p:txBody>
-          <a:bodyPr/>
-          <a:lstStyle/>
-          <a:p>
-            <a:endParaRPr lang="en-US" dirty="0"/>
-          </a:p>
-        </p:txBody>
-      </p:sp>
-      <p:pic>
-        <p:nvPicPr>
-          <p:cNvPr id="4" name="Picture 3">
-            <a:extLst>
-              <a:ext uri="{FF2B5EF4-FFF2-40B4-BE49-F238E27FC236}">
-                <a16:creationId xmlns:a16="http://schemas.microsoft.com/office/drawing/2014/main" id="{18DA9747-6E08-CE42-927F-42D9F89642C0}"/>
-              </a:ext>
-            </a:extLst>
-          </p:cNvPr>
-          <p:cNvPicPr>
-            <a:picLocks noChangeAspect="1"/>
-          </p:cNvPicPr>
-          <p:nvPr/>
-        </p:nvPicPr>
-        <p:blipFill>
-          <a:blip r:embed="rId2"/>
-          <a:stretch>
-            <a:fillRect/>
-          </a:stretch>
-        </p:blipFill>
-        <p:spPr>
-          <a:xfrm>
-            <a:off x="838200" y="1825625"/>
-            <a:ext cx="3987800" cy="1028700"/>
+            <a:off x="633991" y="1384203"/>
+            <a:ext cx="9334500" cy="2755900"/>
           </a:xfrm>
           <a:prstGeom prst="rect">
             <a:avLst/>
@@ -4353,7 +4015,7 @@
           <p:cNvPr id="5" name="Picture 4">
             <a:extLst>
               <a:ext uri="{FF2B5EF4-FFF2-40B4-BE49-F238E27FC236}">
-                <a16:creationId xmlns:a16="http://schemas.microsoft.com/office/drawing/2014/main" id="{109F1597-430E-1740-821E-6928E3338005}"/>
+                <a16:creationId xmlns:a16="http://schemas.microsoft.com/office/drawing/2014/main" id="{F5022529-23E3-6842-92CF-500B8B847B53}"/>
               </a:ext>
             </a:extLst>
           </p:cNvPr>
@@ -4370,105 +4032,8 @@
         </p:blipFill>
         <p:spPr>
           <a:xfrm>
-            <a:off x="2526609" y="2608561"/>
-            <a:ext cx="7781174" cy="3703339"/>
-          </a:xfrm>
-          <a:prstGeom prst="rect">
-            <a:avLst/>
-          </a:prstGeom>
-        </p:spPr>
-      </p:pic>
-    </p:spTree>
-    <p:extLst>
-      <p:ext uri="{BB962C8B-B14F-4D97-AF65-F5344CB8AC3E}">
-        <p14:creationId xmlns:p14="http://schemas.microsoft.com/office/powerpoint/2010/main" val="2116278589"/>
-      </p:ext>
-    </p:extLst>
-  </p:cSld>
-  <p:clrMapOvr>
-    <a:masterClrMapping/>
-  </p:clrMapOvr>
-</p:sld>
-</file>
-
-<file path=ppt/slides/slide14.xml><?xml version="1.0" encoding="utf-8"?>
-<p:sld xmlns:a="http://schemas.openxmlformats.org/drawingml/2006/main" xmlns:r="http://schemas.openxmlformats.org/officeDocument/2006/relationships" xmlns:p="http://schemas.openxmlformats.org/presentationml/2006/main">
-  <p:cSld>
-    <p:spTree>
-      <p:nvGrpSpPr>
-        <p:cNvPr id="1" name=""/>
-        <p:cNvGrpSpPr/>
-        <p:nvPr/>
-      </p:nvGrpSpPr>
-      <p:grpSpPr>
-        <a:xfrm>
-          <a:off x="0" y="0"/>
-          <a:ext cx="0" cy="0"/>
-          <a:chOff x="0" y="0"/>
-          <a:chExt cx="0" cy="0"/>
-        </a:xfrm>
-      </p:grpSpPr>
-      <p:sp>
-        <p:nvSpPr>
-          <p:cNvPr id="2" name="Title 1">
-            <a:extLst>
-              <a:ext uri="{FF2B5EF4-FFF2-40B4-BE49-F238E27FC236}">
-                <a16:creationId xmlns:a16="http://schemas.microsoft.com/office/drawing/2014/main" id="{5C490FF8-1D9F-6049-8931-351651C1C738}"/>
-              </a:ext>
-            </a:extLst>
-          </p:cNvPr>
-          <p:cNvSpPr>
-            <a:spLocks noGrp="1"/>
-          </p:cNvSpPr>
-          <p:nvPr>
-            <p:ph type="title"/>
-          </p:nvPr>
-        </p:nvSpPr>
-        <p:spPr/>
-        <p:txBody>
-          <a:bodyPr/>
-          <a:lstStyle/>
-          <a:p>
-            <a:r>
-              <a:rPr lang="en-US" dirty="0"/>
-              <a:t>Row sums/column sums</a:t>
-            </a:r>
-            <a:br>
-              <a:rPr lang="en-US" dirty="0"/>
-            </a:br>
-            <a:r>
-              <a:rPr lang="en-US" dirty="0"/>
-              <a:t>row/column masses</a:t>
-            </a:r>
-          </a:p>
-        </p:txBody>
-      </p:sp>
-      <p:pic>
-        <p:nvPicPr>
-          <p:cNvPr id="4" name="Content Placeholder 3">
-            <a:extLst>
-              <a:ext uri="{FF2B5EF4-FFF2-40B4-BE49-F238E27FC236}">
-                <a16:creationId xmlns:a16="http://schemas.microsoft.com/office/drawing/2014/main" id="{93FCB310-78AA-1F4C-B4BE-1D7ABCC765E9}"/>
-              </a:ext>
-            </a:extLst>
-          </p:cNvPr>
-          <p:cNvPicPr>
-            <a:picLocks noGrp="1" noChangeAspect="1"/>
-          </p:cNvPicPr>
-          <p:nvPr>
-            <p:ph idx="1"/>
-          </p:nvPr>
-        </p:nvPicPr>
-        <p:blipFill>
-          <a:blip r:embed="rId2"/>
-          <a:stretch>
-            <a:fillRect/>
-          </a:stretch>
-        </p:blipFill>
-        <p:spPr>
-          <a:xfrm>
-            <a:off x="1222664" y="1690688"/>
-            <a:ext cx="8978900" cy="876300"/>
+            <a:off x="548652" y="3950453"/>
+            <a:ext cx="10274300" cy="2438400"/>
           </a:xfrm>
           <a:prstGeom prst="rect">
             <a:avLst/>
@@ -4477,81 +4042,10 @@
       </p:pic>
       <p:pic>
         <p:nvPicPr>
-          <p:cNvPr id="5" name="Picture 4">
-            <a:extLst>
-              <a:ext uri="{FF2B5EF4-FFF2-40B4-BE49-F238E27FC236}">
-                <a16:creationId xmlns:a16="http://schemas.microsoft.com/office/drawing/2014/main" id="{996070FF-7ED7-3C47-99C7-6825924D84EE}"/>
-              </a:ext>
-            </a:extLst>
-          </p:cNvPr>
-          <p:cNvPicPr>
-            <a:picLocks noChangeAspect="1"/>
-          </p:cNvPicPr>
-          <p:nvPr/>
-        </p:nvPicPr>
-        <p:blipFill>
-          <a:blip r:embed="rId3"/>
-          <a:stretch>
-            <a:fillRect/>
-          </a:stretch>
-        </p:blipFill>
-        <p:spPr>
-          <a:xfrm>
-            <a:off x="1222664" y="2686051"/>
-            <a:ext cx="9042400" cy="660400"/>
-          </a:xfrm>
-          <a:prstGeom prst="rect">
-            <a:avLst/>
-          </a:prstGeom>
-        </p:spPr>
-      </p:pic>
-      <p:sp>
-        <p:nvSpPr>
-          <p:cNvPr id="6" name="TextBox 5">
-            <a:extLst>
-              <a:ext uri="{FF2B5EF4-FFF2-40B4-BE49-F238E27FC236}">
-                <a16:creationId xmlns:a16="http://schemas.microsoft.com/office/drawing/2014/main" id="{B92CE0DC-7196-2941-AB43-D90F019F314D}"/>
-              </a:ext>
-            </a:extLst>
-          </p:cNvPr>
-          <p:cNvSpPr txBox="1"/>
-          <p:nvPr/>
-        </p:nvSpPr>
-        <p:spPr>
-          <a:xfrm>
-            <a:off x="1222664" y="3346451"/>
-            <a:ext cx="3145669" cy="646331"/>
-          </a:xfrm>
-          <a:prstGeom prst="rect">
-            <a:avLst/>
-          </a:prstGeom>
-          <a:noFill/>
-        </p:spPr>
-        <p:txBody>
-          <a:bodyPr wrap="none" rtlCol="0">
-            <a:spAutoFit/>
-          </a:bodyPr>
-          <a:lstStyle/>
-          <a:p>
-            <a:r>
-              <a:rPr lang="en-US" dirty="0"/>
-              <a:t>Remember – r is an a x 1 matrix</a:t>
-            </a:r>
-          </a:p>
-          <a:p>
-            <a:r>
-              <a:rPr lang="en-US" dirty="0"/>
-              <a:t>c’ is an 1 x b matrix</a:t>
-            </a:r>
-          </a:p>
-        </p:txBody>
-      </p:sp>
-      <p:pic>
-        <p:nvPicPr>
-          <p:cNvPr id="7" name="Picture 6">
-            <a:extLst>
-              <a:ext uri="{FF2B5EF4-FFF2-40B4-BE49-F238E27FC236}">
-                <a16:creationId xmlns:a16="http://schemas.microsoft.com/office/drawing/2014/main" id="{2779F3BA-3AFA-8B48-A4FB-7F7107FBA641}"/>
+          <p:cNvPr id="6" name="Picture 5">
+            <a:extLst>
+              <a:ext uri="{FF2B5EF4-FFF2-40B4-BE49-F238E27FC236}">
+                <a16:creationId xmlns:a16="http://schemas.microsoft.com/office/drawing/2014/main" id="{EC2D8D6C-6A6F-3343-920D-E6135F780EDC}"/>
               </a:ext>
             </a:extLst>
           </p:cNvPr>
@@ -4568,300 +4062,30 @@
         </p:blipFill>
         <p:spPr>
           <a:xfrm>
-            <a:off x="3906866" y="3992782"/>
-            <a:ext cx="5694334" cy="2461359"/>
+            <a:off x="4225302" y="6118225"/>
+            <a:ext cx="2921000" cy="749300"/>
           </a:xfrm>
           <a:prstGeom prst="rect">
             <a:avLst/>
           </a:prstGeom>
         </p:spPr>
       </p:pic>
-    </p:spTree>
-    <p:extLst>
-      <p:ext uri="{BB962C8B-B14F-4D97-AF65-F5344CB8AC3E}">
-        <p14:creationId xmlns:p14="http://schemas.microsoft.com/office/powerpoint/2010/main" val="60431162"/>
-      </p:ext>
-    </p:extLst>
-  </p:cSld>
-  <p:clrMapOvr>
-    <a:masterClrMapping/>
-  </p:clrMapOvr>
-</p:sld>
-</file>
-
-<file path=ppt/slides/slide15.xml><?xml version="1.0" encoding="utf-8"?>
-<p:sld xmlns:a="http://schemas.openxmlformats.org/drawingml/2006/main" xmlns:r="http://schemas.openxmlformats.org/officeDocument/2006/relationships" xmlns:p="http://schemas.openxmlformats.org/presentationml/2006/main">
-  <p:cSld>
-    <p:spTree>
-      <p:nvGrpSpPr>
-        <p:cNvPr id="1" name=""/>
-        <p:cNvGrpSpPr/>
-        <p:nvPr/>
-      </p:nvGrpSpPr>
-      <p:grpSpPr>
-        <a:xfrm>
-          <a:off x="0" y="0"/>
-          <a:ext cx="0" cy="0"/>
-          <a:chOff x="0" y="0"/>
-          <a:chExt cx="0" cy="0"/>
-        </a:xfrm>
-      </p:grpSpPr>
-      <p:sp>
-        <p:nvSpPr>
-          <p:cNvPr id="2" name="Title 1">
-            <a:extLst>
-              <a:ext uri="{FF2B5EF4-FFF2-40B4-BE49-F238E27FC236}">
-                <a16:creationId xmlns:a16="http://schemas.microsoft.com/office/drawing/2014/main" id="{A468E891-C24E-0840-9905-7A4361CD4526}"/>
-              </a:ext>
-            </a:extLst>
-          </p:cNvPr>
-          <p:cNvSpPr>
-            <a:spLocks noGrp="1"/>
-          </p:cNvSpPr>
-          <p:nvPr>
-            <p:ph type="title"/>
-          </p:nvPr>
-        </p:nvSpPr>
-        <p:spPr/>
-        <p:txBody>
-          <a:bodyPr/>
-          <a:lstStyle/>
-          <a:p>
-            <a:r>
-              <a:rPr lang="en-US" dirty="0"/>
-              <a:t>Convert each row and column of P to a profile</a:t>
-            </a:r>
-          </a:p>
-        </p:txBody>
-      </p:sp>
-      <p:pic>
-        <p:nvPicPr>
-          <p:cNvPr id="7" name="Content Placeholder 6">
-            <a:extLst>
-              <a:ext uri="{FF2B5EF4-FFF2-40B4-BE49-F238E27FC236}">
-                <a16:creationId xmlns:a16="http://schemas.microsoft.com/office/drawing/2014/main" id="{48E7F21F-C615-CC45-8E5A-53C2BED89044}"/>
-              </a:ext>
-            </a:extLst>
-          </p:cNvPr>
-          <p:cNvPicPr>
-            <a:picLocks noGrp="1" noChangeAspect="1"/>
-          </p:cNvPicPr>
-          <p:nvPr>
-            <p:ph idx="1"/>
-          </p:nvPr>
-        </p:nvPicPr>
-        <p:blipFill>
-          <a:blip r:embed="rId2"/>
-          <a:stretch>
-            <a:fillRect/>
-          </a:stretch>
-        </p:blipFill>
+      <p:sp>
+        <p:nvSpPr>
+          <p:cNvPr id="7" name="TextBox 6">
+            <a:extLst>
+              <a:ext uri="{FF2B5EF4-FFF2-40B4-BE49-F238E27FC236}">
+                <a16:creationId xmlns:a16="http://schemas.microsoft.com/office/drawing/2014/main" id="{65E5663C-94F1-7149-8C3A-D25524EB344F}"/>
+              </a:ext>
+            </a:extLst>
+          </p:cNvPr>
+          <p:cNvSpPr txBox="1"/>
+          <p:nvPr/>
+        </p:nvSpPr>
         <p:spPr>
           <a:xfrm>
-            <a:off x="7652558" y="4518982"/>
-            <a:ext cx="3985260" cy="1358958"/>
-          </a:xfrm>
-          <a:prstGeom prst="rect">
-            <a:avLst/>
-          </a:prstGeom>
-        </p:spPr>
-      </p:pic>
-      <p:pic>
-        <p:nvPicPr>
-          <p:cNvPr id="5" name="Picture 4">
-            <a:extLst>
-              <a:ext uri="{FF2B5EF4-FFF2-40B4-BE49-F238E27FC236}">
-                <a16:creationId xmlns:a16="http://schemas.microsoft.com/office/drawing/2014/main" id="{E9839F66-563B-8042-9E8F-CFB32AFFC1E1}"/>
-              </a:ext>
-            </a:extLst>
-          </p:cNvPr>
-          <p:cNvPicPr>
-            <a:picLocks noChangeAspect="1"/>
-          </p:cNvPicPr>
-          <p:nvPr/>
-        </p:nvPicPr>
-        <p:blipFill>
-          <a:blip r:embed="rId3"/>
-          <a:stretch>
-            <a:fillRect/>
-          </a:stretch>
-        </p:blipFill>
-        <p:spPr>
-          <a:xfrm>
-            <a:off x="73428" y="1917916"/>
-            <a:ext cx="5677359" cy="2230986"/>
-          </a:xfrm>
-          <a:prstGeom prst="rect">
-            <a:avLst/>
-          </a:prstGeom>
-        </p:spPr>
-      </p:pic>
-      <p:pic>
-        <p:nvPicPr>
-          <p:cNvPr id="6" name="Picture 5">
-            <a:extLst>
-              <a:ext uri="{FF2B5EF4-FFF2-40B4-BE49-F238E27FC236}">
-                <a16:creationId xmlns:a16="http://schemas.microsoft.com/office/drawing/2014/main" id="{ED5E2CB2-D09E-B646-8E80-481A0402929C}"/>
-              </a:ext>
-            </a:extLst>
-          </p:cNvPr>
-          <p:cNvPicPr>
-            <a:picLocks noChangeAspect="1"/>
-          </p:cNvPicPr>
-          <p:nvPr/>
-        </p:nvPicPr>
-        <p:blipFill>
-          <a:blip r:embed="rId4"/>
-          <a:stretch>
-            <a:fillRect/>
-          </a:stretch>
-        </p:blipFill>
-        <p:spPr>
-          <a:xfrm>
-            <a:off x="838199" y="4518982"/>
-            <a:ext cx="3817966" cy="1330176"/>
-          </a:xfrm>
-          <a:prstGeom prst="rect">
-            <a:avLst/>
-          </a:prstGeom>
-        </p:spPr>
-      </p:pic>
-      <p:pic>
-        <p:nvPicPr>
-          <p:cNvPr id="8" name="Picture 7">
-            <a:extLst>
-              <a:ext uri="{FF2B5EF4-FFF2-40B4-BE49-F238E27FC236}">
-                <a16:creationId xmlns:a16="http://schemas.microsoft.com/office/drawing/2014/main" id="{A415ED4A-3F92-5F4F-BA59-08C3B5D3EB34}"/>
-              </a:ext>
-            </a:extLst>
-          </p:cNvPr>
-          <p:cNvPicPr>
-            <a:picLocks noChangeAspect="1"/>
-          </p:cNvPicPr>
-          <p:nvPr/>
-        </p:nvPicPr>
-        <p:blipFill>
-          <a:blip r:embed="rId5"/>
-          <a:stretch>
-            <a:fillRect/>
-          </a:stretch>
-        </p:blipFill>
-        <p:spPr>
-          <a:xfrm>
-            <a:off x="5851658" y="1965743"/>
-            <a:ext cx="6266914" cy="2135332"/>
-          </a:xfrm>
-          <a:prstGeom prst="rect">
-            <a:avLst/>
-          </a:prstGeom>
-        </p:spPr>
-      </p:pic>
-    </p:spTree>
-    <p:extLst>
-      <p:ext uri="{BB962C8B-B14F-4D97-AF65-F5344CB8AC3E}">
-        <p14:creationId xmlns:p14="http://schemas.microsoft.com/office/powerpoint/2010/main" val="2178611931"/>
-      </p:ext>
-    </p:extLst>
-  </p:cSld>
-  <p:clrMapOvr>
-    <a:masterClrMapping/>
-  </p:clrMapOvr>
-</p:sld>
-</file>
-
-<file path=ppt/slides/slide16.xml><?xml version="1.0" encoding="utf-8"?>
-<p:sld xmlns:a="http://schemas.openxmlformats.org/drawingml/2006/main" xmlns:r="http://schemas.openxmlformats.org/officeDocument/2006/relationships" xmlns:p="http://schemas.openxmlformats.org/presentationml/2006/main">
-  <p:cSld>
-    <p:spTree>
-      <p:nvGrpSpPr>
-        <p:cNvPr id="1" name=""/>
-        <p:cNvGrpSpPr/>
-        <p:nvPr/>
-      </p:nvGrpSpPr>
-      <p:grpSpPr>
-        <a:xfrm>
-          <a:off x="0" y="0"/>
-          <a:ext cx="0" cy="0"/>
-          <a:chOff x="0" y="0"/>
-          <a:chExt cx="0" cy="0"/>
-        </a:xfrm>
-      </p:grpSpPr>
-      <p:sp>
-        <p:nvSpPr>
-          <p:cNvPr id="2" name="Title 1">
-            <a:extLst>
-              <a:ext uri="{FF2B5EF4-FFF2-40B4-BE49-F238E27FC236}">
-                <a16:creationId xmlns:a16="http://schemas.microsoft.com/office/drawing/2014/main" id="{33800487-7E73-CC42-8C97-BF9E1AA1238C}"/>
-              </a:ext>
-            </a:extLst>
-          </p:cNvPr>
-          <p:cNvSpPr>
-            <a:spLocks noGrp="1"/>
-          </p:cNvSpPr>
-          <p:nvPr>
-            <p:ph type="title"/>
-          </p:nvPr>
-        </p:nvSpPr>
-        <p:spPr/>
-        <p:txBody>
-          <a:bodyPr/>
-          <a:lstStyle/>
-          <a:p>
-            <a:r>
-              <a:rPr lang="en-US" dirty="0"/>
-              <a:t>Testing Independence</a:t>
-            </a:r>
-          </a:p>
-        </p:txBody>
-      </p:sp>
-      <p:pic>
-        <p:nvPicPr>
-          <p:cNvPr id="4" name="Content Placeholder 3">
-            <a:extLst>
-              <a:ext uri="{FF2B5EF4-FFF2-40B4-BE49-F238E27FC236}">
-                <a16:creationId xmlns:a16="http://schemas.microsoft.com/office/drawing/2014/main" id="{EA54EC62-A41C-8C43-90C9-9FDA070BB147}"/>
-              </a:ext>
-            </a:extLst>
-          </p:cNvPr>
-          <p:cNvPicPr>
-            <a:picLocks noGrp="1" noChangeAspect="1"/>
-          </p:cNvPicPr>
-          <p:nvPr>
-            <p:ph idx="1"/>
-          </p:nvPr>
-        </p:nvPicPr>
-        <p:blipFill>
-          <a:blip r:embed="rId2"/>
-          <a:stretch>
-            <a:fillRect/>
-          </a:stretch>
-        </p:blipFill>
-        <p:spPr>
-          <a:xfrm>
-            <a:off x="1602509" y="1690688"/>
-            <a:ext cx="5080000" cy="1549400"/>
-          </a:xfrm>
-          <a:prstGeom prst="rect">
-            <a:avLst/>
-          </a:prstGeom>
-        </p:spPr>
-      </p:pic>
-      <p:sp>
-        <p:nvSpPr>
-          <p:cNvPr id="5" name="TextBox 4">
-            <a:extLst>
-              <a:ext uri="{FF2B5EF4-FFF2-40B4-BE49-F238E27FC236}">
-                <a16:creationId xmlns:a16="http://schemas.microsoft.com/office/drawing/2014/main" id="{95A18BE2-195A-BC46-BFB8-EB21F8763276}"/>
-              </a:ext>
-            </a:extLst>
-          </p:cNvPr>
-          <p:cNvSpPr txBox="1"/>
-          <p:nvPr/>
-        </p:nvSpPr>
-        <p:spPr>
-          <a:xfrm>
-            <a:off x="1562793" y="3732415"/>
-            <a:ext cx="6980437" cy="369332"/>
+            <a:off x="316195" y="6521687"/>
+            <a:ext cx="4296433" cy="369332"/>
           </a:xfrm>
           <a:prstGeom prst="rect">
             <a:avLst/>
@@ -4876,514 +4100,15 @@
           <a:p>
             <a:r>
               <a:rPr lang="en-US" dirty="0"/>
-              <a:t>Where chi-square id random variable with (a-1)(b-1) degrees of freedom</a:t>
-            </a:r>
-          </a:p>
-        </p:txBody>
-      </p:sp>
-      <p:pic>
-        <p:nvPicPr>
-          <p:cNvPr id="6" name="Picture 5">
-            <a:extLst>
-              <a:ext uri="{FF2B5EF4-FFF2-40B4-BE49-F238E27FC236}">
-                <a16:creationId xmlns:a16="http://schemas.microsoft.com/office/drawing/2014/main" id="{39AB8D5D-3E42-674E-9BBF-7A55DAA28323}"/>
-              </a:ext>
-            </a:extLst>
-          </p:cNvPr>
-          <p:cNvPicPr>
-            <a:picLocks noChangeAspect="1"/>
-          </p:cNvPicPr>
-          <p:nvPr/>
-        </p:nvPicPr>
-        <p:blipFill>
-          <a:blip r:embed="rId3"/>
-          <a:stretch>
-            <a:fillRect/>
-          </a:stretch>
-        </p:blipFill>
-        <p:spPr>
-          <a:xfrm>
-            <a:off x="228600" y="4140200"/>
-            <a:ext cx="11734800" cy="2717800"/>
-          </a:xfrm>
-          <a:prstGeom prst="rect">
-            <a:avLst/>
-          </a:prstGeom>
-        </p:spPr>
-      </p:pic>
+              <a:t>Allows us to compare variable contributions</a:t>
+            </a:r>
+          </a:p>
+        </p:txBody>
+      </p:sp>
     </p:spTree>
     <p:extLst>
       <p:ext uri="{BB962C8B-B14F-4D97-AF65-F5344CB8AC3E}">
-        <p14:creationId xmlns:p14="http://schemas.microsoft.com/office/powerpoint/2010/main" val="3746761389"/>
-      </p:ext>
-    </p:extLst>
-  </p:cSld>
-  <p:clrMapOvr>
-    <a:masterClrMapping/>
-  </p:clrMapOvr>
-</p:sld>
-</file>
-
-<file path=ppt/slides/slide17.xml><?xml version="1.0" encoding="utf-8"?>
-<p:sld xmlns:a="http://schemas.openxmlformats.org/drawingml/2006/main" xmlns:r="http://schemas.openxmlformats.org/officeDocument/2006/relationships" xmlns:p="http://schemas.openxmlformats.org/presentationml/2006/main">
-  <p:cSld>
-    <p:spTree>
-      <p:nvGrpSpPr>
-        <p:cNvPr id="1" name=""/>
-        <p:cNvGrpSpPr/>
-        <p:nvPr/>
-      </p:nvGrpSpPr>
-      <p:grpSpPr>
-        <a:xfrm>
-          <a:off x="0" y="0"/>
-          <a:ext cx="0" cy="0"/>
-          <a:chOff x="0" y="0"/>
-          <a:chExt cx="0" cy="0"/>
-        </a:xfrm>
-      </p:grpSpPr>
-      <p:sp>
-        <p:nvSpPr>
-          <p:cNvPr id="2" name="Title 1">
-            <a:extLst>
-              <a:ext uri="{FF2B5EF4-FFF2-40B4-BE49-F238E27FC236}">
-                <a16:creationId xmlns:a16="http://schemas.microsoft.com/office/drawing/2014/main" id="{4C332456-F4BA-294C-902D-ED141AA9C281}"/>
-              </a:ext>
-            </a:extLst>
-          </p:cNvPr>
-          <p:cNvSpPr>
-            <a:spLocks noGrp="1"/>
-          </p:cNvSpPr>
-          <p:nvPr>
-            <p:ph type="title"/>
-          </p:nvPr>
-        </p:nvSpPr>
-        <p:spPr/>
-        <p:txBody>
-          <a:bodyPr/>
-          <a:lstStyle/>
-          <a:p>
-            <a:r>
-              <a:rPr lang="en-US" dirty="0"/>
-              <a:t>Coordinates for Plotting Row and Column Profiles</a:t>
-            </a:r>
-          </a:p>
-        </p:txBody>
-      </p:sp>
-      <p:pic>
-        <p:nvPicPr>
-          <p:cNvPr id="4" name="Content Placeholder 3">
-            <a:extLst>
-              <a:ext uri="{FF2B5EF4-FFF2-40B4-BE49-F238E27FC236}">
-                <a16:creationId xmlns:a16="http://schemas.microsoft.com/office/drawing/2014/main" id="{20091BB0-37BF-6140-B9CF-9FCE1C5E9D11}"/>
-              </a:ext>
-            </a:extLst>
-          </p:cNvPr>
-          <p:cNvPicPr>
-            <a:picLocks noGrp="1" noChangeAspect="1"/>
-          </p:cNvPicPr>
-          <p:nvPr>
-            <p:ph idx="1"/>
-          </p:nvPr>
-        </p:nvPicPr>
-        <p:blipFill>
-          <a:blip r:embed="rId2"/>
-          <a:stretch>
-            <a:fillRect/>
-          </a:stretch>
-        </p:blipFill>
-        <p:spPr>
-          <a:xfrm>
-            <a:off x="931949" y="2276634"/>
-            <a:ext cx="4775200" cy="889000"/>
-          </a:xfrm>
-          <a:prstGeom prst="rect">
-            <a:avLst/>
-          </a:prstGeom>
-        </p:spPr>
-      </p:pic>
-      <p:sp>
-        <p:nvSpPr>
-          <p:cNvPr id="5" name="TextBox 4">
-            <a:extLst>
-              <a:ext uri="{FF2B5EF4-FFF2-40B4-BE49-F238E27FC236}">
-                <a16:creationId xmlns:a16="http://schemas.microsoft.com/office/drawing/2014/main" id="{B68363FD-816A-8B46-A9B4-EBC47FC64F66}"/>
-              </a:ext>
-            </a:extLst>
-          </p:cNvPr>
-          <p:cNvSpPr txBox="1"/>
-          <p:nvPr/>
-        </p:nvSpPr>
-        <p:spPr>
-          <a:xfrm>
-            <a:off x="1130531" y="1928553"/>
-            <a:ext cx="1126270" cy="369332"/>
-          </a:xfrm>
-          <a:prstGeom prst="rect">
-            <a:avLst/>
-          </a:prstGeom>
-          <a:noFill/>
-        </p:spPr>
-        <p:txBody>
-          <a:bodyPr wrap="none" rtlCol="0">
-            <a:spAutoFit/>
-          </a:bodyPr>
-          <a:lstStyle/>
-          <a:p>
-            <a:r>
-              <a:rPr lang="en-US" dirty="0"/>
-              <a:t>Scale P-</a:t>
-            </a:r>
-            <a:r>
-              <a:rPr lang="en-US" dirty="0" err="1"/>
-              <a:t>rc</a:t>
-            </a:r>
-            <a:r>
-              <a:rPr lang="en-US" dirty="0"/>
-              <a:t>’</a:t>
-            </a:r>
-          </a:p>
-        </p:txBody>
-      </p:sp>
-      <p:pic>
-        <p:nvPicPr>
-          <p:cNvPr id="6" name="Picture 5">
-            <a:extLst>
-              <a:ext uri="{FF2B5EF4-FFF2-40B4-BE49-F238E27FC236}">
-                <a16:creationId xmlns:a16="http://schemas.microsoft.com/office/drawing/2014/main" id="{7D331037-7908-774B-B97A-8D635300B6CB}"/>
-              </a:ext>
-            </a:extLst>
-          </p:cNvPr>
-          <p:cNvPicPr>
-            <a:picLocks noChangeAspect="1"/>
-          </p:cNvPicPr>
-          <p:nvPr/>
-        </p:nvPicPr>
-        <p:blipFill>
-          <a:blip r:embed="rId3"/>
-          <a:stretch>
-            <a:fillRect/>
-          </a:stretch>
-        </p:blipFill>
-        <p:spPr>
-          <a:xfrm>
-            <a:off x="58189" y="3231530"/>
-            <a:ext cx="12192000" cy="1791478"/>
-          </a:xfrm>
-          <a:prstGeom prst="rect">
-            <a:avLst/>
-          </a:prstGeom>
-        </p:spPr>
-      </p:pic>
-      <p:pic>
-        <p:nvPicPr>
-          <p:cNvPr id="7" name="Picture 6">
-            <a:extLst>
-              <a:ext uri="{FF2B5EF4-FFF2-40B4-BE49-F238E27FC236}">
-                <a16:creationId xmlns:a16="http://schemas.microsoft.com/office/drawing/2014/main" id="{219FF12A-1BE1-1C44-B41B-7FD0606961EA}"/>
-              </a:ext>
-            </a:extLst>
-          </p:cNvPr>
-          <p:cNvPicPr>
-            <a:picLocks noChangeAspect="1"/>
-          </p:cNvPicPr>
-          <p:nvPr/>
-        </p:nvPicPr>
-        <p:blipFill>
-          <a:blip r:embed="rId4"/>
-          <a:stretch>
-            <a:fillRect/>
-          </a:stretch>
-        </p:blipFill>
-        <p:spPr>
-          <a:xfrm>
-            <a:off x="1052137" y="5053532"/>
-            <a:ext cx="2755900" cy="876300"/>
-          </a:xfrm>
-          <a:prstGeom prst="rect">
-            <a:avLst/>
-          </a:prstGeom>
-        </p:spPr>
-      </p:pic>
-      <p:pic>
-        <p:nvPicPr>
-          <p:cNvPr id="8" name="Picture 7">
-            <a:extLst>
-              <a:ext uri="{FF2B5EF4-FFF2-40B4-BE49-F238E27FC236}">
-                <a16:creationId xmlns:a16="http://schemas.microsoft.com/office/drawing/2014/main" id="{01A79859-456F-EC4A-B1F9-4807DAC1FBD7}"/>
-              </a:ext>
-            </a:extLst>
-          </p:cNvPr>
-          <p:cNvPicPr>
-            <a:picLocks noChangeAspect="1"/>
-          </p:cNvPicPr>
-          <p:nvPr/>
-        </p:nvPicPr>
-        <p:blipFill>
-          <a:blip r:embed="rId5"/>
-          <a:stretch>
-            <a:fillRect/>
-          </a:stretch>
-        </p:blipFill>
-        <p:spPr>
-          <a:xfrm>
-            <a:off x="1185487" y="5885700"/>
-            <a:ext cx="2489200" cy="825500"/>
-          </a:xfrm>
-          <a:prstGeom prst="rect">
-            <a:avLst/>
-          </a:prstGeom>
-        </p:spPr>
-      </p:pic>
-      <p:pic>
-        <p:nvPicPr>
-          <p:cNvPr id="9" name="Picture 8">
-            <a:extLst>
-              <a:ext uri="{FF2B5EF4-FFF2-40B4-BE49-F238E27FC236}">
-                <a16:creationId xmlns:a16="http://schemas.microsoft.com/office/drawing/2014/main" id="{DF0E0F9E-1348-6B47-8ACD-223CC644EC78}"/>
-              </a:ext>
-            </a:extLst>
-          </p:cNvPr>
-          <p:cNvPicPr>
-            <a:picLocks noChangeAspect="1"/>
-          </p:cNvPicPr>
-          <p:nvPr/>
-        </p:nvPicPr>
-        <p:blipFill>
-          <a:blip r:embed="rId6"/>
-          <a:stretch>
-            <a:fillRect/>
-          </a:stretch>
-        </p:blipFill>
-        <p:spPr>
-          <a:xfrm>
-            <a:off x="5001953" y="5455400"/>
-            <a:ext cx="4216400" cy="635000"/>
-          </a:xfrm>
-          <a:prstGeom prst="rect">
-            <a:avLst/>
-          </a:prstGeom>
-        </p:spPr>
-      </p:pic>
-    </p:spTree>
-    <p:extLst>
-      <p:ext uri="{BB962C8B-B14F-4D97-AF65-F5344CB8AC3E}">
-        <p14:creationId xmlns:p14="http://schemas.microsoft.com/office/powerpoint/2010/main" val="684188800"/>
-      </p:ext>
-    </p:extLst>
-  </p:cSld>
-  <p:clrMapOvr>
-    <a:masterClrMapping/>
-  </p:clrMapOvr>
-</p:sld>
-</file>
-
-<file path=ppt/slides/slide18.xml><?xml version="1.0" encoding="utf-8"?>
-<p:sld xmlns:a="http://schemas.openxmlformats.org/drawingml/2006/main" xmlns:r="http://schemas.openxmlformats.org/officeDocument/2006/relationships" xmlns:p="http://schemas.openxmlformats.org/presentationml/2006/main">
-  <p:cSld>
-    <p:spTree>
-      <p:nvGrpSpPr>
-        <p:cNvPr id="1" name=""/>
-        <p:cNvGrpSpPr/>
-        <p:nvPr/>
-      </p:nvGrpSpPr>
-      <p:grpSpPr>
-        <a:xfrm>
-          <a:off x="0" y="0"/>
-          <a:ext cx="0" cy="0"/>
-          <a:chOff x="0" y="0"/>
-          <a:chExt cx="0" cy="0"/>
-        </a:xfrm>
-      </p:grpSpPr>
-      <p:sp>
-        <p:nvSpPr>
-          <p:cNvPr id="2" name="Title 1">
-            <a:extLst>
-              <a:ext uri="{FF2B5EF4-FFF2-40B4-BE49-F238E27FC236}">
-                <a16:creationId xmlns:a16="http://schemas.microsoft.com/office/drawing/2014/main" id="{B847A97B-126C-E34D-BD80-CDF9252131B5}"/>
-              </a:ext>
-            </a:extLst>
-          </p:cNvPr>
-          <p:cNvSpPr>
-            <a:spLocks noGrp="1"/>
-          </p:cNvSpPr>
-          <p:nvPr>
-            <p:ph type="title"/>
-          </p:nvPr>
-        </p:nvSpPr>
-        <p:spPr/>
-        <p:txBody>
-          <a:bodyPr/>
-          <a:lstStyle/>
-          <a:p>
-            <a:endParaRPr lang="en-US"/>
-          </a:p>
-        </p:txBody>
-      </p:sp>
-      <p:sp>
-        <p:nvSpPr>
-          <p:cNvPr id="3" name="Content Placeholder 2">
-            <a:extLst>
-              <a:ext uri="{FF2B5EF4-FFF2-40B4-BE49-F238E27FC236}">
-                <a16:creationId xmlns:a16="http://schemas.microsoft.com/office/drawing/2014/main" id="{E5CC6795-A925-6C4E-A014-031B07B6AC3B}"/>
-              </a:ext>
-            </a:extLst>
-          </p:cNvPr>
-          <p:cNvSpPr>
-            <a:spLocks noGrp="1"/>
-          </p:cNvSpPr>
-          <p:nvPr>
-            <p:ph idx="1"/>
-          </p:nvPr>
-        </p:nvSpPr>
-        <p:spPr/>
-        <p:txBody>
-          <a:bodyPr/>
-          <a:lstStyle/>
-          <a:p>
-            <a:endParaRPr lang="en-US"/>
-          </a:p>
-        </p:txBody>
-      </p:sp>
-      <p:pic>
-        <p:nvPicPr>
-          <p:cNvPr id="4" name="Picture 3">
-            <a:extLst>
-              <a:ext uri="{FF2B5EF4-FFF2-40B4-BE49-F238E27FC236}">
-                <a16:creationId xmlns:a16="http://schemas.microsoft.com/office/drawing/2014/main" id="{899D592C-FD98-254A-905A-07FEB14236DA}"/>
-              </a:ext>
-            </a:extLst>
-          </p:cNvPr>
-          <p:cNvPicPr>
-            <a:picLocks noChangeAspect="1"/>
-          </p:cNvPicPr>
-          <p:nvPr/>
-        </p:nvPicPr>
-        <p:blipFill>
-          <a:blip r:embed="rId2"/>
-          <a:stretch>
-            <a:fillRect/>
-          </a:stretch>
-        </p:blipFill>
-        <p:spPr>
-          <a:xfrm>
-            <a:off x="995768" y="0"/>
-            <a:ext cx="10200464" cy="6858000"/>
-          </a:xfrm>
-          <a:prstGeom prst="rect">
-            <a:avLst/>
-          </a:prstGeom>
-        </p:spPr>
-      </p:pic>
-    </p:spTree>
-    <p:extLst>
-      <p:ext uri="{BB962C8B-B14F-4D97-AF65-F5344CB8AC3E}">
-        <p14:creationId xmlns:p14="http://schemas.microsoft.com/office/powerpoint/2010/main" val="2988195199"/>
-      </p:ext>
-    </p:extLst>
-  </p:cSld>
-  <p:clrMapOvr>
-    <a:masterClrMapping/>
-  </p:clrMapOvr>
-</p:sld>
-</file>
-
-<file path=ppt/slides/slide19.xml><?xml version="1.0" encoding="utf-8"?>
-<p:sld xmlns:a="http://schemas.openxmlformats.org/drawingml/2006/main" xmlns:r="http://schemas.openxmlformats.org/officeDocument/2006/relationships" xmlns:p="http://schemas.openxmlformats.org/presentationml/2006/main">
-  <p:cSld>
-    <p:spTree>
-      <p:nvGrpSpPr>
-        <p:cNvPr id="1" name=""/>
-        <p:cNvGrpSpPr/>
-        <p:nvPr/>
-      </p:nvGrpSpPr>
-      <p:grpSpPr>
-        <a:xfrm>
-          <a:off x="0" y="0"/>
-          <a:ext cx="0" cy="0"/>
-          <a:chOff x="0" y="0"/>
-          <a:chExt cx="0" cy="0"/>
-        </a:xfrm>
-      </p:grpSpPr>
-      <p:sp>
-        <p:nvSpPr>
-          <p:cNvPr id="2" name="Title 1">
-            <a:extLst>
-              <a:ext uri="{FF2B5EF4-FFF2-40B4-BE49-F238E27FC236}">
-                <a16:creationId xmlns:a16="http://schemas.microsoft.com/office/drawing/2014/main" id="{7CDC4768-6D55-814F-8874-1FCBD0357776}"/>
-              </a:ext>
-            </a:extLst>
-          </p:cNvPr>
-          <p:cNvSpPr>
-            <a:spLocks noGrp="1"/>
-          </p:cNvSpPr>
-          <p:nvPr>
-            <p:ph type="title"/>
-          </p:nvPr>
-        </p:nvSpPr>
-        <p:spPr/>
-        <p:txBody>
-          <a:bodyPr/>
-          <a:lstStyle/>
-          <a:p>
-            <a:r>
-              <a:rPr lang="en-US" dirty="0" err="1"/>
-              <a:t>BiPlots</a:t>
-            </a:r>
-            <a:endParaRPr lang="en-US" dirty="0"/>
-          </a:p>
-        </p:txBody>
-      </p:sp>
-      <p:sp>
-        <p:nvSpPr>
-          <p:cNvPr id="3" name="Content Placeholder 2">
-            <a:extLst>
-              <a:ext uri="{FF2B5EF4-FFF2-40B4-BE49-F238E27FC236}">
-                <a16:creationId xmlns:a16="http://schemas.microsoft.com/office/drawing/2014/main" id="{D6B142FC-16D5-CF45-858B-51D41105D074}"/>
-              </a:ext>
-            </a:extLst>
-          </p:cNvPr>
-          <p:cNvSpPr>
-            <a:spLocks noGrp="1"/>
-          </p:cNvSpPr>
-          <p:nvPr>
-            <p:ph idx="1"/>
-          </p:nvPr>
-        </p:nvSpPr>
-        <p:spPr/>
-        <p:txBody>
-          <a:bodyPr/>
-          <a:lstStyle/>
-          <a:p>
-            <a:r>
-              <a:rPr lang="en-US" dirty="0"/>
-              <a:t>Shows a representation for each row and each column</a:t>
-            </a:r>
-          </a:p>
-          <a:p>
-            <a:r>
-              <a:rPr lang="en-US" dirty="0"/>
-              <a:t>When p = 2 then a scatterplot works</a:t>
-            </a:r>
-          </a:p>
-          <a:p>
-            <a:pPr lvl="1"/>
-            <a:r>
-              <a:rPr lang="en-US" dirty="0"/>
-              <a:t>Each row is represented by a point and the two axes represent the variables</a:t>
-            </a:r>
-          </a:p>
-          <a:p>
-            <a:r>
-              <a:rPr lang="en-US" dirty="0"/>
-              <a:t>When p &gt; 2 then use PCA/SVD</a:t>
-            </a:r>
-          </a:p>
-        </p:txBody>
-      </p:sp>
-    </p:spTree>
-    <p:extLst>
-      <p:ext uri="{BB962C8B-B14F-4D97-AF65-F5344CB8AC3E}">
-        <p14:creationId xmlns:p14="http://schemas.microsoft.com/office/powerpoint/2010/main" val="1431203846"/>
+        <p14:creationId xmlns:p14="http://schemas.microsoft.com/office/powerpoint/2010/main" val="3811204434"/>
       </p:ext>
     </p:extLst>
   </p:cSld>
@@ -5415,7 +4140,7 @@
           <p:cNvPr id="2" name="Title 1">
             <a:extLst>
               <a:ext uri="{FF2B5EF4-FFF2-40B4-BE49-F238E27FC236}">
-                <a16:creationId xmlns:a16="http://schemas.microsoft.com/office/drawing/2014/main" id="{1B110C48-98F0-7F4E-8982-E5F43AE4B489}"/>
+                <a16:creationId xmlns:a16="http://schemas.microsoft.com/office/drawing/2014/main" id="{CAF1D2EF-B6FE-E449-AE7C-681F0F5AA172}"/>
               </a:ext>
             </a:extLst>
           </p:cNvPr>
@@ -5443,7 +4168,7 @@
           <p:cNvPr id="3" name="Content Placeholder 2">
             <a:extLst>
               <a:ext uri="{FF2B5EF4-FFF2-40B4-BE49-F238E27FC236}">
-                <a16:creationId xmlns:a16="http://schemas.microsoft.com/office/drawing/2014/main" id="{EC99CBC7-080D-2942-9CAF-7A604AD9C631}"/>
+                <a16:creationId xmlns:a16="http://schemas.microsoft.com/office/drawing/2014/main" id="{560ECD0E-2E7A-B440-A812-49CF00F74BB0}"/>
               </a:ext>
             </a:extLst>
           </p:cNvPr>
@@ -5461,613 +4186,28 @@
           <a:p>
             <a:r>
               <a:rPr lang="en-US" dirty="0"/>
-              <a:t>Methods are designed to reduce dimensionality and portray relationships among observations or variables</a:t>
-            </a:r>
-          </a:p>
-          <a:p>
+              <a:t>Linear functions of variables are used to describe differences between two or more groups.</a:t>
+            </a:r>
+          </a:p>
+          <a:p>
+            <a:pPr lvl="1"/>
+            <a:r>
+              <a:rPr lang="en-US" dirty="0"/>
+              <a:t>Identifying the relative contribution of the p variables to separation of the groups</a:t>
+            </a:r>
+          </a:p>
+          <a:p>
+            <a:pPr marL="457200" lvl="1" indent="0">
+              <a:buNone/>
+            </a:pPr>
             <a:endParaRPr lang="en-US" dirty="0"/>
-          </a:p>
-          <a:p>
-            <a:r>
-              <a:rPr lang="en-US" dirty="0"/>
-              <a:t>Discuss:</a:t>
-            </a:r>
-          </a:p>
-          <a:p>
-            <a:pPr lvl="1"/>
-            <a:r>
-              <a:rPr lang="en-US" dirty="0"/>
-              <a:t>Multidimensional Scaling</a:t>
-            </a:r>
-          </a:p>
-          <a:p>
-            <a:pPr lvl="1"/>
-            <a:r>
-              <a:rPr lang="en-US" dirty="0"/>
-              <a:t>Correspondence Analysis</a:t>
-            </a:r>
-          </a:p>
-          <a:p>
-            <a:pPr lvl="1"/>
-            <a:r>
-              <a:rPr lang="en-US" dirty="0"/>
-              <a:t>Biplots</a:t>
-            </a:r>
           </a:p>
         </p:txBody>
       </p:sp>
     </p:spTree>
     <p:extLst>
       <p:ext uri="{BB962C8B-B14F-4D97-AF65-F5344CB8AC3E}">
-        <p14:creationId xmlns:p14="http://schemas.microsoft.com/office/powerpoint/2010/main" val="1775987332"/>
-      </p:ext>
-    </p:extLst>
-  </p:cSld>
-  <p:clrMapOvr>
-    <a:masterClrMapping/>
-  </p:clrMapOvr>
-</p:sld>
-</file>
-
-<file path=ppt/slides/slide20.xml><?xml version="1.0" encoding="utf-8"?>
-<p:sld xmlns:a="http://schemas.openxmlformats.org/drawingml/2006/main" xmlns:r="http://schemas.openxmlformats.org/officeDocument/2006/relationships" xmlns:p="http://schemas.openxmlformats.org/presentationml/2006/main">
-  <p:cSld>
-    <p:spTree>
-      <p:nvGrpSpPr>
-        <p:cNvPr id="1" name=""/>
-        <p:cNvGrpSpPr/>
-        <p:nvPr/>
-      </p:nvGrpSpPr>
-      <p:grpSpPr>
-        <a:xfrm>
-          <a:off x="0" y="0"/>
-          <a:ext cx="0" cy="0"/>
-          <a:chOff x="0" y="0"/>
-          <a:chExt cx="0" cy="0"/>
-        </a:xfrm>
-      </p:grpSpPr>
-      <p:sp>
-        <p:nvSpPr>
-          <p:cNvPr id="2" name="Title 1">
-            <a:extLst>
-              <a:ext uri="{FF2B5EF4-FFF2-40B4-BE49-F238E27FC236}">
-                <a16:creationId xmlns:a16="http://schemas.microsoft.com/office/drawing/2014/main" id="{B565FCBE-D002-E049-A29A-8F1ADF618653}"/>
-              </a:ext>
-            </a:extLst>
-          </p:cNvPr>
-          <p:cNvSpPr>
-            <a:spLocks noGrp="1"/>
-          </p:cNvSpPr>
-          <p:nvPr>
-            <p:ph type="title"/>
-          </p:nvPr>
-        </p:nvSpPr>
-        <p:spPr/>
-        <p:txBody>
-          <a:bodyPr/>
-          <a:lstStyle/>
-          <a:p>
-            <a:r>
-              <a:rPr lang="en-US" dirty="0"/>
-              <a:t>Principal Component Plots</a:t>
-            </a:r>
-          </a:p>
-        </p:txBody>
-      </p:sp>
-      <p:sp>
-        <p:nvSpPr>
-          <p:cNvPr id="3" name="Content Placeholder 2">
-            <a:extLst>
-              <a:ext uri="{FF2B5EF4-FFF2-40B4-BE49-F238E27FC236}">
-                <a16:creationId xmlns:a16="http://schemas.microsoft.com/office/drawing/2014/main" id="{41C2563F-A25F-074D-A611-0967D169D51B}"/>
-              </a:ext>
-            </a:extLst>
-          </p:cNvPr>
-          <p:cNvSpPr>
-            <a:spLocks noGrp="1"/>
-          </p:cNvSpPr>
-          <p:nvPr>
-            <p:ph idx="1"/>
-          </p:nvPr>
-        </p:nvSpPr>
-        <p:spPr/>
-        <p:txBody>
-          <a:bodyPr/>
-          <a:lstStyle/>
-          <a:p>
-            <a:r>
-              <a:rPr lang="en-US" dirty="0"/>
-              <a:t>Create principal components as usual</a:t>
-            </a:r>
-          </a:p>
-          <a:p>
-            <a:endParaRPr lang="en-US" dirty="0"/>
-          </a:p>
-          <a:p>
-            <a:endParaRPr lang="en-US" dirty="0"/>
-          </a:p>
-          <a:p>
-            <a:endParaRPr lang="en-US" dirty="0"/>
-          </a:p>
-          <a:p>
-            <a:endParaRPr lang="en-US" dirty="0"/>
-          </a:p>
-          <a:p>
-            <a:r>
-              <a:rPr lang="en-US" dirty="0"/>
-              <a:t>A is a matrix of eigen vectors</a:t>
-            </a:r>
-          </a:p>
-        </p:txBody>
-      </p:sp>
-      <p:pic>
-        <p:nvPicPr>
-          <p:cNvPr id="4" name="Picture 3">
-            <a:extLst>
-              <a:ext uri="{FF2B5EF4-FFF2-40B4-BE49-F238E27FC236}">
-                <a16:creationId xmlns:a16="http://schemas.microsoft.com/office/drawing/2014/main" id="{9AD129A8-E7F9-5E49-9505-28FB28C069B6}"/>
-              </a:ext>
-            </a:extLst>
-          </p:cNvPr>
-          <p:cNvPicPr>
-            <a:picLocks noChangeAspect="1"/>
-          </p:cNvPicPr>
-          <p:nvPr/>
-        </p:nvPicPr>
-        <p:blipFill>
-          <a:blip r:embed="rId2"/>
-          <a:stretch>
-            <a:fillRect/>
-          </a:stretch>
-        </p:blipFill>
-        <p:spPr>
-          <a:xfrm>
-            <a:off x="1979584" y="2414212"/>
-            <a:ext cx="4841083" cy="2029575"/>
-          </a:xfrm>
-          <a:prstGeom prst="rect">
-            <a:avLst/>
-          </a:prstGeom>
-        </p:spPr>
-      </p:pic>
-      <p:sp>
-        <p:nvSpPr>
-          <p:cNvPr id="5" name="TextBox 4">
-            <a:extLst>
-              <a:ext uri="{FF2B5EF4-FFF2-40B4-BE49-F238E27FC236}">
-                <a16:creationId xmlns:a16="http://schemas.microsoft.com/office/drawing/2014/main" id="{26A61F0F-C224-5844-B0AA-0F3ED0EA3BDD}"/>
-              </a:ext>
-            </a:extLst>
-          </p:cNvPr>
-          <p:cNvSpPr txBox="1"/>
-          <p:nvPr/>
-        </p:nvSpPr>
-        <p:spPr>
-          <a:xfrm>
-            <a:off x="8354291" y="2951018"/>
-            <a:ext cx="3684598" cy="646331"/>
-          </a:xfrm>
-          <a:prstGeom prst="rect">
-            <a:avLst/>
-          </a:prstGeom>
-          <a:noFill/>
-        </p:spPr>
-        <p:txBody>
-          <a:bodyPr wrap="none" rtlCol="0">
-            <a:spAutoFit/>
-          </a:bodyPr>
-          <a:lstStyle/>
-          <a:p>
-            <a:r>
-              <a:rPr lang="en-US" dirty="0"/>
-              <a:t>A contains representation of columns</a:t>
-            </a:r>
-          </a:p>
-          <a:p>
-            <a:r>
-              <a:rPr lang="en-US" dirty="0"/>
-              <a:t>Z contains representation of points</a:t>
-            </a:r>
-          </a:p>
-        </p:txBody>
-      </p:sp>
-    </p:spTree>
-    <p:extLst>
-      <p:ext uri="{BB962C8B-B14F-4D97-AF65-F5344CB8AC3E}">
-        <p14:creationId xmlns:p14="http://schemas.microsoft.com/office/powerpoint/2010/main" val="911773381"/>
-      </p:ext>
-    </p:extLst>
-  </p:cSld>
-  <p:clrMapOvr>
-    <a:masterClrMapping/>
-  </p:clrMapOvr>
-</p:sld>
-</file>
-
-<file path=ppt/slides/slide21.xml><?xml version="1.0" encoding="utf-8"?>
-<p:sld xmlns:a="http://schemas.openxmlformats.org/drawingml/2006/main" xmlns:r="http://schemas.openxmlformats.org/officeDocument/2006/relationships" xmlns:p="http://schemas.openxmlformats.org/presentationml/2006/main">
-  <p:cSld>
-    <p:spTree>
-      <p:nvGrpSpPr>
-        <p:cNvPr id="1" name=""/>
-        <p:cNvGrpSpPr/>
-        <p:nvPr/>
-      </p:nvGrpSpPr>
-      <p:grpSpPr>
-        <a:xfrm>
-          <a:off x="0" y="0"/>
-          <a:ext cx="0" cy="0"/>
-          <a:chOff x="0" y="0"/>
-          <a:chExt cx="0" cy="0"/>
-        </a:xfrm>
-      </p:grpSpPr>
-      <p:sp>
-        <p:nvSpPr>
-          <p:cNvPr id="2" name="Title 1">
-            <a:extLst>
-              <a:ext uri="{FF2B5EF4-FFF2-40B4-BE49-F238E27FC236}">
-                <a16:creationId xmlns:a16="http://schemas.microsoft.com/office/drawing/2014/main" id="{5F319C40-3232-3A48-A225-F6F18879C6FE}"/>
-              </a:ext>
-            </a:extLst>
-          </p:cNvPr>
-          <p:cNvSpPr>
-            <a:spLocks noGrp="1"/>
-          </p:cNvSpPr>
-          <p:nvPr>
-            <p:ph type="title"/>
-          </p:nvPr>
-        </p:nvSpPr>
-        <p:spPr/>
-        <p:txBody>
-          <a:bodyPr/>
-          <a:lstStyle/>
-          <a:p>
-            <a:r>
-              <a:rPr lang="en-US" dirty="0"/>
-              <a:t>We can do the same thing with SVD</a:t>
-            </a:r>
-          </a:p>
-        </p:txBody>
-      </p:sp>
-      <p:pic>
-        <p:nvPicPr>
-          <p:cNvPr id="4" name="Content Placeholder 3">
-            <a:extLst>
-              <a:ext uri="{FF2B5EF4-FFF2-40B4-BE49-F238E27FC236}">
-                <a16:creationId xmlns:a16="http://schemas.microsoft.com/office/drawing/2014/main" id="{6DE96406-FC89-CF44-9BF3-DCA04FC72198}"/>
-              </a:ext>
-            </a:extLst>
-          </p:cNvPr>
-          <p:cNvPicPr>
-            <a:picLocks noGrp="1" noChangeAspect="1"/>
-          </p:cNvPicPr>
-          <p:nvPr>
-            <p:ph idx="1"/>
-          </p:nvPr>
-        </p:nvPicPr>
-        <p:blipFill>
-          <a:blip r:embed="rId2"/>
-          <a:stretch>
-            <a:fillRect/>
-          </a:stretch>
-        </p:blipFill>
-        <p:spPr>
-          <a:xfrm>
-            <a:off x="931257" y="1690688"/>
-            <a:ext cx="2565400" cy="990600"/>
-          </a:xfrm>
-          <a:prstGeom prst="rect">
-            <a:avLst/>
-          </a:prstGeom>
-        </p:spPr>
-      </p:pic>
-      <p:pic>
-        <p:nvPicPr>
-          <p:cNvPr id="5" name="Picture 4">
-            <a:extLst>
-              <a:ext uri="{FF2B5EF4-FFF2-40B4-BE49-F238E27FC236}">
-                <a16:creationId xmlns:a16="http://schemas.microsoft.com/office/drawing/2014/main" id="{405323C0-EC1B-174C-8E71-79A587E03780}"/>
-              </a:ext>
-            </a:extLst>
-          </p:cNvPr>
-          <p:cNvPicPr>
-            <a:picLocks noChangeAspect="1"/>
-          </p:cNvPicPr>
-          <p:nvPr/>
-        </p:nvPicPr>
-        <p:blipFill>
-          <a:blip r:embed="rId3"/>
-          <a:stretch>
-            <a:fillRect/>
-          </a:stretch>
-        </p:blipFill>
-        <p:spPr>
-          <a:xfrm>
-            <a:off x="1176828" y="2681288"/>
-            <a:ext cx="4165600" cy="901700"/>
-          </a:xfrm>
-          <a:prstGeom prst="rect">
-            <a:avLst/>
-          </a:prstGeom>
-        </p:spPr>
-      </p:pic>
-      <p:pic>
-        <p:nvPicPr>
-          <p:cNvPr id="6" name="Picture 5">
-            <a:extLst>
-              <a:ext uri="{FF2B5EF4-FFF2-40B4-BE49-F238E27FC236}">
-                <a16:creationId xmlns:a16="http://schemas.microsoft.com/office/drawing/2014/main" id="{C7FD83D1-593D-7E45-A251-073324C3279A}"/>
-              </a:ext>
-            </a:extLst>
-          </p:cNvPr>
-          <p:cNvPicPr>
-            <a:picLocks noChangeAspect="1"/>
-          </p:cNvPicPr>
-          <p:nvPr/>
-        </p:nvPicPr>
-        <p:blipFill>
-          <a:blip r:embed="rId4"/>
-          <a:stretch>
-            <a:fillRect/>
-          </a:stretch>
-        </p:blipFill>
-        <p:spPr>
-          <a:xfrm>
-            <a:off x="1094278" y="3479079"/>
-            <a:ext cx="4330700" cy="1879600"/>
-          </a:xfrm>
-          <a:prstGeom prst="rect">
-            <a:avLst/>
-          </a:prstGeom>
-        </p:spPr>
-      </p:pic>
-      <p:pic>
-        <p:nvPicPr>
-          <p:cNvPr id="7" name="Picture 6">
-            <a:extLst>
-              <a:ext uri="{FF2B5EF4-FFF2-40B4-BE49-F238E27FC236}">
-                <a16:creationId xmlns:a16="http://schemas.microsoft.com/office/drawing/2014/main" id="{F98A9909-BA61-2B49-95EF-525773D93963}"/>
-              </a:ext>
-            </a:extLst>
-          </p:cNvPr>
-          <p:cNvPicPr>
-            <a:picLocks noChangeAspect="1"/>
-          </p:cNvPicPr>
-          <p:nvPr/>
-        </p:nvPicPr>
-        <p:blipFill>
-          <a:blip r:embed="rId5"/>
-          <a:stretch>
-            <a:fillRect/>
-          </a:stretch>
-        </p:blipFill>
-        <p:spPr>
-          <a:xfrm>
-            <a:off x="966354" y="5461231"/>
-            <a:ext cx="4648200" cy="939800"/>
-          </a:xfrm>
-          <a:prstGeom prst="rect">
-            <a:avLst/>
-          </a:prstGeom>
-        </p:spPr>
-      </p:pic>
-      <p:pic>
-        <p:nvPicPr>
-          <p:cNvPr id="8" name="Picture 7">
-            <a:extLst>
-              <a:ext uri="{FF2B5EF4-FFF2-40B4-BE49-F238E27FC236}">
-                <a16:creationId xmlns:a16="http://schemas.microsoft.com/office/drawing/2014/main" id="{AFE53A94-8793-A54B-BC4B-708CD530E94B}"/>
-              </a:ext>
-            </a:extLst>
-          </p:cNvPr>
-          <p:cNvPicPr>
-            <a:picLocks noChangeAspect="1"/>
-          </p:cNvPicPr>
-          <p:nvPr/>
-        </p:nvPicPr>
-        <p:blipFill>
-          <a:blip r:embed="rId6"/>
-          <a:stretch>
-            <a:fillRect/>
-          </a:stretch>
-        </p:blipFill>
-        <p:spPr>
-          <a:xfrm>
-            <a:off x="6917345" y="1847706"/>
-            <a:ext cx="3556000" cy="635000"/>
-          </a:xfrm>
-          <a:prstGeom prst="rect">
-            <a:avLst/>
-          </a:prstGeom>
-        </p:spPr>
-      </p:pic>
-    </p:spTree>
-    <p:extLst>
-      <p:ext uri="{BB962C8B-B14F-4D97-AF65-F5344CB8AC3E}">
-        <p14:creationId xmlns:p14="http://schemas.microsoft.com/office/powerpoint/2010/main" val="2892297435"/>
-      </p:ext>
-    </p:extLst>
-  </p:cSld>
-  <p:clrMapOvr>
-    <a:masterClrMapping/>
-  </p:clrMapOvr>
-</p:sld>
-</file>
-
-<file path=ppt/slides/slide22.xml><?xml version="1.0" encoding="utf-8"?>
-<p:sld xmlns:a="http://schemas.openxmlformats.org/drawingml/2006/main" xmlns:r="http://schemas.openxmlformats.org/officeDocument/2006/relationships" xmlns:p="http://schemas.openxmlformats.org/presentationml/2006/main">
-  <p:cSld>
-    <p:spTree>
-      <p:nvGrpSpPr>
-        <p:cNvPr id="1" name=""/>
-        <p:cNvGrpSpPr/>
-        <p:nvPr/>
-      </p:nvGrpSpPr>
-      <p:grpSpPr>
-        <a:xfrm>
-          <a:off x="0" y="0"/>
-          <a:ext cx="0" cy="0"/>
-          <a:chOff x="0" y="0"/>
-          <a:chExt cx="0" cy="0"/>
-        </a:xfrm>
-      </p:grpSpPr>
-      <p:sp>
-        <p:nvSpPr>
-          <p:cNvPr id="2" name="Title 1">
-            <a:extLst>
-              <a:ext uri="{FF2B5EF4-FFF2-40B4-BE49-F238E27FC236}">
-                <a16:creationId xmlns:a16="http://schemas.microsoft.com/office/drawing/2014/main" id="{85025ABC-FB58-794A-9EA5-A3A92FE15BA4}"/>
-              </a:ext>
-            </a:extLst>
-          </p:cNvPr>
-          <p:cNvSpPr>
-            <a:spLocks noGrp="1"/>
-          </p:cNvSpPr>
-          <p:nvPr>
-            <p:ph type="title"/>
-          </p:nvPr>
-        </p:nvSpPr>
-        <p:spPr/>
-        <p:txBody>
-          <a:bodyPr/>
-          <a:lstStyle/>
-          <a:p>
-            <a:r>
-              <a:rPr lang="en-US" dirty="0"/>
-              <a:t>SVD – Plotting – alternative representations</a:t>
-            </a:r>
-          </a:p>
-        </p:txBody>
-      </p:sp>
-      <p:sp>
-        <p:nvSpPr>
-          <p:cNvPr id="3" name="Content Placeholder 2">
-            <a:extLst>
-              <a:ext uri="{FF2B5EF4-FFF2-40B4-BE49-F238E27FC236}">
-                <a16:creationId xmlns:a16="http://schemas.microsoft.com/office/drawing/2014/main" id="{CFADFE4B-499D-3545-B57D-88720C69A3A4}"/>
-              </a:ext>
-            </a:extLst>
-          </p:cNvPr>
-          <p:cNvSpPr>
-            <a:spLocks noGrp="1"/>
-          </p:cNvSpPr>
-          <p:nvPr>
-            <p:ph idx="1"/>
-          </p:nvPr>
-        </p:nvSpPr>
-        <p:spPr/>
-        <p:txBody>
-          <a:bodyPr/>
-          <a:lstStyle/>
-          <a:p>
-            <a:endParaRPr lang="en-US" dirty="0"/>
-          </a:p>
-        </p:txBody>
-      </p:sp>
-      <p:pic>
-        <p:nvPicPr>
-          <p:cNvPr id="4" name="Picture 3">
-            <a:extLst>
-              <a:ext uri="{FF2B5EF4-FFF2-40B4-BE49-F238E27FC236}">
-                <a16:creationId xmlns:a16="http://schemas.microsoft.com/office/drawing/2014/main" id="{89F2DE25-4EBE-B04E-BDE9-ED983507A6A4}"/>
-              </a:ext>
-            </a:extLst>
-          </p:cNvPr>
-          <p:cNvPicPr>
-            <a:picLocks noChangeAspect="1"/>
-          </p:cNvPicPr>
-          <p:nvPr/>
-        </p:nvPicPr>
-        <p:blipFill>
-          <a:blip r:embed="rId2"/>
-          <a:stretch>
-            <a:fillRect/>
-          </a:stretch>
-        </p:blipFill>
-        <p:spPr>
-          <a:xfrm>
-            <a:off x="709890" y="1754708"/>
-            <a:ext cx="7262664" cy="4351338"/>
-          </a:xfrm>
-          <a:prstGeom prst="rect">
-            <a:avLst/>
-          </a:prstGeom>
-        </p:spPr>
-      </p:pic>
-      <p:pic>
-        <p:nvPicPr>
-          <p:cNvPr id="5" name="Picture 4">
-            <a:extLst>
-              <a:ext uri="{FF2B5EF4-FFF2-40B4-BE49-F238E27FC236}">
-                <a16:creationId xmlns:a16="http://schemas.microsoft.com/office/drawing/2014/main" id="{043AD893-66E8-B140-8ECA-96A15E8F1BE5}"/>
-              </a:ext>
-            </a:extLst>
-          </p:cNvPr>
-          <p:cNvPicPr>
-            <a:picLocks noChangeAspect="1"/>
-          </p:cNvPicPr>
-          <p:nvPr/>
-        </p:nvPicPr>
-        <p:blipFill>
-          <a:blip r:embed="rId3"/>
-          <a:stretch>
-            <a:fillRect/>
-          </a:stretch>
-        </p:blipFill>
-        <p:spPr>
-          <a:xfrm>
-            <a:off x="7850779" y="1761605"/>
-            <a:ext cx="3886200" cy="990600"/>
-          </a:xfrm>
-          <a:prstGeom prst="rect">
-            <a:avLst/>
-          </a:prstGeom>
-        </p:spPr>
-      </p:pic>
-      <p:sp>
-        <p:nvSpPr>
-          <p:cNvPr id="6" name="TextBox 5">
-            <a:extLst>
-              <a:ext uri="{FF2B5EF4-FFF2-40B4-BE49-F238E27FC236}">
-                <a16:creationId xmlns:a16="http://schemas.microsoft.com/office/drawing/2014/main" id="{B55F214F-1541-1945-ADD4-3B0D0BDB458D}"/>
-              </a:ext>
-            </a:extLst>
-          </p:cNvPr>
-          <p:cNvSpPr txBox="1"/>
-          <p:nvPr/>
-        </p:nvSpPr>
-        <p:spPr>
-          <a:xfrm>
-            <a:off x="2053244" y="6525491"/>
-            <a:ext cx="5870903" cy="369332"/>
-          </a:xfrm>
-          <a:prstGeom prst="rect">
-            <a:avLst/>
-          </a:prstGeom>
-          <a:noFill/>
-        </p:spPr>
-        <p:txBody>
-          <a:bodyPr wrap="none" rtlCol="0">
-            <a:spAutoFit/>
-          </a:bodyPr>
-          <a:lstStyle/>
-          <a:p>
-            <a:r>
-              <a:rPr lang="en-US" dirty="0"/>
-              <a:t>These show the first two columns of the respective </a:t>
-            </a:r>
-            <a:r>
-              <a:rPr lang="en-US" dirty="0" err="1"/>
-              <a:t>matricies</a:t>
-            </a:r>
-            <a:endParaRPr lang="en-US" dirty="0"/>
-          </a:p>
-        </p:txBody>
-      </p:sp>
-    </p:spTree>
-    <p:extLst>
-      <p:ext uri="{BB962C8B-B14F-4D97-AF65-F5344CB8AC3E}">
-        <p14:creationId xmlns:p14="http://schemas.microsoft.com/office/powerpoint/2010/main" val="1275022945"/>
+        <p14:creationId xmlns:p14="http://schemas.microsoft.com/office/powerpoint/2010/main" val="2038618042"/>
       </p:ext>
     </p:extLst>
   </p:cSld>
@@ -6099,7 +4239,7 @@
           <p:cNvPr id="2" name="Title 1">
             <a:extLst>
               <a:ext uri="{FF2B5EF4-FFF2-40B4-BE49-F238E27FC236}">
-                <a16:creationId xmlns:a16="http://schemas.microsoft.com/office/drawing/2014/main" id="{0858CB63-80DC-8144-9BC6-AE93555F9D83}"/>
+                <a16:creationId xmlns:a16="http://schemas.microsoft.com/office/drawing/2014/main" id="{6FAA38C7-1764-9644-AD0D-5E076A4D999D}"/>
               </a:ext>
             </a:extLst>
           </p:cNvPr>
@@ -6117,192 +4257,48 @@
           <a:p>
             <a:r>
               <a:rPr lang="en-US" dirty="0"/>
-              <a:t>Multidimensional Scaling</a:t>
-            </a:r>
-          </a:p>
-        </p:txBody>
-      </p:sp>
-      <mc:AlternateContent xmlns:mc="http://schemas.openxmlformats.org/markup-compatibility/2006" xmlns:a14="http://schemas.microsoft.com/office/drawing/2010/main">
-        <mc:Choice Requires="a14">
-          <p:sp>
-            <p:nvSpPr>
-              <p:cNvPr id="3" name="Content Placeholder 2">
-                <a:extLst>
-                  <a:ext uri="{FF2B5EF4-FFF2-40B4-BE49-F238E27FC236}">
-                    <a16:creationId xmlns:a16="http://schemas.microsoft.com/office/drawing/2014/main" id="{2E5B5CF2-1127-B147-A4AF-EC24823F6037}"/>
-                  </a:ext>
-                </a:extLst>
-              </p:cNvPr>
-              <p:cNvSpPr>
-                <a:spLocks noGrp="1"/>
-              </p:cNvSpPr>
-              <p:nvPr>
-                <p:ph idx="1"/>
-              </p:nvPr>
-            </p:nvSpPr>
-            <p:spPr/>
-            <p:txBody>
-              <a:bodyPr/>
-              <a:lstStyle/>
-              <a:p>
-                <a:r>
-                  <a:rPr lang="en-US" dirty="0"/>
-                  <a:t>Start with distances between pairs of items (</a:t>
-                </a:r>
-                <a14:m>
-                  <m:oMath xmlns:m="http://schemas.openxmlformats.org/officeDocument/2006/math">
-                    <m:sSub>
-                      <m:sSubPr>
-                        <m:ctrlPr>
-                          <a:rPr lang="en-US" b="0" i="1" smtClean="0">
-                            <a:latin typeface="Cambria Math" panose="02040503050406030204" pitchFamily="18" charset="0"/>
-                          </a:rPr>
-                        </m:ctrlPr>
-                      </m:sSubPr>
-                      <m:e>
-                        <m:r>
-                          <a:rPr lang="en-US" b="0" i="1" smtClean="0">
-                            <a:latin typeface="Cambria Math" panose="02040503050406030204" pitchFamily="18" charset="0"/>
-                          </a:rPr>
-                          <m:t>𝛿</m:t>
-                        </m:r>
-                      </m:e>
-                      <m:sub>
-                        <m:r>
-                          <a:rPr lang="en-US" b="0" i="1" smtClean="0">
-                            <a:latin typeface="Cambria Math" panose="02040503050406030204" pitchFamily="18" charset="0"/>
-                          </a:rPr>
-                          <m:t>𝑖𝑗</m:t>
-                        </m:r>
-                      </m:sub>
-                    </m:sSub>
-                    <m:r>
-                      <a:rPr lang="en-US" b="0" i="1" smtClean="0">
-                        <a:latin typeface="Cambria Math" panose="02040503050406030204" pitchFamily="18" charset="0"/>
-                      </a:rPr>
-                      <m:t>)</m:t>
-                    </m:r>
-                  </m:oMath>
-                </a14:m>
-                <a:endParaRPr lang="en-US" dirty="0"/>
-              </a:p>
-              <a:p>
-                <a:r>
-                  <a:rPr lang="en-US" dirty="0"/>
-                  <a:t>These distances are based off of </a:t>
-                </a:r>
-                <a:r>
-                  <a:rPr lang="en-US" i="1" dirty="0"/>
-                  <a:t>p</a:t>
-                </a:r>
-                <a:r>
-                  <a:rPr lang="en-US" dirty="0"/>
-                  <a:t> columns</a:t>
-                </a:r>
-              </a:p>
-              <a:p>
-                <a:pPr marL="0" indent="0">
-                  <a:buNone/>
-                </a:pPr>
-                <a:r>
-                  <a:rPr lang="en-US" dirty="0"/>
-                  <a:t> </a:t>
-                </a:r>
-              </a:p>
-              <a:p>
-                <a:r>
-                  <a:rPr lang="en-US" dirty="0"/>
-                  <a:t>Our goal is to represent these distances using fewer dimensions (e.g. 2) so that we can graph the points and visualize multivariate data in two dimensions.</a:t>
-                </a:r>
-              </a:p>
-              <a:p>
-                <a:r>
-                  <a:rPr lang="en-US" dirty="0"/>
-                  <a:t>We will try to create points such that the new distances (</a:t>
-                </a:r>
-                <a14:m>
-                  <m:oMath xmlns:m="http://schemas.openxmlformats.org/officeDocument/2006/math">
-                    <m:sSub>
-                      <m:sSubPr>
-                        <m:ctrlPr>
-                          <a:rPr lang="en-US" b="0" i="1" smtClean="0">
-                            <a:latin typeface="Cambria Math" panose="02040503050406030204" pitchFamily="18" charset="0"/>
-                          </a:rPr>
-                        </m:ctrlPr>
-                      </m:sSubPr>
-                      <m:e>
-                        <m:r>
-                          <a:rPr lang="en-US" b="0" i="1" smtClean="0">
-                            <a:latin typeface="Cambria Math" panose="02040503050406030204" pitchFamily="18" charset="0"/>
-                          </a:rPr>
-                          <m:t>𝑑</m:t>
-                        </m:r>
-                      </m:e>
-                      <m:sub>
-                        <m:r>
-                          <a:rPr lang="en-US" b="0" i="1" smtClean="0">
-                            <a:latin typeface="Cambria Math" panose="02040503050406030204" pitchFamily="18" charset="0"/>
-                          </a:rPr>
-                          <m:t>𝑖𝑗</m:t>
-                        </m:r>
-                      </m:sub>
-                    </m:sSub>
-                  </m:oMath>
-                </a14:m>
-                <a:r>
-                  <a:rPr lang="en-US" dirty="0"/>
-                  <a:t>):</a:t>
-                </a:r>
-              </a:p>
-            </p:txBody>
-          </p:sp>
-        </mc:Choice>
-        <mc:Fallback xmlns="">
-          <p:sp>
-            <p:nvSpPr>
-              <p:cNvPr id="3" name="Content Placeholder 2">
-                <a:extLst>
-                  <a:ext uri="{FF2B5EF4-FFF2-40B4-BE49-F238E27FC236}">
-                    <a16:creationId xmlns:a16="http://schemas.microsoft.com/office/drawing/2014/main" id="{2E5B5CF2-1127-B147-A4AF-EC24823F6037}"/>
-                  </a:ext>
-                </a:extLst>
-              </p:cNvPr>
-              <p:cNvSpPr>
-                <a:spLocks noGrp="1" noRot="1" noChangeAspect="1" noMove="1" noResize="1" noEditPoints="1" noAdjustHandles="1" noChangeArrowheads="1" noChangeShapeType="1" noTextEdit="1"/>
-              </p:cNvSpPr>
-              <p:nvPr>
-                <p:ph idx="1"/>
-              </p:nvPr>
-            </p:nvSpPr>
-            <p:spPr>
-              <a:blipFill>
-                <a:blip r:embed="rId3"/>
-                <a:stretch>
-                  <a:fillRect l="-1086" t="-2035"/>
-                </a:stretch>
-              </a:blipFill>
-            </p:spPr>
-            <p:txBody>
-              <a:bodyPr/>
-              <a:lstStyle/>
-              <a:p>
-                <a:r>
-                  <a:rPr lang="en-US">
-                    <a:noFill/>
-                  </a:rPr>
-                  <a:t> </a:t>
-                </a:r>
-              </a:p>
-            </p:txBody>
-          </p:sp>
-        </mc:Fallback>
-      </mc:AlternateContent>
+              <a:t>Discriminant function for two groups</a:t>
+            </a:r>
+          </a:p>
+        </p:txBody>
+      </p:sp>
+      <p:sp>
+        <p:nvSpPr>
+          <p:cNvPr id="3" name="Content Placeholder 2">
+            <a:extLst>
+              <a:ext uri="{FF2B5EF4-FFF2-40B4-BE49-F238E27FC236}">
+                <a16:creationId xmlns:a16="http://schemas.microsoft.com/office/drawing/2014/main" id="{3CB5C14D-0B48-F14F-9806-4076381D5F2F}"/>
+              </a:ext>
+            </a:extLst>
+          </p:cNvPr>
+          <p:cNvSpPr>
+            <a:spLocks noGrp="1"/>
+          </p:cNvSpPr>
+          <p:nvPr>
+            <p:ph idx="1"/>
+          </p:nvPr>
+        </p:nvSpPr>
+        <p:spPr/>
+        <p:txBody>
+          <a:bodyPr/>
+          <a:lstStyle/>
+          <a:p>
+            <a:r>
+              <a:rPr lang="en-US" dirty="0"/>
+              <a:t>Assume that the two populations to be compared have the same covariance matrix – but distinct mean vectors.</a:t>
+            </a:r>
+          </a:p>
+          <a:p>
+            <a:endParaRPr lang="en-US" dirty="0"/>
+          </a:p>
+        </p:txBody>
+      </p:sp>
       <p:pic>
         <p:nvPicPr>
           <p:cNvPr id="4" name="Picture 3">
             <a:extLst>
               <a:ext uri="{FF2B5EF4-FFF2-40B4-BE49-F238E27FC236}">
-                <a16:creationId xmlns:a16="http://schemas.microsoft.com/office/drawing/2014/main" id="{53A41827-4852-FC44-8BFE-50118787A6FB}"/>
+                <a16:creationId xmlns:a16="http://schemas.microsoft.com/office/drawing/2014/main" id="{416111AF-E5C9-CC49-856C-FD484C7C1E56}"/>
               </a:ext>
             </a:extLst>
           </p:cNvPr>
@@ -6312,15 +4308,45 @@
           <p:nvPr/>
         </p:nvPicPr>
         <p:blipFill>
-          <a:blip r:embed="rId4"/>
+          <a:blip r:embed="rId2"/>
           <a:stretch>
             <a:fillRect/>
           </a:stretch>
         </p:blipFill>
         <p:spPr>
           <a:xfrm>
-            <a:off x="4515889" y="5209309"/>
-            <a:ext cx="3276600" cy="762000"/>
+            <a:off x="1181100" y="2825750"/>
+            <a:ext cx="9829800" cy="1206500"/>
+          </a:xfrm>
+          <a:prstGeom prst="rect">
+            <a:avLst/>
+          </a:prstGeom>
+        </p:spPr>
+      </p:pic>
+      <p:pic>
+        <p:nvPicPr>
+          <p:cNvPr id="5" name="Picture 4">
+            <a:extLst>
+              <a:ext uri="{FF2B5EF4-FFF2-40B4-BE49-F238E27FC236}">
+                <a16:creationId xmlns:a16="http://schemas.microsoft.com/office/drawing/2014/main" id="{FF50DDA8-61B0-D447-87C4-30E668C1067B}"/>
+              </a:ext>
+            </a:extLst>
+          </p:cNvPr>
+          <p:cNvPicPr>
+            <a:picLocks noChangeAspect="1"/>
+          </p:cNvPicPr>
+          <p:nvPr/>
+        </p:nvPicPr>
+        <p:blipFill>
+          <a:blip r:embed="rId3"/>
+          <a:stretch>
+            <a:fillRect/>
+          </a:stretch>
+        </p:blipFill>
+        <p:spPr>
+          <a:xfrm>
+            <a:off x="1181100" y="3966358"/>
+            <a:ext cx="3909646" cy="2526517"/>
           </a:xfrm>
           <a:prstGeom prst="rect">
             <a:avLst/>
@@ -6330,7 +4356,7 @@
     </p:spTree>
     <p:extLst>
       <p:ext uri="{BB962C8B-B14F-4D97-AF65-F5344CB8AC3E}">
-        <p14:creationId xmlns:p14="http://schemas.microsoft.com/office/powerpoint/2010/main" val="4254565798"/>
+        <p14:creationId xmlns:p14="http://schemas.microsoft.com/office/powerpoint/2010/main" val="1067333018"/>
       </p:ext>
     </p:extLst>
   </p:cSld>
@@ -6362,7 +4388,7 @@
           <p:cNvPr id="2" name="Title 1">
             <a:extLst>
               <a:ext uri="{FF2B5EF4-FFF2-40B4-BE49-F238E27FC236}">
-                <a16:creationId xmlns:a16="http://schemas.microsoft.com/office/drawing/2014/main" id="{E7FB03D8-EC23-6044-AD5D-E7D3E599F0F2}"/>
+                <a16:creationId xmlns:a16="http://schemas.microsoft.com/office/drawing/2014/main" id="{F2DA4118-B007-584D-84D4-728FDB249607}"/>
               </a:ext>
             </a:extLst>
           </p:cNvPr>
@@ -6378,10 +4404,7 @@
           <a:bodyPr/>
           <a:lstStyle/>
           <a:p>
-            <a:r>
-              <a:rPr lang="en-US" dirty="0"/>
-              <a:t>Types of multidimensional scaling</a:t>
-            </a:r>
+            <a:endParaRPr lang="en-US"/>
           </a:p>
         </p:txBody>
       </p:sp>
@@ -6390,7 +4413,7 @@
           <p:cNvPr id="3" name="Content Placeholder 2">
             <a:extLst>
               <a:ext uri="{FF2B5EF4-FFF2-40B4-BE49-F238E27FC236}">
-                <a16:creationId xmlns:a16="http://schemas.microsoft.com/office/drawing/2014/main" id="{D61EFF17-5A8E-1748-AC60-49C0520C5A9A}"/>
+                <a16:creationId xmlns:a16="http://schemas.microsoft.com/office/drawing/2014/main" id="{F0E6A55F-C9E2-C947-A883-D133C782DDD7}"/>
               </a:ext>
             </a:extLst>
           </p:cNvPr>
@@ -6406,45 +4429,44 @@
           <a:bodyPr/>
           <a:lstStyle/>
           <a:p>
-            <a:r>
-              <a:rPr lang="en-US" dirty="0"/>
-              <a:t>Metric multidimensional scaling</a:t>
-            </a:r>
-          </a:p>
-          <a:p>
-            <a:pPr lvl="1"/>
-            <a:r>
-              <a:rPr lang="en-US" dirty="0"/>
-              <a:t>Raw data or actually computed distances are available</a:t>
-            </a:r>
-          </a:p>
-          <a:p>
-            <a:r>
-              <a:rPr lang="en-US" dirty="0"/>
-              <a:t>Nonmetric</a:t>
-            </a:r>
-          </a:p>
-          <a:p>
-            <a:pPr lvl="1"/>
-            <a:r>
-              <a:rPr lang="en-US" dirty="0"/>
-              <a:t>Spatial representation only preserves the </a:t>
-            </a:r>
-            <a:r>
-              <a:rPr lang="en-US" i="1" dirty="0"/>
-              <a:t>rank ordering</a:t>
-            </a:r>
-            <a:r>
-              <a:rPr lang="en-US" dirty="0"/>
-              <a:t> of the values.</a:t>
-            </a:r>
-          </a:p>
-        </p:txBody>
-      </p:sp>
+            <a:endParaRPr lang="en-US"/>
+          </a:p>
+        </p:txBody>
+      </p:sp>
+      <p:pic>
+        <p:nvPicPr>
+          <p:cNvPr id="4" name="Picture 3">
+            <a:extLst>
+              <a:ext uri="{FF2B5EF4-FFF2-40B4-BE49-F238E27FC236}">
+                <a16:creationId xmlns:a16="http://schemas.microsoft.com/office/drawing/2014/main" id="{0FF01156-2E75-AD4A-80E2-135D935C66FB}"/>
+              </a:ext>
+            </a:extLst>
+          </p:cNvPr>
+          <p:cNvPicPr>
+            <a:picLocks noChangeAspect="1"/>
+          </p:cNvPicPr>
+          <p:nvPr/>
+        </p:nvPicPr>
+        <p:blipFill>
+          <a:blip r:embed="rId2"/>
+          <a:stretch>
+            <a:fillRect/>
+          </a:stretch>
+        </p:blipFill>
+        <p:spPr>
+          <a:xfrm>
+            <a:off x="2396708" y="174930"/>
+            <a:ext cx="7398584" cy="6858000"/>
+          </a:xfrm>
+          <a:prstGeom prst="rect">
+            <a:avLst/>
+          </a:prstGeom>
+        </p:spPr>
+      </p:pic>
     </p:spTree>
     <p:extLst>
       <p:ext uri="{BB962C8B-B14F-4D97-AF65-F5344CB8AC3E}">
-        <p14:creationId xmlns:p14="http://schemas.microsoft.com/office/powerpoint/2010/main" val="2297060849"/>
+        <p14:creationId xmlns:p14="http://schemas.microsoft.com/office/powerpoint/2010/main" val="152088072"/>
       </p:ext>
     </p:extLst>
   </p:cSld>
@@ -6476,7 +4498,7 @@
           <p:cNvPr id="2" name="Title 1">
             <a:extLst>
               <a:ext uri="{FF2B5EF4-FFF2-40B4-BE49-F238E27FC236}">
-                <a16:creationId xmlns:a16="http://schemas.microsoft.com/office/drawing/2014/main" id="{ADFF12CA-152A-8B4D-B1B9-B3C5844B021A}"/>
+                <a16:creationId xmlns:a16="http://schemas.microsoft.com/office/drawing/2014/main" id="{DA455FD5-B53F-E148-9632-3290E8D52B59}"/>
               </a:ext>
             </a:extLst>
           </p:cNvPr>
@@ -6494,147 +4516,49 @@
           <a:p>
             <a:r>
               <a:rPr lang="en-US" dirty="0"/>
-              <a:t>Metric Multidimensional Scaling</a:t>
-            </a:r>
-          </a:p>
-        </p:txBody>
-      </p:sp>
-      <mc:AlternateContent xmlns:mc="http://schemas.openxmlformats.org/markup-compatibility/2006" xmlns:a14="http://schemas.microsoft.com/office/drawing/2010/main">
-        <mc:Choice Requires="a14">
-          <p:sp>
-            <p:nvSpPr>
-              <p:cNvPr id="3" name="Content Placeholder 2">
-                <a:extLst>
-                  <a:ext uri="{FF2B5EF4-FFF2-40B4-BE49-F238E27FC236}">
-                    <a16:creationId xmlns:a16="http://schemas.microsoft.com/office/drawing/2014/main" id="{363B294E-3C5A-AB46-B11B-62C6731A0F58}"/>
-                  </a:ext>
-                </a:extLst>
-              </p:cNvPr>
-              <p:cNvSpPr>
-                <a:spLocks noGrp="1"/>
-              </p:cNvSpPr>
-              <p:nvPr>
-                <p:ph idx="1"/>
-              </p:nvPr>
-            </p:nvSpPr>
-            <p:spPr/>
-            <p:txBody>
-              <a:bodyPr/>
-              <a:lstStyle/>
-              <a:p>
-                <a:r>
-                  <a:rPr lang="en-US" dirty="0"/>
-                  <a:t>Start with </a:t>
-                </a:r>
-                <a:r>
-                  <a:rPr lang="en-US" i="1" dirty="0"/>
-                  <a:t>n x n</a:t>
-                </a:r>
-                <a:r>
-                  <a:rPr lang="en-US" dirty="0"/>
-                  <a:t> distance matrix </a:t>
-                </a:r>
-                <a14:m>
-                  <m:oMath xmlns:m="http://schemas.openxmlformats.org/officeDocument/2006/math">
-                    <m:r>
-                      <m:rPr>
-                        <m:nor/>
-                      </m:rPr>
-                      <a:rPr lang="en-US" b="1" i="0" smtClean="0">
-                        <a:latin typeface="Cambria Math" panose="02040503050406030204" pitchFamily="18" charset="0"/>
-                      </a:rPr>
-                      <m:t>D</m:t>
-                    </m:r>
-                    <m:r>
-                      <a:rPr lang="en-US" b="0" i="1" smtClean="0">
-                        <a:latin typeface="Cambria Math" panose="02040503050406030204" pitchFamily="18" charset="0"/>
-                      </a:rPr>
-                      <m:t>=(</m:t>
-                    </m:r>
-                    <m:sSub>
-                      <m:sSubPr>
-                        <m:ctrlPr>
-                          <a:rPr lang="en-US" i="1" smtClean="0">
-                            <a:latin typeface="Cambria Math" panose="02040503050406030204" pitchFamily="18" charset="0"/>
-                          </a:rPr>
-                        </m:ctrlPr>
-                      </m:sSubPr>
-                      <m:e>
-                        <m:r>
-                          <a:rPr lang="en-US" b="0" i="1" smtClean="0">
-                            <a:latin typeface="Cambria Math" panose="02040503050406030204" pitchFamily="18" charset="0"/>
-                          </a:rPr>
-                          <m:t>𝛿</m:t>
-                        </m:r>
-                      </m:e>
-                      <m:sub>
-                        <m:r>
-                          <a:rPr lang="en-US" b="0" i="1" smtClean="0">
-                            <a:latin typeface="Cambria Math" panose="02040503050406030204" pitchFamily="18" charset="0"/>
-                          </a:rPr>
-                          <m:t>𝑖𝑗</m:t>
-                        </m:r>
-                      </m:sub>
-                    </m:sSub>
-                    <m:r>
-                      <a:rPr lang="en-US" b="0" i="1" smtClean="0">
-                        <a:latin typeface="Cambria Math" panose="02040503050406030204" pitchFamily="18" charset="0"/>
-                      </a:rPr>
-                      <m:t>)</m:t>
-                    </m:r>
-                  </m:oMath>
-                </a14:m>
-                <a:endParaRPr lang="en-US" dirty="0"/>
-              </a:p>
-            </p:txBody>
-          </p:sp>
-        </mc:Choice>
-        <mc:Fallback xmlns="">
-          <p:sp>
-            <p:nvSpPr>
-              <p:cNvPr id="3" name="Content Placeholder 2">
-                <a:extLst>
-                  <a:ext uri="{FF2B5EF4-FFF2-40B4-BE49-F238E27FC236}">
-                    <a16:creationId xmlns:a16="http://schemas.microsoft.com/office/drawing/2014/main" id="{363B294E-3C5A-AB46-B11B-62C6731A0F58}"/>
-                  </a:ext>
-                </a:extLst>
-              </p:cNvPr>
-              <p:cNvSpPr>
-                <a:spLocks noGrp="1" noRot="1" noChangeAspect="1" noMove="1" noResize="1" noEditPoints="1" noAdjustHandles="1" noChangeArrowheads="1" noChangeShapeType="1" noTextEdit="1"/>
-              </p:cNvSpPr>
-              <p:nvPr>
-                <p:ph idx="1"/>
-              </p:nvPr>
-            </p:nvSpPr>
-            <p:spPr>
-              <a:blipFill>
-                <a:blip r:embed="rId2"/>
-                <a:stretch>
-                  <a:fillRect l="-1086" t="-2035"/>
-                </a:stretch>
-              </a:blipFill>
-            </p:spPr>
-            <p:txBody>
-              <a:bodyPr/>
-              <a:lstStyle/>
-              <a:p>
-                <a:r>
-                  <a:rPr lang="en-US">
-                    <a:noFill/>
-                  </a:rPr>
-                  <a:t> </a:t>
-                </a:r>
-              </a:p>
-            </p:txBody>
-          </p:sp>
-        </mc:Fallback>
-      </mc:AlternateContent>
+              <a:t>Separation is given by</a:t>
+            </a:r>
+          </a:p>
+        </p:txBody>
+      </p:sp>
       <p:pic>
         <p:nvPicPr>
-          <p:cNvPr id="4" name="Picture 3">
-            <a:extLst>
-              <a:ext uri="{FF2B5EF4-FFF2-40B4-BE49-F238E27FC236}">
-                <a16:creationId xmlns:a16="http://schemas.microsoft.com/office/drawing/2014/main" id="{42BD1FD1-5987-1B47-8FB3-D58526201EBC}"/>
+          <p:cNvPr id="4" name="Content Placeholder 3">
+            <a:extLst>
+              <a:ext uri="{FF2B5EF4-FFF2-40B4-BE49-F238E27FC236}">
+                <a16:creationId xmlns:a16="http://schemas.microsoft.com/office/drawing/2014/main" id="{67A281C6-A4FE-564E-9980-FD419F77C62A}"/>
+              </a:ext>
+            </a:extLst>
+          </p:cNvPr>
+          <p:cNvPicPr>
+            <a:picLocks noGrp="1" noChangeAspect="1"/>
+          </p:cNvPicPr>
+          <p:nvPr>
+            <p:ph idx="1"/>
+          </p:nvPr>
+        </p:nvPicPr>
+        <p:blipFill>
+          <a:blip r:embed="rId2"/>
+          <a:stretch>
+            <a:fillRect/>
+          </a:stretch>
+        </p:blipFill>
+        <p:spPr>
+          <a:xfrm>
+            <a:off x="1206989" y="1690688"/>
+            <a:ext cx="3060700" cy="723900"/>
+          </a:xfrm>
+          <a:prstGeom prst="rect">
+            <a:avLst/>
+          </a:prstGeom>
+        </p:spPr>
+      </p:pic>
+      <p:pic>
+        <p:nvPicPr>
+          <p:cNvPr id="3" name="Picture 2">
+            <a:extLst>
+              <a:ext uri="{FF2B5EF4-FFF2-40B4-BE49-F238E27FC236}">
+                <a16:creationId xmlns:a16="http://schemas.microsoft.com/office/drawing/2014/main" id="{50C49576-6614-9D45-8E0F-1B64B1019678}"/>
               </a:ext>
             </a:extLst>
           </p:cNvPr>
@@ -6651,8 +4575,8 @@
         </p:blipFill>
         <p:spPr>
           <a:xfrm>
-            <a:off x="1238596" y="2326818"/>
-            <a:ext cx="9714807" cy="1102182"/>
+            <a:off x="1039916" y="3016251"/>
+            <a:ext cx="3763372" cy="3321049"/>
           </a:xfrm>
           <a:prstGeom prst="rect">
             <a:avLst/>
@@ -6664,7 +4588,7 @@
           <p:cNvPr id="5" name="Picture 4">
             <a:extLst>
               <a:ext uri="{FF2B5EF4-FFF2-40B4-BE49-F238E27FC236}">
-                <a16:creationId xmlns:a16="http://schemas.microsoft.com/office/drawing/2014/main" id="{E1194D41-5F57-A646-B84D-3E9CAED940E9}"/>
+                <a16:creationId xmlns:a16="http://schemas.microsoft.com/office/drawing/2014/main" id="{1C33F2D4-7834-194C-A239-E24D278A1506}"/>
               </a:ext>
             </a:extLst>
           </p:cNvPr>
@@ -6681,53 +4605,18 @@
         </p:blipFill>
         <p:spPr>
           <a:xfrm>
-            <a:off x="1377141" y="3429000"/>
-            <a:ext cx="9576262" cy="2362079"/>
+            <a:off x="5580166" y="1837346"/>
+            <a:ext cx="5700636" cy="4808552"/>
           </a:xfrm>
           <a:prstGeom prst="rect">
             <a:avLst/>
           </a:prstGeom>
         </p:spPr>
       </p:pic>
-      <p:sp>
-        <p:nvSpPr>
-          <p:cNvPr id="6" name="TextBox 5">
-            <a:extLst>
-              <a:ext uri="{FF2B5EF4-FFF2-40B4-BE49-F238E27FC236}">
-                <a16:creationId xmlns:a16="http://schemas.microsoft.com/office/drawing/2014/main" id="{DEB74757-1C2C-7E4D-82AD-B1C9DEA0C7C9}"/>
-              </a:ext>
-            </a:extLst>
-          </p:cNvPr>
-          <p:cNvSpPr txBox="1"/>
-          <p:nvPr/>
-        </p:nvSpPr>
-        <p:spPr>
-          <a:xfrm>
-            <a:off x="1886989" y="6317673"/>
-            <a:ext cx="9212907" cy="369332"/>
-          </a:xfrm>
-          <a:prstGeom prst="rect">
-            <a:avLst/>
-          </a:prstGeom>
-          <a:noFill/>
-        </p:spPr>
-        <p:txBody>
-          <a:bodyPr wrap="none" rtlCol="0">
-            <a:spAutoFit/>
-          </a:bodyPr>
-          <a:lstStyle/>
-          <a:p>
-            <a:r>
-              <a:rPr lang="en-US" dirty="0"/>
-              <a:t>It can be shown that there exists a q-dimensional solution if Bb is positive semidefinite of rank q </a:t>
-            </a:r>
-          </a:p>
-        </p:txBody>
-      </p:sp>
     </p:spTree>
     <p:extLst>
       <p:ext uri="{BB962C8B-B14F-4D97-AF65-F5344CB8AC3E}">
-        <p14:creationId xmlns:p14="http://schemas.microsoft.com/office/powerpoint/2010/main" val="3031884743"/>
+        <p14:creationId xmlns:p14="http://schemas.microsoft.com/office/powerpoint/2010/main" val="2978131492"/>
       </p:ext>
     </p:extLst>
   </p:cSld>
@@ -6759,7 +4648,7 @@
           <p:cNvPr id="2" name="Title 1">
             <a:extLst>
               <a:ext uri="{FF2B5EF4-FFF2-40B4-BE49-F238E27FC236}">
-                <a16:creationId xmlns:a16="http://schemas.microsoft.com/office/drawing/2014/main" id="{C3BEAA80-FE11-7A4A-8A12-E08101FA2889}"/>
+                <a16:creationId xmlns:a16="http://schemas.microsoft.com/office/drawing/2014/main" id="{D593ECD0-BC10-A145-95DC-B93B04B0B8A6}"/>
               </a:ext>
             </a:extLst>
           </p:cNvPr>
@@ -6777,47 +4666,79 @@
           <a:p>
             <a:r>
               <a:rPr lang="en-US" dirty="0"/>
-              <a:t>Metric Multidimensional Scaling</a:t>
-            </a:r>
-          </a:p>
-        </p:txBody>
-      </p:sp>
-      <p:pic>
-        <p:nvPicPr>
-          <p:cNvPr id="4" name="Content Placeholder 3">
-            <a:extLst>
-              <a:ext uri="{FF2B5EF4-FFF2-40B4-BE49-F238E27FC236}">
-                <a16:creationId xmlns:a16="http://schemas.microsoft.com/office/drawing/2014/main" id="{ED0550F8-BFEC-A442-A1BE-3A9C4E80DF48}"/>
-              </a:ext>
-            </a:extLst>
-          </p:cNvPr>
-          <p:cNvPicPr>
-            <a:picLocks noGrp="1" noChangeAspect="1"/>
-          </p:cNvPicPr>
+              <a:t>Discriminant Analysis for Several groups</a:t>
+            </a:r>
+          </a:p>
+        </p:txBody>
+      </p:sp>
+      <p:sp>
+        <p:nvSpPr>
+          <p:cNvPr id="3" name="Content Placeholder 2">
+            <a:extLst>
+              <a:ext uri="{FF2B5EF4-FFF2-40B4-BE49-F238E27FC236}">
+                <a16:creationId xmlns:a16="http://schemas.microsoft.com/office/drawing/2014/main" id="{ADEA3C42-58F6-D14F-A8A2-43948713F9E3}"/>
+              </a:ext>
+            </a:extLst>
+          </p:cNvPr>
+          <p:cNvSpPr>
+            <a:spLocks noGrp="1"/>
+          </p:cNvSpPr>
           <p:nvPr>
             <p:ph idx="1"/>
           </p:nvPr>
-        </p:nvPicPr>
-        <p:blipFill>
-          <a:blip r:embed="rId2"/>
-          <a:stretch>
-            <a:fillRect/>
-          </a:stretch>
-        </p:blipFill>
-        <p:spPr>
-          <a:xfrm>
-            <a:off x="2159923" y="1457931"/>
-            <a:ext cx="7051371" cy="5167312"/>
-          </a:xfrm>
-          <a:prstGeom prst="rect">
-            <a:avLst/>
-          </a:prstGeom>
-        </p:spPr>
-      </p:pic>
+        </p:nvSpPr>
+        <p:spPr/>
+        <p:txBody>
+          <a:bodyPr/>
+          <a:lstStyle/>
+          <a:p>
+            <a:r>
+              <a:rPr lang="en-US" dirty="0"/>
+              <a:t>Extend previous idea to </a:t>
+            </a:r>
+            <a:r>
+              <a:rPr lang="en-US" i="1" dirty="0"/>
+              <a:t>k </a:t>
+            </a:r>
+            <a:r>
+              <a:rPr lang="en-US" dirty="0"/>
+              <a:t>groups</a:t>
+            </a:r>
+          </a:p>
+          <a:p>
+            <a:pPr lvl="1"/>
+            <a:r>
+              <a:rPr lang="en-US" dirty="0"/>
+              <a:t>Examine group separation in a two-dimensional plot (we did this when we discussed clustering).</a:t>
+            </a:r>
+          </a:p>
+          <a:p>
+            <a:pPr lvl="1"/>
+            <a:r>
+              <a:rPr lang="en-US" dirty="0"/>
+              <a:t>Find variables that best separate groups</a:t>
+            </a:r>
+          </a:p>
+          <a:p>
+            <a:pPr lvl="1"/>
+            <a:r>
+              <a:rPr lang="en-US" dirty="0"/>
+              <a:t>Rank variables in terms of relative contribution</a:t>
+            </a:r>
+          </a:p>
+          <a:p>
+            <a:pPr lvl="1"/>
+            <a:r>
+              <a:rPr lang="en-US" dirty="0"/>
+              <a:t>Interpret the new dimensions presented by the discriminate functions</a:t>
+            </a:r>
+          </a:p>
+        </p:txBody>
+      </p:sp>
     </p:spTree>
     <p:extLst>
       <p:ext uri="{BB962C8B-B14F-4D97-AF65-F5344CB8AC3E}">
-        <p14:creationId xmlns:p14="http://schemas.microsoft.com/office/powerpoint/2010/main" val="1970081237"/>
+        <p14:creationId xmlns:p14="http://schemas.microsoft.com/office/powerpoint/2010/main" val="1561736700"/>
       </p:ext>
     </p:extLst>
   </p:cSld>
@@ -6849,7 +4770,7 @@
           <p:cNvPr id="2" name="Title 1">
             <a:extLst>
               <a:ext uri="{FF2B5EF4-FFF2-40B4-BE49-F238E27FC236}">
-                <a16:creationId xmlns:a16="http://schemas.microsoft.com/office/drawing/2014/main" id="{D3D7CEC8-E38A-774E-97C4-EF8B3660AC6F}"/>
+                <a16:creationId xmlns:a16="http://schemas.microsoft.com/office/drawing/2014/main" id="{4E305AB3-5595-4D41-819B-E4940B12CBF6}"/>
               </a:ext>
             </a:extLst>
           </p:cNvPr>
@@ -6865,10 +4786,7 @@
           <a:bodyPr/>
           <a:lstStyle/>
           <a:p>
-            <a:r>
-              <a:rPr lang="en-US" dirty="0"/>
-              <a:t>Metric Multidimensional Scaling</a:t>
-            </a:r>
+            <a:endParaRPr lang="en-US"/>
           </a:p>
         </p:txBody>
       </p:sp>
@@ -6877,7 +4795,7 @@
           <p:cNvPr id="4" name="Content Placeholder 3">
             <a:extLst>
               <a:ext uri="{FF2B5EF4-FFF2-40B4-BE49-F238E27FC236}">
-                <a16:creationId xmlns:a16="http://schemas.microsoft.com/office/drawing/2014/main" id="{DE1CAD97-DCAB-F146-812A-7A1C7597025F}"/>
+                <a16:creationId xmlns:a16="http://schemas.microsoft.com/office/drawing/2014/main" id="{9068D453-AD54-AB4E-B260-323AFFD0483B}"/>
               </a:ext>
             </a:extLst>
           </p:cNvPr>
@@ -6896,8 +4814,98 @@
         </p:blipFill>
         <p:spPr>
           <a:xfrm>
-            <a:off x="955853" y="1825625"/>
-            <a:ext cx="10280293" cy="4351338"/>
+            <a:off x="1429046" y="1868584"/>
+            <a:ext cx="8940800" cy="1257300"/>
+          </a:xfrm>
+          <a:prstGeom prst="rect">
+            <a:avLst/>
+          </a:prstGeom>
+        </p:spPr>
+      </p:pic>
+      <p:pic>
+        <p:nvPicPr>
+          <p:cNvPr id="5" name="Picture 4">
+            <a:extLst>
+              <a:ext uri="{FF2B5EF4-FFF2-40B4-BE49-F238E27FC236}">
+                <a16:creationId xmlns:a16="http://schemas.microsoft.com/office/drawing/2014/main" id="{B0A55199-CE97-FE4E-AE74-0BBFB7ABDC33}"/>
+              </a:ext>
+            </a:extLst>
+          </p:cNvPr>
+          <p:cNvPicPr>
+            <a:picLocks noChangeAspect="1"/>
+          </p:cNvPicPr>
+          <p:nvPr/>
+        </p:nvPicPr>
+        <p:blipFill>
+          <a:blip r:embed="rId3"/>
+          <a:stretch>
+            <a:fillRect/>
+          </a:stretch>
+        </p:blipFill>
+        <p:spPr>
+          <a:xfrm>
+            <a:off x="1429046" y="3303780"/>
+            <a:ext cx="1841500" cy="1193800"/>
+          </a:xfrm>
+          <a:prstGeom prst="rect">
+            <a:avLst/>
+          </a:prstGeom>
+        </p:spPr>
+      </p:pic>
+      <p:pic>
+        <p:nvPicPr>
+          <p:cNvPr id="6" name="Picture 5">
+            <a:extLst>
+              <a:ext uri="{FF2B5EF4-FFF2-40B4-BE49-F238E27FC236}">
+                <a16:creationId xmlns:a16="http://schemas.microsoft.com/office/drawing/2014/main" id="{D6DC370B-4270-8048-96DD-4466AB9CEB6D}"/>
+              </a:ext>
+            </a:extLst>
+          </p:cNvPr>
+          <p:cNvPicPr>
+            <a:picLocks noChangeAspect="1"/>
+          </p:cNvPicPr>
+          <p:nvPr/>
+        </p:nvPicPr>
+        <p:blipFill>
+          <a:blip r:embed="rId4"/>
+          <a:stretch>
+            <a:fillRect/>
+          </a:stretch>
+        </p:blipFill>
+        <p:spPr>
+          <a:xfrm>
+            <a:off x="3893500" y="3303780"/>
+            <a:ext cx="4610100" cy="825500"/>
+          </a:xfrm>
+          <a:prstGeom prst="rect">
+            <a:avLst/>
+          </a:prstGeom>
+        </p:spPr>
+      </p:pic>
+      <p:pic>
+        <p:nvPicPr>
+          <p:cNvPr id="7" name="Picture 6">
+            <a:extLst>
+              <a:ext uri="{FF2B5EF4-FFF2-40B4-BE49-F238E27FC236}">
+                <a16:creationId xmlns:a16="http://schemas.microsoft.com/office/drawing/2014/main" id="{556A102D-025A-C745-9740-E621F5254A9A}"/>
+              </a:ext>
+            </a:extLst>
+          </p:cNvPr>
+          <p:cNvPicPr>
+            <a:picLocks noChangeAspect="1"/>
+          </p:cNvPicPr>
+          <p:nvPr/>
+        </p:nvPicPr>
+        <p:blipFill>
+          <a:blip r:embed="rId5"/>
+          <a:stretch>
+            <a:fillRect/>
+          </a:stretch>
+        </p:blipFill>
+        <p:spPr>
+          <a:xfrm>
+            <a:off x="3880800" y="4497580"/>
+            <a:ext cx="4622800" cy="1943100"/>
           </a:xfrm>
           <a:prstGeom prst="rect">
             <a:avLst/>
@@ -6907,7 +4915,7 @@
     </p:spTree>
     <p:extLst>
       <p:ext uri="{BB962C8B-B14F-4D97-AF65-F5344CB8AC3E}">
-        <p14:creationId xmlns:p14="http://schemas.microsoft.com/office/powerpoint/2010/main" val="1863297367"/>
+        <p14:creationId xmlns:p14="http://schemas.microsoft.com/office/powerpoint/2010/main" val="1289264590"/>
       </p:ext>
     </p:extLst>
   </p:cSld>
@@ -6939,7 +4947,7 @@
           <p:cNvPr id="2" name="Title 1">
             <a:extLst>
               <a:ext uri="{FF2B5EF4-FFF2-40B4-BE49-F238E27FC236}">
-                <a16:creationId xmlns:a16="http://schemas.microsoft.com/office/drawing/2014/main" id="{337E4DD3-4297-924D-B733-F5D4CB13BF2A}"/>
+                <a16:creationId xmlns:a16="http://schemas.microsoft.com/office/drawing/2014/main" id="{C7309874-BDC2-FB46-8A5A-C275C14789DD}"/>
               </a:ext>
             </a:extLst>
           </p:cNvPr>
@@ -6957,169 +4965,235 @@
           <a:p>
             <a:r>
               <a:rPr lang="en-US" dirty="0"/>
-              <a:t>Non-metric multidimensional scaling</a:t>
-            </a:r>
-          </a:p>
-        </p:txBody>
-      </p:sp>
-      <mc:AlternateContent xmlns:mc="http://schemas.openxmlformats.org/markup-compatibility/2006" xmlns:a14="http://schemas.microsoft.com/office/drawing/2010/main">
-        <mc:Choice Requires="a14">
+              <a:t>Continued</a:t>
+            </a:r>
+          </a:p>
+        </p:txBody>
+      </p:sp>
+      <p:pic>
+        <p:nvPicPr>
+          <p:cNvPr id="4" name="Content Placeholder 3">
+            <a:extLst>
+              <a:ext uri="{FF2B5EF4-FFF2-40B4-BE49-F238E27FC236}">
+                <a16:creationId xmlns:a16="http://schemas.microsoft.com/office/drawing/2014/main" id="{F3D4E26F-8514-9748-8484-CDDE5672E618}"/>
+              </a:ext>
+            </a:extLst>
+          </p:cNvPr>
+          <p:cNvPicPr>
+            <a:picLocks noGrp="1" noChangeAspect="1"/>
+          </p:cNvPicPr>
+          <p:nvPr>
+            <p:ph idx="1"/>
+          </p:nvPr>
+        </p:nvPicPr>
+        <p:blipFill>
+          <a:blip r:embed="rId2"/>
+          <a:stretch>
+            <a:fillRect/>
+          </a:stretch>
+        </p:blipFill>
+        <p:spPr>
+          <a:xfrm>
+            <a:off x="1009650" y="1961164"/>
+            <a:ext cx="2857500" cy="952500"/>
+          </a:xfrm>
+          <a:prstGeom prst="rect">
+            <a:avLst/>
+          </a:prstGeom>
+        </p:spPr>
+      </p:pic>
+      <p:pic>
+        <p:nvPicPr>
+          <p:cNvPr id="5" name="Picture 4">
+            <a:extLst>
+              <a:ext uri="{FF2B5EF4-FFF2-40B4-BE49-F238E27FC236}">
+                <a16:creationId xmlns:a16="http://schemas.microsoft.com/office/drawing/2014/main" id="{FF4457C2-5C3D-ED4B-B77A-629F6D85760D}"/>
+              </a:ext>
+            </a:extLst>
+          </p:cNvPr>
+          <p:cNvPicPr>
+            <a:picLocks noChangeAspect="1"/>
+          </p:cNvPicPr>
+          <p:nvPr/>
+        </p:nvPicPr>
+        <p:blipFill>
+          <a:blip r:embed="rId3"/>
+          <a:stretch>
+            <a:fillRect/>
+          </a:stretch>
+        </p:blipFill>
+        <p:spPr>
+          <a:xfrm>
+            <a:off x="1108995" y="3017237"/>
+            <a:ext cx="10401300" cy="1854200"/>
+          </a:xfrm>
+          <a:prstGeom prst="rect">
+            <a:avLst/>
+          </a:prstGeom>
+        </p:spPr>
+      </p:pic>
+      <mc:AlternateContent xmlns:mc="http://schemas.openxmlformats.org/markup-compatibility/2006">
+        <mc:Choice xmlns:a14="http://schemas.microsoft.com/office/drawing/2010/main" Requires="a14">
           <p:sp>
             <p:nvSpPr>
-              <p:cNvPr id="3" name="Content Placeholder 2">
+              <p:cNvPr id="6" name="Rectangle 5">
                 <a:extLst>
                   <a:ext uri="{FF2B5EF4-FFF2-40B4-BE49-F238E27FC236}">
-                    <a16:creationId xmlns:a16="http://schemas.microsoft.com/office/drawing/2014/main" id="{2898B5D4-2A73-6B49-AADB-AF2CBE3E1222}"/>
+                    <a16:creationId xmlns:a16="http://schemas.microsoft.com/office/drawing/2014/main" id="{B50E05ED-EE25-DF4D-BF6D-DCD54D8CC82D}"/>
+                  </a:ext>
+                </a:extLst>
+              </p:cNvPr>
+              <p:cNvSpPr/>
+              <p:nvPr/>
+            </p:nvSpPr>
+            <p:spPr>
+              <a:xfrm>
+                <a:off x="1432845" y="5173917"/>
+                <a:ext cx="6096000" cy="646331"/>
+              </a:xfrm>
+              <a:prstGeom prst="rect">
+                <a:avLst/>
+              </a:prstGeom>
+            </p:spPr>
+            <p:txBody>
+              <a:bodyPr>
+                <a:spAutoFit/>
+              </a:bodyPr>
+              <a:lstStyle/>
+              <a:p>
+                <a:r>
+                  <a:rPr lang="en-US" dirty="0">
+                    <a:latin typeface="TimesNewRomanPSMT"/>
+                  </a:rPr>
+                  <a:t>The solutions of (8.12) are the eigenvalues </a:t>
+                </a:r>
+                <a:r>
+                  <a:rPr lang="el-GR" dirty="0">
+                    <a:latin typeface="TimesNewRomanPSMT"/>
+                  </a:rPr>
+                  <a:t>λ </a:t>
+                </a:r>
+                <a:r>
+                  <a:rPr lang="el-GR" sz="800" dirty="0">
+                    <a:latin typeface="TimesNewRomanPSMT"/>
+                  </a:rPr>
+                  <a:t>1 ; </a:t>
+                </a:r>
+                <a:r>
+                  <a:rPr lang="el-GR" dirty="0">
+                    <a:latin typeface="TimesNewRomanPSMT"/>
+                  </a:rPr>
+                  <a:t>λ </a:t>
+                </a:r>
+                <a:r>
+                  <a:rPr lang="el-GR" sz="800" dirty="0">
+                    <a:latin typeface="TimesNewRomanPSMT"/>
+                  </a:rPr>
+                  <a:t>2 </a:t>
+                </a:r>
+                <a:r>
+                  <a:rPr lang="el-GR" dirty="0">
+                    <a:latin typeface="TimesNewRomanPSMT"/>
+                  </a:rPr>
+                  <a:t>, . . . , </a:t>
+                </a:r>
+                <a:r>
+                  <a:rPr lang="en-US" i="1" dirty="0" err="1">
+                    <a:latin typeface="TimesNewRomanPS"/>
+                  </a:rPr>
+                  <a:t>X</a:t>
+                </a:r>
+                <a:r>
+                  <a:rPr lang="en-US" sz="800" i="1" dirty="0" err="1">
+                    <a:latin typeface="TimesNewRomanPS"/>
+                  </a:rPr>
+                  <a:t>s</a:t>
+                </a:r>
+                <a:r>
+                  <a:rPr lang="en-US" sz="800" i="1" dirty="0">
+                    <a:latin typeface="TimesNewRomanPS"/>
+                  </a:rPr>
+                  <a:t> </a:t>
+                </a:r>
+                <a:r>
+                  <a:rPr lang="en-US" dirty="0">
+                    <a:latin typeface="TimesNewRomanPSMT"/>
+                  </a:rPr>
+                  <a:t>and associated eigenvectors a1, a2 of </a:t>
+                </a:r>
+                <a14:m>
+                  <m:oMath xmlns:m="http://schemas.openxmlformats.org/officeDocument/2006/math">
+                    <m:sSup>
+                      <m:sSupPr>
+                        <m:ctrlPr>
+                          <a:rPr lang="en-US" b="1" i="1" smtClean="0">
+                            <a:latin typeface="Cambria Math" panose="02040503050406030204" pitchFamily="18" charset="0"/>
+                          </a:rPr>
+                        </m:ctrlPr>
+                      </m:sSupPr>
+                      <m:e>
+                        <m:r>
+                          <a:rPr lang="en-US" b="1" i="1" smtClean="0">
+                            <a:latin typeface="Cambria Math" panose="02040503050406030204" pitchFamily="18" charset="0"/>
+                          </a:rPr>
+                          <m:t>𝑬</m:t>
+                        </m:r>
+                      </m:e>
+                      <m:sup>
+                        <m:r>
+                          <a:rPr lang="en-US" b="1" i="1" smtClean="0">
+                            <a:latin typeface="Cambria Math" panose="02040503050406030204" pitchFamily="18" charset="0"/>
+                          </a:rPr>
+                          <m:t>−</m:t>
+                        </m:r>
+                        <m:r>
+                          <a:rPr lang="en-US" b="1" i="1" smtClean="0">
+                            <a:latin typeface="Cambria Math" panose="02040503050406030204" pitchFamily="18" charset="0"/>
+                          </a:rPr>
+                          <m:t>𝟏</m:t>
+                        </m:r>
+                      </m:sup>
+                    </m:sSup>
+                    <m:r>
+                      <a:rPr lang="en-US" b="1" i="1" smtClean="0">
+                        <a:latin typeface="Cambria Math" panose="02040503050406030204" pitchFamily="18" charset="0"/>
+                      </a:rPr>
+                      <m:t>𝑯</m:t>
+                    </m:r>
+                  </m:oMath>
+                </a14:m>
+                <a:endParaRPr lang="en-US" b="1" dirty="0"/>
+              </a:p>
+            </p:txBody>
+          </p:sp>
+        </mc:Choice>
+        <mc:Fallback>
+          <p:sp>
+            <p:nvSpPr>
+              <p:cNvPr id="6" name="Rectangle 5">
+                <a:extLst>
+                  <a:ext uri="{FF2B5EF4-FFF2-40B4-BE49-F238E27FC236}">
+                    <a16:creationId xmlns:a16="http://schemas.microsoft.com/office/drawing/2014/main" id="{B50E05ED-EE25-DF4D-BF6D-DCD54D8CC82D}"/>
                   </a:ext>
                 </a:extLst>
               </p:cNvPr>
               <p:cNvSpPr>
-                <a:spLocks noGrp="1"/>
+                <a:spLocks noRot="1" noChangeAspect="1" noMove="1" noResize="1" noEditPoints="1" noAdjustHandles="1" noChangeArrowheads="1" noChangeShapeType="1" noTextEdit="1"/>
               </p:cNvSpPr>
-              <p:nvPr>
-                <p:ph idx="1"/>
-              </p:nvPr>
-            </p:nvSpPr>
-            <p:spPr/>
-            <p:txBody>
-              <a:bodyPr/>
-              <a:lstStyle/>
-              <a:p>
-                <a:r>
-                  <a:rPr lang="en-US" dirty="0"/>
-                  <a:t>Suppose that the dissimilarities </a:t>
-                </a:r>
-                <a14:m>
-                  <m:oMath xmlns:m="http://schemas.openxmlformats.org/officeDocument/2006/math">
-                    <m:sSub>
-                      <m:sSubPr>
-                        <m:ctrlPr>
-                          <a:rPr lang="en-US" b="0" i="1" smtClean="0">
-                            <a:latin typeface="Cambria Math" panose="02040503050406030204" pitchFamily="18" charset="0"/>
-                          </a:rPr>
-                        </m:ctrlPr>
-                      </m:sSubPr>
-                      <m:e>
-                        <m:r>
-                          <a:rPr lang="en-US" b="0" i="1" smtClean="0">
-                            <a:latin typeface="Cambria Math" panose="02040503050406030204" pitchFamily="18" charset="0"/>
-                          </a:rPr>
-                          <m:t>𝛿</m:t>
-                        </m:r>
-                      </m:e>
-                      <m:sub>
-                        <m:r>
-                          <a:rPr lang="en-US" b="0" i="1" smtClean="0">
-                            <a:latin typeface="Cambria Math" panose="02040503050406030204" pitchFamily="18" charset="0"/>
-                          </a:rPr>
-                          <m:t>𝑖𝑗</m:t>
-                        </m:r>
-                      </m:sub>
-                    </m:sSub>
-                  </m:oMath>
-                </a14:m>
-                <a:r>
-                  <a:rPr lang="en-US" dirty="0"/>
-                  <a:t> cannot be measured by can be ranked</a:t>
-                </a:r>
-              </a:p>
-              <a:p>
-                <a:r>
-                  <a:rPr lang="en-US" dirty="0"/>
-                  <a:t>In nonmetric scaling we look to find </a:t>
-                </a:r>
-                <a14:m>
-                  <m:oMath xmlns:m="http://schemas.openxmlformats.org/officeDocument/2006/math">
-                    <m:sSub>
-                      <m:sSubPr>
-                        <m:ctrlPr>
-                          <a:rPr lang="en-US" b="0" i="1" smtClean="0">
-                            <a:latin typeface="Cambria Math" panose="02040503050406030204" pitchFamily="18" charset="0"/>
-                          </a:rPr>
-                        </m:ctrlPr>
-                      </m:sSubPr>
-                      <m:e>
-                        <m:r>
-                          <a:rPr lang="en-US" b="0" i="1" smtClean="0">
-                            <a:latin typeface="Cambria Math" panose="02040503050406030204" pitchFamily="18" charset="0"/>
-                          </a:rPr>
-                          <m:t>𝑑</m:t>
-                        </m:r>
-                      </m:e>
-                      <m:sub>
-                        <m:r>
-                          <a:rPr lang="en-US" b="0" i="1" smtClean="0">
-                            <a:latin typeface="Cambria Math" panose="02040503050406030204" pitchFamily="18" charset="0"/>
-                          </a:rPr>
-                          <m:t>𝑖𝑗</m:t>
-                        </m:r>
-                      </m:sub>
-                    </m:sSub>
-                  </m:oMath>
-                </a14:m>
-                <a:r>
-                  <a:rPr lang="en-US" dirty="0"/>
-                  <a:t> that are ranked in the same order as </a:t>
-                </a:r>
-                <a14:m>
-                  <m:oMath xmlns:m="http://schemas.openxmlformats.org/officeDocument/2006/math">
-                    <m:sSub>
-                      <m:sSubPr>
-                        <m:ctrlPr>
-                          <a:rPr lang="en-US" b="0" i="1" smtClean="0">
-                            <a:latin typeface="Cambria Math" panose="02040503050406030204" pitchFamily="18" charset="0"/>
-                          </a:rPr>
-                        </m:ctrlPr>
-                      </m:sSubPr>
-                      <m:e>
-                        <m:r>
-                          <a:rPr lang="en-US" b="0" i="1" smtClean="0">
-                            <a:latin typeface="Cambria Math" panose="02040503050406030204" pitchFamily="18" charset="0"/>
-                          </a:rPr>
-                          <m:t>𝛿</m:t>
-                        </m:r>
-                      </m:e>
-                      <m:sub>
-                        <m:r>
-                          <a:rPr lang="en-US" b="0" i="1" smtClean="0">
-                            <a:latin typeface="Cambria Math" panose="02040503050406030204" pitchFamily="18" charset="0"/>
-                          </a:rPr>
-                          <m:t>𝑖𝑗</m:t>
-                        </m:r>
-                      </m:sub>
-                    </m:sSub>
-                  </m:oMath>
-                </a14:m>
-                <a:endParaRPr lang="en-US" dirty="0"/>
-              </a:p>
-              <a:p>
-                <a:endParaRPr lang="en-US" dirty="0"/>
-              </a:p>
-            </p:txBody>
-          </p:sp>
-        </mc:Choice>
-        <mc:Fallback xmlns="">
-          <p:sp>
-            <p:nvSpPr>
-              <p:cNvPr id="3" name="Content Placeholder 2">
-                <a:extLst>
-                  <a:ext uri="{FF2B5EF4-FFF2-40B4-BE49-F238E27FC236}">
-                    <a16:creationId xmlns:a16="http://schemas.microsoft.com/office/drawing/2014/main" id="{2898B5D4-2A73-6B49-AADB-AF2CBE3E1222}"/>
-                  </a:ext>
-                </a:extLst>
-              </p:cNvPr>
-              <p:cNvSpPr>
-                <a:spLocks noGrp="1" noRot="1" noChangeAspect="1" noMove="1" noResize="1" noEditPoints="1" noAdjustHandles="1" noChangeArrowheads="1" noChangeShapeType="1" noTextEdit="1"/>
-              </p:cNvSpPr>
-              <p:nvPr>
-                <p:ph idx="1"/>
-              </p:nvPr>
+              <p:nvPr/>
             </p:nvSpPr>
             <p:spPr>
+              <a:xfrm>
+                <a:off x="1432845" y="5173917"/>
+                <a:ext cx="6096000" cy="646331"/>
+              </a:xfrm>
+              <a:prstGeom prst="rect">
+                <a:avLst/>
+              </a:prstGeom>
               <a:blipFill>
-                <a:blip r:embed="rId2"/>
+                <a:blip r:embed="rId4"/>
                 <a:stretch>
-                  <a:fillRect l="-1086" t="-2035"/>
+                  <a:fillRect l="-832" t="-3846" b="-13462"/>
                 </a:stretch>
               </a:blipFill>
             </p:spPr>
@@ -7141,7 +5215,7 @@
     </p:spTree>
     <p:extLst>
       <p:ext uri="{BB962C8B-B14F-4D97-AF65-F5344CB8AC3E}">
-        <p14:creationId xmlns:p14="http://schemas.microsoft.com/office/powerpoint/2010/main" val="2684526767"/>
+        <p14:creationId xmlns:p14="http://schemas.microsoft.com/office/powerpoint/2010/main" val="2289838400"/>
       </p:ext>
     </p:extLst>
   </p:cSld>
@@ -7173,7 +5247,7 @@
           <p:cNvPr id="2" name="Title 1">
             <a:extLst>
               <a:ext uri="{FF2B5EF4-FFF2-40B4-BE49-F238E27FC236}">
-                <a16:creationId xmlns:a16="http://schemas.microsoft.com/office/drawing/2014/main" id="{02F417FD-6F2C-174C-AE5D-E325BF7EF447}"/>
+                <a16:creationId xmlns:a16="http://schemas.microsoft.com/office/drawing/2014/main" id="{4C749902-1EF4-CD48-B681-8FE38D76576D}"/>
               </a:ext>
             </a:extLst>
           </p:cNvPr>
@@ -7189,19 +5263,16 @@
           <a:bodyPr/>
           <a:lstStyle/>
           <a:p>
-            <a:r>
-              <a:rPr lang="en-US" dirty="0"/>
-              <a:t>Non-metric multidimensional scaling</a:t>
-            </a:r>
+            <a:endParaRPr lang="en-US"/>
           </a:p>
         </p:txBody>
       </p:sp>
       <p:pic>
         <p:nvPicPr>
-          <p:cNvPr id="4" name="Content Placeholder 3">
-            <a:extLst>
-              <a:ext uri="{FF2B5EF4-FFF2-40B4-BE49-F238E27FC236}">
-                <a16:creationId xmlns:a16="http://schemas.microsoft.com/office/drawing/2014/main" id="{D6E138C5-A4AF-A949-B1E4-9CB66EE26996}"/>
+          <p:cNvPr id="5" name="Content Placeholder 4">
+            <a:extLst>
+              <a:ext uri="{FF2B5EF4-FFF2-40B4-BE49-F238E27FC236}">
+                <a16:creationId xmlns:a16="http://schemas.microsoft.com/office/drawing/2014/main" id="{CDD4D654-9A3C-7049-AF5E-1D351246657B}"/>
               </a:ext>
             </a:extLst>
           </p:cNvPr>
@@ -7220,8 +5291,68 @@
         </p:blipFill>
         <p:spPr>
           <a:xfrm>
-            <a:off x="713509" y="1690688"/>
-            <a:ext cx="10515600" cy="2597353"/>
+            <a:off x="6651002" y="485252"/>
+            <a:ext cx="5516904" cy="2410872"/>
+          </a:xfrm>
+          <a:prstGeom prst="rect">
+            <a:avLst/>
+          </a:prstGeom>
+        </p:spPr>
+      </p:pic>
+      <p:pic>
+        <p:nvPicPr>
+          <p:cNvPr id="4" name="Picture 3">
+            <a:extLst>
+              <a:ext uri="{FF2B5EF4-FFF2-40B4-BE49-F238E27FC236}">
+                <a16:creationId xmlns:a16="http://schemas.microsoft.com/office/drawing/2014/main" id="{7E2732AB-1563-A14B-A047-50F4EE025245}"/>
+              </a:ext>
+            </a:extLst>
+          </p:cNvPr>
+          <p:cNvPicPr>
+            <a:picLocks noChangeAspect="1"/>
+          </p:cNvPicPr>
+          <p:nvPr/>
+        </p:nvPicPr>
+        <p:blipFill>
+          <a:blip r:embed="rId3"/>
+          <a:stretch>
+            <a:fillRect/>
+          </a:stretch>
+        </p:blipFill>
+        <p:spPr>
+          <a:xfrm>
+            <a:off x="0" y="0"/>
+            <a:ext cx="6651002" cy="3231221"/>
+          </a:xfrm>
+          <a:prstGeom prst="rect">
+            <a:avLst/>
+          </a:prstGeom>
+        </p:spPr>
+      </p:pic>
+      <p:pic>
+        <p:nvPicPr>
+          <p:cNvPr id="6" name="Picture 5">
+            <a:extLst>
+              <a:ext uri="{FF2B5EF4-FFF2-40B4-BE49-F238E27FC236}">
+                <a16:creationId xmlns:a16="http://schemas.microsoft.com/office/drawing/2014/main" id="{EE75C440-BB20-CE47-8A55-C38002D95944}"/>
+              </a:ext>
+            </a:extLst>
+          </p:cNvPr>
+          <p:cNvPicPr>
+            <a:picLocks noChangeAspect="1"/>
+          </p:cNvPicPr>
+          <p:nvPr/>
+        </p:nvPicPr>
+        <p:blipFill>
+          <a:blip r:embed="rId4"/>
+          <a:stretch>
+            <a:fillRect/>
+          </a:stretch>
+        </p:blipFill>
+        <p:spPr>
+          <a:xfrm>
+            <a:off x="3639618" y="3731504"/>
+            <a:ext cx="5196733" cy="2968592"/>
           </a:xfrm>
           <a:prstGeom prst="rect">
             <a:avLst/>
@@ -7231,7 +5362,7 @@
     </p:spTree>
     <p:extLst>
       <p:ext uri="{BB962C8B-B14F-4D97-AF65-F5344CB8AC3E}">
-        <p14:creationId xmlns:p14="http://schemas.microsoft.com/office/powerpoint/2010/main" val="2628334519"/>
+        <p14:creationId xmlns:p14="http://schemas.microsoft.com/office/powerpoint/2010/main" val="713169061"/>
       </p:ext>
     </p:extLst>
   </p:cSld>

--- a/Class 14 Discriminant Analysis.pptx
+++ b/Class 14 Discriminant Analysis.pptx
@@ -5,7 +5,7 @@
     <p:sldMasterId id="2147483648" r:id="rId1"/>
   </p:sldMasterIdLst>
   <p:notesMasterIdLst>
-    <p:notesMasterId r:id="rId13"/>
+    <p:notesMasterId r:id="rId25"/>
   </p:notesMasterIdLst>
   <p:sldIdLst>
     <p:sldId id="256" r:id="rId2"/>
@@ -19,6 +19,18 @@
     <p:sldId id="264" r:id="rId10"/>
     <p:sldId id="265" r:id="rId11"/>
     <p:sldId id="266" r:id="rId12"/>
+    <p:sldId id="267" r:id="rId13"/>
+    <p:sldId id="268" r:id="rId14"/>
+    <p:sldId id="269" r:id="rId15"/>
+    <p:sldId id="270" r:id="rId16"/>
+    <p:sldId id="271" r:id="rId17"/>
+    <p:sldId id="272" r:id="rId18"/>
+    <p:sldId id="273" r:id="rId19"/>
+    <p:sldId id="274" r:id="rId20"/>
+    <p:sldId id="275" r:id="rId21"/>
+    <p:sldId id="276" r:id="rId22"/>
+    <p:sldId id="277" r:id="rId23"/>
+    <p:sldId id="278" r:id="rId24"/>
   </p:sldIdLst>
   <p:sldSz cx="12192000" cy="6858000"/>
   <p:notesSz cx="6858000" cy="9144000"/>
@@ -133,6 +145,18 @@
             <p14:sldId id="264"/>
             <p14:sldId id="265"/>
             <p14:sldId id="266"/>
+            <p14:sldId id="267"/>
+            <p14:sldId id="268"/>
+            <p14:sldId id="269"/>
+            <p14:sldId id="270"/>
+            <p14:sldId id="271"/>
+            <p14:sldId id="272"/>
+            <p14:sldId id="273"/>
+            <p14:sldId id="274"/>
+            <p14:sldId id="275"/>
+            <p14:sldId id="276"/>
+            <p14:sldId id="277"/>
+            <p14:sldId id="278"/>
           </p14:sldIdLst>
         </p14:section>
       </p14:sectionLst>
@@ -4118,6 +4142,1869 @@
 </p:sld>
 </file>
 
+<file path=ppt/slides/slide12.xml><?xml version="1.0" encoding="utf-8"?>
+<p:sld xmlns:a="http://schemas.openxmlformats.org/drawingml/2006/main" xmlns:r="http://schemas.openxmlformats.org/officeDocument/2006/relationships" xmlns:p="http://schemas.openxmlformats.org/presentationml/2006/main">
+  <p:cSld>
+    <p:spTree>
+      <p:nvGrpSpPr>
+        <p:cNvPr id="1" name=""/>
+        <p:cNvGrpSpPr/>
+        <p:nvPr/>
+      </p:nvGrpSpPr>
+      <p:grpSpPr>
+        <a:xfrm>
+          <a:off x="0" y="0"/>
+          <a:ext cx="0" cy="0"/>
+          <a:chOff x="0" y="0"/>
+          <a:chExt cx="0" cy="0"/>
+        </a:xfrm>
+      </p:grpSpPr>
+      <p:sp>
+        <p:nvSpPr>
+          <p:cNvPr id="2" name="Title 1">
+            <a:extLst>
+              <a:ext uri="{FF2B5EF4-FFF2-40B4-BE49-F238E27FC236}">
+                <a16:creationId xmlns:a16="http://schemas.microsoft.com/office/drawing/2014/main" id="{C22C3848-3F6A-044C-9656-FA77096DE716}"/>
+              </a:ext>
+            </a:extLst>
+          </p:cNvPr>
+          <p:cNvSpPr>
+            <a:spLocks noGrp="1"/>
+          </p:cNvSpPr>
+          <p:nvPr>
+            <p:ph type="title"/>
+          </p:nvPr>
+        </p:nvSpPr>
+        <p:spPr/>
+        <p:txBody>
+          <a:bodyPr/>
+          <a:lstStyle/>
+          <a:p>
+            <a:r>
+              <a:rPr lang="en-US" dirty="0"/>
+              <a:t>Tests of significance</a:t>
+            </a:r>
+          </a:p>
+        </p:txBody>
+      </p:sp>
+      <mc:AlternateContent xmlns:mc="http://schemas.openxmlformats.org/markup-compatibility/2006">
+        <mc:Choice xmlns:a14="http://schemas.microsoft.com/office/drawing/2010/main" Requires="a14">
+          <p:sp>
+            <p:nvSpPr>
+              <p:cNvPr id="3" name="Content Placeholder 2">
+                <a:extLst>
+                  <a:ext uri="{FF2B5EF4-FFF2-40B4-BE49-F238E27FC236}">
+                    <a16:creationId xmlns:a16="http://schemas.microsoft.com/office/drawing/2014/main" id="{95DB8483-DFE3-C143-8265-0396024835C3}"/>
+                  </a:ext>
+                </a:extLst>
+              </p:cNvPr>
+              <p:cNvSpPr>
+                <a:spLocks noGrp="1"/>
+              </p:cNvSpPr>
+              <p:nvPr>
+                <p:ph idx="1"/>
+              </p:nvPr>
+            </p:nvSpPr>
+            <p:spPr/>
+            <p:txBody>
+              <a:bodyPr/>
+              <a:lstStyle/>
+              <a:p>
+                <a:r>
+                  <a:rPr lang="en-US" dirty="0"/>
+                  <a:t>In order to test hypotheses we need the assumption of multivariate normality</a:t>
+                </a:r>
+              </a:p>
+              <a:p>
+                <a:r>
+                  <a:rPr lang="en-US" dirty="0"/>
+                  <a:t>If the discriminant function coefficient vector </a:t>
+                </a:r>
+                <a:r>
+                  <a:rPr lang="en-US" b="1" dirty="0"/>
+                  <a:t>a</a:t>
+                </a:r>
+                <a:r>
+                  <a:rPr lang="en-US" dirty="0"/>
+                  <a:t> is significantly different from 0 then T^2 is significant.</a:t>
+                </a:r>
+              </a:p>
+              <a:p>
+                <a:pPr lvl="1"/>
+                <a:r>
+                  <a:rPr lang="en-US" dirty="0"/>
+                  <a:t>If </a:t>
+                </a:r>
+                <a14:m>
+                  <m:oMath xmlns:m="http://schemas.openxmlformats.org/officeDocument/2006/math">
+                    <m:r>
+                      <a:rPr lang="en-US" b="0" i="1" smtClean="0">
+                        <a:latin typeface="Cambria Math" panose="02040503050406030204" pitchFamily="18" charset="0"/>
+                      </a:rPr>
+                      <m:t>𝛼</m:t>
+                    </m:r>
+                    <m:r>
+                      <a:rPr lang="en-US" b="0" i="1" smtClean="0">
+                        <a:latin typeface="Cambria Math" panose="02040503050406030204" pitchFamily="18" charset="0"/>
+                      </a:rPr>
+                      <m:t>=</m:t>
+                    </m:r>
+                    <m:r>
+                      <m:rPr>
+                        <m:lit/>
+                      </m:rPr>
+                      <a:rPr lang="en-US" b="0" i="1" smtClean="0">
+                        <a:latin typeface="Cambria Math" panose="02040503050406030204" pitchFamily="18" charset="0"/>
+                      </a:rPr>
+                      <m:t> </m:t>
+                    </m:r>
+                    <m:nary>
+                      <m:naryPr>
+                        <m:chr m:val="∑"/>
+                        <m:subHide m:val="on"/>
+                        <m:ctrlPr>
+                          <a:rPr lang="en-US" b="0" i="1" smtClean="0">
+                            <a:latin typeface="Cambria Math" panose="02040503050406030204" pitchFamily="18" charset="0"/>
+                          </a:rPr>
+                        </m:ctrlPr>
+                      </m:naryPr>
+                      <m:sub/>
+                      <m:sup>
+                        <m:r>
+                          <a:rPr lang="en-US" b="0" i="1" smtClean="0">
+                            <a:latin typeface="Cambria Math" panose="02040503050406030204" pitchFamily="18" charset="0"/>
+                          </a:rPr>
+                          <m:t>−1</m:t>
+                        </m:r>
+                      </m:sup>
+                      <m:e>
+                        <m:d>
+                          <m:dPr>
+                            <m:ctrlPr>
+                              <a:rPr lang="en-US" b="0" i="1" smtClean="0">
+                                <a:latin typeface="Cambria Math" panose="02040503050406030204" pitchFamily="18" charset="0"/>
+                              </a:rPr>
+                            </m:ctrlPr>
+                          </m:dPr>
+                          <m:e>
+                            <m:sSub>
+                              <m:sSubPr>
+                                <m:ctrlPr>
+                                  <a:rPr lang="en-US" b="0" i="1" smtClean="0">
+                                    <a:latin typeface="Cambria Math" panose="02040503050406030204" pitchFamily="18" charset="0"/>
+                                  </a:rPr>
+                                </m:ctrlPr>
+                              </m:sSubPr>
+                              <m:e>
+                                <m:r>
+                                  <a:rPr lang="en-US" b="0" i="1" smtClean="0">
+                                    <a:latin typeface="Cambria Math" panose="02040503050406030204" pitchFamily="18" charset="0"/>
+                                  </a:rPr>
+                                  <m:t>𝜇</m:t>
+                                </m:r>
+                              </m:e>
+                              <m:sub>
+                                <m:r>
+                                  <a:rPr lang="en-US" b="0" i="1" smtClean="0">
+                                    <a:latin typeface="Cambria Math" panose="02040503050406030204" pitchFamily="18" charset="0"/>
+                                  </a:rPr>
+                                  <m:t>1</m:t>
+                                </m:r>
+                              </m:sub>
+                            </m:sSub>
+                            <m:r>
+                              <a:rPr lang="en-US" b="0" i="1" smtClean="0">
+                                <a:latin typeface="Cambria Math" panose="02040503050406030204" pitchFamily="18" charset="0"/>
+                              </a:rPr>
+                              <m:t>−</m:t>
+                            </m:r>
+                            <m:sSub>
+                              <m:sSubPr>
+                                <m:ctrlPr>
+                                  <a:rPr lang="en-US" b="0" i="1" smtClean="0">
+                                    <a:latin typeface="Cambria Math" panose="02040503050406030204" pitchFamily="18" charset="0"/>
+                                  </a:rPr>
+                                </m:ctrlPr>
+                              </m:sSubPr>
+                              <m:e>
+                                <m:r>
+                                  <a:rPr lang="en-US" b="0" i="1" smtClean="0">
+                                    <a:latin typeface="Cambria Math" panose="02040503050406030204" pitchFamily="18" charset="0"/>
+                                  </a:rPr>
+                                  <m:t>𝜇</m:t>
+                                </m:r>
+                              </m:e>
+                              <m:sub>
+                                <m:r>
+                                  <a:rPr lang="en-US" b="0" i="1" smtClean="0">
+                                    <a:latin typeface="Cambria Math" panose="02040503050406030204" pitchFamily="18" charset="0"/>
+                                  </a:rPr>
+                                  <m:t>2</m:t>
+                                </m:r>
+                              </m:sub>
+                            </m:sSub>
+                          </m:e>
+                        </m:d>
+                      </m:e>
+                    </m:nary>
+                  </m:oMath>
+                </a14:m>
+                <a:r>
+                  <a:rPr lang="en-US" dirty="0"/>
+                  <a:t>, then </a:t>
+                </a:r>
+                <a14:m>
+                  <m:oMath xmlns:m="http://schemas.openxmlformats.org/officeDocument/2006/math">
+                    <m:sSub>
+                      <m:sSubPr>
+                        <m:ctrlPr>
+                          <a:rPr lang="en-US" b="0" i="1" smtClean="0">
+                            <a:latin typeface="Cambria Math" panose="02040503050406030204" pitchFamily="18" charset="0"/>
+                          </a:rPr>
+                        </m:ctrlPr>
+                      </m:sSubPr>
+                      <m:e>
+                        <m:r>
+                          <a:rPr lang="en-US" b="0" i="1" smtClean="0">
+                            <a:latin typeface="Cambria Math" panose="02040503050406030204" pitchFamily="18" charset="0"/>
+                          </a:rPr>
+                          <m:t>𝐻</m:t>
+                        </m:r>
+                      </m:e>
+                      <m:sub>
+                        <m:r>
+                          <a:rPr lang="en-US" b="0" i="1" smtClean="0">
+                            <a:latin typeface="Cambria Math" panose="02040503050406030204" pitchFamily="18" charset="0"/>
+                          </a:rPr>
+                          <m:t>0</m:t>
+                        </m:r>
+                      </m:sub>
+                    </m:sSub>
+                    <m:r>
+                      <a:rPr lang="en-US" b="0" i="1" smtClean="0">
+                        <a:latin typeface="Cambria Math" panose="02040503050406030204" pitchFamily="18" charset="0"/>
+                      </a:rPr>
+                      <m:t>:</m:t>
+                    </m:r>
+                    <m:r>
+                      <a:rPr lang="en-US" b="0" i="1" smtClean="0">
+                        <a:latin typeface="Cambria Math" panose="02040503050406030204" pitchFamily="18" charset="0"/>
+                      </a:rPr>
+                      <m:t>𝛼</m:t>
+                    </m:r>
+                    <m:r>
+                      <a:rPr lang="en-US" b="0" i="1" smtClean="0">
+                        <a:latin typeface="Cambria Math" panose="02040503050406030204" pitchFamily="18" charset="0"/>
+                      </a:rPr>
+                      <m:t>=0 </m:t>
+                    </m:r>
+                  </m:oMath>
+                </a14:m>
+                <a:r>
+                  <a:rPr lang="en-US" dirty="0"/>
+                  <a:t> is equivalent to </a:t>
+                </a:r>
+                <a14:m>
+                  <m:oMath xmlns:m="http://schemas.openxmlformats.org/officeDocument/2006/math">
+                    <m:sSub>
+                      <m:sSubPr>
+                        <m:ctrlPr>
+                          <a:rPr lang="en-US" b="0" i="1" smtClean="0">
+                            <a:latin typeface="Cambria Math" panose="02040503050406030204" pitchFamily="18" charset="0"/>
+                          </a:rPr>
+                        </m:ctrlPr>
+                      </m:sSubPr>
+                      <m:e>
+                        <m:r>
+                          <a:rPr lang="en-US" b="0" i="1" smtClean="0">
+                            <a:latin typeface="Cambria Math" panose="02040503050406030204" pitchFamily="18" charset="0"/>
+                          </a:rPr>
+                          <m:t>𝐻</m:t>
+                        </m:r>
+                      </m:e>
+                      <m:sub>
+                        <m:r>
+                          <a:rPr lang="en-US" b="0" i="1" smtClean="0">
+                            <a:latin typeface="Cambria Math" panose="02040503050406030204" pitchFamily="18" charset="0"/>
+                          </a:rPr>
+                          <m:t>0</m:t>
+                        </m:r>
+                      </m:sub>
+                    </m:sSub>
+                    <m:r>
+                      <a:rPr lang="en-US" b="0" i="1" smtClean="0">
+                        <a:latin typeface="Cambria Math" panose="02040503050406030204" pitchFamily="18" charset="0"/>
+                      </a:rPr>
+                      <m:t>:</m:t>
+                    </m:r>
+                    <m:sSub>
+                      <m:sSubPr>
+                        <m:ctrlPr>
+                          <a:rPr lang="en-US" b="0" i="1" smtClean="0">
+                            <a:latin typeface="Cambria Math" panose="02040503050406030204" pitchFamily="18" charset="0"/>
+                          </a:rPr>
+                        </m:ctrlPr>
+                      </m:sSubPr>
+                      <m:e>
+                        <m:r>
+                          <a:rPr lang="en-US" b="0" i="1" smtClean="0">
+                            <a:latin typeface="Cambria Math" panose="02040503050406030204" pitchFamily="18" charset="0"/>
+                          </a:rPr>
+                          <m:t>𝜇</m:t>
+                        </m:r>
+                      </m:e>
+                      <m:sub>
+                        <m:r>
+                          <a:rPr lang="en-US" b="0" i="1" smtClean="0">
+                            <a:latin typeface="Cambria Math" panose="02040503050406030204" pitchFamily="18" charset="0"/>
+                          </a:rPr>
+                          <m:t>1</m:t>
+                        </m:r>
+                      </m:sub>
+                    </m:sSub>
+                    <m:r>
+                      <a:rPr lang="en-US" b="0" i="1" smtClean="0">
+                        <a:latin typeface="Cambria Math" panose="02040503050406030204" pitchFamily="18" charset="0"/>
+                      </a:rPr>
+                      <m:t>=</m:t>
+                    </m:r>
+                    <m:sSub>
+                      <m:sSubPr>
+                        <m:ctrlPr>
+                          <a:rPr lang="en-US" b="0" i="1" smtClean="0">
+                            <a:latin typeface="Cambria Math" panose="02040503050406030204" pitchFamily="18" charset="0"/>
+                          </a:rPr>
+                        </m:ctrlPr>
+                      </m:sSubPr>
+                      <m:e>
+                        <m:r>
+                          <a:rPr lang="en-US" b="0" i="1" smtClean="0">
+                            <a:latin typeface="Cambria Math" panose="02040503050406030204" pitchFamily="18" charset="0"/>
+                          </a:rPr>
+                          <m:t>𝜇</m:t>
+                        </m:r>
+                      </m:e>
+                      <m:sub>
+                        <m:r>
+                          <a:rPr lang="en-US" b="0" i="1" smtClean="0">
+                            <a:latin typeface="Cambria Math" panose="02040503050406030204" pitchFamily="18" charset="0"/>
+                          </a:rPr>
+                          <m:t>2</m:t>
+                        </m:r>
+                      </m:sub>
+                    </m:sSub>
+                  </m:oMath>
+                </a14:m>
+                <a:endParaRPr lang="en-US" dirty="0"/>
+              </a:p>
+              <a:p>
+                <a:pPr marL="457200" lvl="1" indent="0">
+                  <a:buNone/>
+                </a:pPr>
+                <a:r>
+                  <a:rPr lang="en-US" dirty="0"/>
+                  <a:t>	</a:t>
+                </a:r>
+              </a:p>
+            </p:txBody>
+          </p:sp>
+        </mc:Choice>
+        <mc:Fallback>
+          <p:sp>
+            <p:nvSpPr>
+              <p:cNvPr id="3" name="Content Placeholder 2">
+                <a:extLst>
+                  <a:ext uri="{FF2B5EF4-FFF2-40B4-BE49-F238E27FC236}">
+                    <a16:creationId xmlns:a16="http://schemas.microsoft.com/office/drawing/2014/main" id="{95DB8483-DFE3-C143-8265-0396024835C3}"/>
+                  </a:ext>
+                </a:extLst>
+              </p:cNvPr>
+              <p:cNvSpPr>
+                <a:spLocks noGrp="1" noRot="1" noChangeAspect="1" noMove="1" noResize="1" noEditPoints="1" noAdjustHandles="1" noChangeArrowheads="1" noChangeShapeType="1" noTextEdit="1"/>
+              </p:cNvSpPr>
+              <p:nvPr>
+                <p:ph idx="1"/>
+              </p:nvPr>
+            </p:nvSpPr>
+            <p:spPr>
+              <a:blipFill>
+                <a:blip r:embed="rId2"/>
+                <a:stretch>
+                  <a:fillRect l="-1086" t="-2326"/>
+                </a:stretch>
+              </a:blipFill>
+            </p:spPr>
+            <p:txBody>
+              <a:bodyPr/>
+              <a:lstStyle/>
+              <a:p>
+                <a:r>
+                  <a:rPr lang="en-US">
+                    <a:noFill/>
+                  </a:rPr>
+                  <a:t> </a:t>
+                </a:r>
+              </a:p>
+            </p:txBody>
+          </p:sp>
+        </mc:Fallback>
+      </mc:AlternateContent>
+    </p:spTree>
+    <p:extLst>
+      <p:ext uri="{BB962C8B-B14F-4D97-AF65-F5344CB8AC3E}">
+        <p14:creationId xmlns:p14="http://schemas.microsoft.com/office/powerpoint/2010/main" val="2233537117"/>
+      </p:ext>
+    </p:extLst>
+  </p:cSld>
+  <p:clrMapOvr>
+    <a:masterClrMapping/>
+  </p:clrMapOvr>
+</p:sld>
+</file>
+
+<file path=ppt/slides/slide13.xml><?xml version="1.0" encoding="utf-8"?>
+<p:sld xmlns:a="http://schemas.openxmlformats.org/drawingml/2006/main" xmlns:r="http://schemas.openxmlformats.org/officeDocument/2006/relationships" xmlns:p="http://schemas.openxmlformats.org/presentationml/2006/main">
+  <p:cSld>
+    <p:spTree>
+      <p:nvGrpSpPr>
+        <p:cNvPr id="1" name=""/>
+        <p:cNvGrpSpPr/>
+        <p:nvPr/>
+      </p:nvGrpSpPr>
+      <p:grpSpPr>
+        <a:xfrm>
+          <a:off x="0" y="0"/>
+          <a:ext cx="0" cy="0"/>
+          <a:chOff x="0" y="0"/>
+          <a:chExt cx="0" cy="0"/>
+        </a:xfrm>
+      </p:grpSpPr>
+      <p:sp>
+        <p:nvSpPr>
+          <p:cNvPr id="2" name="Title 1">
+            <a:extLst>
+              <a:ext uri="{FF2B5EF4-FFF2-40B4-BE49-F238E27FC236}">
+                <a16:creationId xmlns:a16="http://schemas.microsoft.com/office/drawing/2014/main" id="{FE8A04A5-1366-0349-9888-00CF84D5E3AA}"/>
+              </a:ext>
+            </a:extLst>
+          </p:cNvPr>
+          <p:cNvSpPr>
+            <a:spLocks noGrp="1"/>
+          </p:cNvSpPr>
+          <p:nvPr>
+            <p:ph type="title"/>
+          </p:nvPr>
+        </p:nvSpPr>
+        <p:spPr/>
+        <p:txBody>
+          <a:bodyPr/>
+          <a:lstStyle/>
+          <a:p>
+            <a:r>
+              <a:rPr lang="en-US" dirty="0"/>
+              <a:t>Tests for the several group case</a:t>
+            </a:r>
+          </a:p>
+        </p:txBody>
+      </p:sp>
+      <p:pic>
+        <p:nvPicPr>
+          <p:cNvPr id="4" name="Content Placeholder 3">
+            <a:extLst>
+              <a:ext uri="{FF2B5EF4-FFF2-40B4-BE49-F238E27FC236}">
+                <a16:creationId xmlns:a16="http://schemas.microsoft.com/office/drawing/2014/main" id="{E67651BB-54F2-6540-945B-C4494FA70500}"/>
+              </a:ext>
+            </a:extLst>
+          </p:cNvPr>
+          <p:cNvPicPr>
+            <a:picLocks noGrp="1" noChangeAspect="1"/>
+          </p:cNvPicPr>
+          <p:nvPr>
+            <p:ph idx="1"/>
+          </p:nvPr>
+        </p:nvPicPr>
+        <p:blipFill>
+          <a:blip r:embed="rId2"/>
+          <a:stretch>
+            <a:fillRect/>
+          </a:stretch>
+        </p:blipFill>
+        <p:spPr>
+          <a:xfrm>
+            <a:off x="1117363" y="1690688"/>
+            <a:ext cx="2590800" cy="1320800"/>
+          </a:xfrm>
+          <a:prstGeom prst="rect">
+            <a:avLst/>
+          </a:prstGeom>
+        </p:spPr>
+      </p:pic>
+      <p:pic>
+        <p:nvPicPr>
+          <p:cNvPr id="5" name="Picture 4">
+            <a:extLst>
+              <a:ext uri="{FF2B5EF4-FFF2-40B4-BE49-F238E27FC236}">
+                <a16:creationId xmlns:a16="http://schemas.microsoft.com/office/drawing/2014/main" id="{9418A97E-D765-7543-A1B4-6B87345B30CF}"/>
+              </a:ext>
+            </a:extLst>
+          </p:cNvPr>
+          <p:cNvPicPr>
+            <a:picLocks noChangeAspect="1"/>
+          </p:cNvPicPr>
+          <p:nvPr/>
+        </p:nvPicPr>
+        <p:blipFill>
+          <a:blip r:embed="rId3"/>
+          <a:stretch>
+            <a:fillRect/>
+          </a:stretch>
+        </p:blipFill>
+        <p:spPr>
+          <a:xfrm>
+            <a:off x="3987326" y="2116138"/>
+            <a:ext cx="3175000" cy="469900"/>
+          </a:xfrm>
+          <a:prstGeom prst="rect">
+            <a:avLst/>
+          </a:prstGeom>
+        </p:spPr>
+      </p:pic>
+      <mc:AlternateContent xmlns:mc="http://schemas.openxmlformats.org/markup-compatibility/2006">
+        <mc:Choice xmlns:a14="http://schemas.microsoft.com/office/drawing/2010/main" Requires="a14">
+          <p:sp>
+            <p:nvSpPr>
+              <p:cNvPr id="6" name="TextBox 5">
+                <a:extLst>
+                  <a:ext uri="{FF2B5EF4-FFF2-40B4-BE49-F238E27FC236}">
+                    <a16:creationId xmlns:a16="http://schemas.microsoft.com/office/drawing/2014/main" id="{4F7EDAC4-A19B-A947-A487-EFB91A3BD3D5}"/>
+                  </a:ext>
+                </a:extLst>
+              </p:cNvPr>
+              <p:cNvSpPr txBox="1"/>
+              <p:nvPr/>
+            </p:nvSpPr>
+            <p:spPr>
+              <a:xfrm>
+                <a:off x="7785218" y="2116138"/>
+                <a:ext cx="1265026" cy="764568"/>
+              </a:xfrm>
+              <a:prstGeom prst="rect">
+                <a:avLst/>
+              </a:prstGeom>
+              <a:noFill/>
+            </p:spPr>
+            <p:txBody>
+              <a:bodyPr wrap="none" rtlCol="0">
+                <a:spAutoFit/>
+              </a:bodyPr>
+              <a:lstStyle/>
+              <a:p>
+                <a14:m>
+                  <m:oMathPara xmlns:m="http://schemas.openxmlformats.org/officeDocument/2006/math">
+                    <m:oMathParaPr>
+                      <m:jc m:val="centerGroup"/>
+                    </m:oMathParaPr>
+                    <m:oMath xmlns:m="http://schemas.openxmlformats.org/officeDocument/2006/math">
+                      <m:r>
+                        <a:rPr lang="en-US" b="0" i="1" smtClean="0">
+                          <a:latin typeface="Cambria Math" panose="02040503050406030204" pitchFamily="18" charset="0"/>
+                        </a:rPr>
+                        <m:t>𝑁</m:t>
+                      </m:r>
+                      <m:r>
+                        <a:rPr lang="en-US" b="0" i="1" smtClean="0">
+                          <a:latin typeface="Cambria Math" panose="02040503050406030204" pitchFamily="18" charset="0"/>
+                        </a:rPr>
+                        <m:t>=</m:t>
+                      </m:r>
+                      <m:nary>
+                        <m:naryPr>
+                          <m:chr m:val="∑"/>
+                          <m:supHide m:val="on"/>
+                          <m:ctrlPr>
+                            <a:rPr lang="en-US" b="0" i="1" smtClean="0">
+                              <a:latin typeface="Cambria Math" panose="02040503050406030204" pitchFamily="18" charset="0"/>
+                            </a:rPr>
+                          </m:ctrlPr>
+                        </m:naryPr>
+                        <m:sub>
+                          <m:r>
+                            <a:rPr lang="en-US" b="0" i="1" smtClean="0">
+                              <a:latin typeface="Cambria Math" panose="02040503050406030204" pitchFamily="18" charset="0"/>
+                            </a:rPr>
+                            <m:t>𝑖</m:t>
+                          </m:r>
+                        </m:sub>
+                        <m:sup/>
+                        <m:e>
+                          <m:sSub>
+                            <m:sSubPr>
+                              <m:ctrlPr>
+                                <a:rPr lang="en-US" b="0" i="1" smtClean="0">
+                                  <a:latin typeface="Cambria Math" panose="02040503050406030204" pitchFamily="18" charset="0"/>
+                                </a:rPr>
+                              </m:ctrlPr>
+                            </m:sSubPr>
+                            <m:e>
+                              <m:r>
+                                <a:rPr lang="en-US" b="0" i="1" smtClean="0">
+                                  <a:latin typeface="Cambria Math" panose="02040503050406030204" pitchFamily="18" charset="0"/>
+                                </a:rPr>
+                                <m:t>𝑛</m:t>
+                              </m:r>
+                            </m:e>
+                            <m:sub>
+                              <m:r>
+                                <a:rPr lang="en-US" b="0" i="1" smtClean="0">
+                                  <a:latin typeface="Cambria Math" panose="02040503050406030204" pitchFamily="18" charset="0"/>
+                                </a:rPr>
+                                <m:t>𝑖</m:t>
+                              </m:r>
+                            </m:sub>
+                          </m:sSub>
+                        </m:e>
+                      </m:nary>
+                    </m:oMath>
+                  </m:oMathPara>
+                </a14:m>
+                <a:endParaRPr lang="en-US" dirty="0"/>
+              </a:p>
+            </p:txBody>
+          </p:sp>
+        </mc:Choice>
+        <mc:Fallback>
+          <p:sp>
+            <p:nvSpPr>
+              <p:cNvPr id="6" name="TextBox 5">
+                <a:extLst>
+                  <a:ext uri="{FF2B5EF4-FFF2-40B4-BE49-F238E27FC236}">
+                    <a16:creationId xmlns:a16="http://schemas.microsoft.com/office/drawing/2014/main" id="{4F7EDAC4-A19B-A947-A487-EFB91A3BD3D5}"/>
+                  </a:ext>
+                </a:extLst>
+              </p:cNvPr>
+              <p:cNvSpPr txBox="1">
+                <a:spLocks noRot="1" noChangeAspect="1" noMove="1" noResize="1" noEditPoints="1" noAdjustHandles="1" noChangeArrowheads="1" noChangeShapeType="1" noTextEdit="1"/>
+              </p:cNvSpPr>
+              <p:nvPr/>
+            </p:nvSpPr>
+            <p:spPr>
+              <a:xfrm>
+                <a:off x="7785218" y="2116138"/>
+                <a:ext cx="1265026" cy="764568"/>
+              </a:xfrm>
+              <a:prstGeom prst="rect">
+                <a:avLst/>
+              </a:prstGeom>
+              <a:blipFill>
+                <a:blip r:embed="rId4"/>
+                <a:stretch>
+                  <a:fillRect l="-20792" t="-119355" r="-15842" b="-166129"/>
+                </a:stretch>
+              </a:blipFill>
+            </p:spPr>
+            <p:txBody>
+              <a:bodyPr/>
+              <a:lstStyle/>
+              <a:p>
+                <a:r>
+                  <a:rPr lang="en-US">
+                    <a:noFill/>
+                  </a:rPr>
+                  <a:t> </a:t>
+                </a:r>
+              </a:p>
+            </p:txBody>
+          </p:sp>
+        </mc:Fallback>
+      </mc:AlternateContent>
+      <mc:AlternateContent xmlns:mc="http://schemas.openxmlformats.org/markup-compatibility/2006">
+        <mc:Choice xmlns:a14="http://schemas.microsoft.com/office/drawing/2010/main" Requires="a14">
+          <p:sp>
+            <p:nvSpPr>
+              <p:cNvPr id="7" name="TextBox 6">
+                <a:extLst>
+                  <a:ext uri="{FF2B5EF4-FFF2-40B4-BE49-F238E27FC236}">
+                    <a16:creationId xmlns:a16="http://schemas.microsoft.com/office/drawing/2014/main" id="{06BB0B13-862D-CB42-A425-FA9B3091E505}"/>
+                  </a:ext>
+                </a:extLst>
+              </p:cNvPr>
+              <p:cNvSpPr txBox="1"/>
+              <p:nvPr/>
+            </p:nvSpPr>
+            <p:spPr>
+              <a:xfrm>
+                <a:off x="1316052" y="3349951"/>
+                <a:ext cx="4664675" cy="369332"/>
+              </a:xfrm>
+              <a:prstGeom prst="rect">
+                <a:avLst/>
+              </a:prstGeom>
+              <a:noFill/>
+            </p:spPr>
+            <p:txBody>
+              <a:bodyPr wrap="none" rtlCol="0">
+                <a:spAutoFit/>
+              </a:bodyPr>
+              <a:lstStyle/>
+              <a:p>
+                <a:r>
+                  <a:rPr lang="en-US" dirty="0"/>
+                  <a:t>This is equivalent to Wilks’ </a:t>
+                </a:r>
+                <a14:m>
+                  <m:oMath xmlns:m="http://schemas.openxmlformats.org/officeDocument/2006/math">
+                    <m:r>
+                      <m:rPr>
+                        <m:sty m:val="p"/>
+                      </m:rPr>
+                      <a:rPr lang="en-US" b="0" i="0" smtClean="0">
+                        <a:latin typeface="Cambria Math" panose="02040503050406030204" pitchFamily="18" charset="0"/>
+                      </a:rPr>
+                      <m:t>Λ</m:t>
+                    </m:r>
+                  </m:oMath>
+                </a14:m>
+                <a:r>
+                  <a:rPr lang="en-US" dirty="0"/>
+                  <a:t> test (see table A.9)</a:t>
+                </a:r>
+              </a:p>
+            </p:txBody>
+          </p:sp>
+        </mc:Choice>
+        <mc:Fallback>
+          <p:sp>
+            <p:nvSpPr>
+              <p:cNvPr id="7" name="TextBox 6">
+                <a:extLst>
+                  <a:ext uri="{FF2B5EF4-FFF2-40B4-BE49-F238E27FC236}">
+                    <a16:creationId xmlns:a16="http://schemas.microsoft.com/office/drawing/2014/main" id="{06BB0B13-862D-CB42-A425-FA9B3091E505}"/>
+                  </a:ext>
+                </a:extLst>
+              </p:cNvPr>
+              <p:cNvSpPr txBox="1">
+                <a:spLocks noRot="1" noChangeAspect="1" noMove="1" noResize="1" noEditPoints="1" noAdjustHandles="1" noChangeArrowheads="1" noChangeShapeType="1" noTextEdit="1"/>
+              </p:cNvSpPr>
+              <p:nvPr/>
+            </p:nvSpPr>
+            <p:spPr>
+              <a:xfrm>
+                <a:off x="1316052" y="3349951"/>
+                <a:ext cx="4664675" cy="369332"/>
+              </a:xfrm>
+              <a:prstGeom prst="rect">
+                <a:avLst/>
+              </a:prstGeom>
+              <a:blipFill>
+                <a:blip r:embed="rId5"/>
+                <a:stretch>
+                  <a:fillRect l="-1087" t="-10345" r="-272" b="-27586"/>
+                </a:stretch>
+              </a:blipFill>
+            </p:spPr>
+            <p:txBody>
+              <a:bodyPr/>
+              <a:lstStyle/>
+              <a:p>
+                <a:r>
+                  <a:rPr lang="en-US">
+                    <a:noFill/>
+                  </a:rPr>
+                  <a:t> </a:t>
+                </a:r>
+              </a:p>
+            </p:txBody>
+          </p:sp>
+        </mc:Fallback>
+      </mc:AlternateContent>
+      <mc:AlternateContent xmlns:mc="http://schemas.openxmlformats.org/markup-compatibility/2006">
+        <mc:Choice xmlns:a14="http://schemas.microsoft.com/office/drawing/2010/main" Requires="a14">
+          <p:sp>
+            <p:nvSpPr>
+              <p:cNvPr id="8" name="TextBox 7">
+                <a:extLst>
+                  <a:ext uri="{FF2B5EF4-FFF2-40B4-BE49-F238E27FC236}">
+                    <a16:creationId xmlns:a16="http://schemas.microsoft.com/office/drawing/2014/main" id="{BB2E3926-5F3F-B244-8918-6192428E36A4}"/>
+                  </a:ext>
+                </a:extLst>
+              </p:cNvPr>
+              <p:cNvSpPr txBox="1"/>
+              <p:nvPr/>
+            </p:nvSpPr>
+            <p:spPr>
+              <a:xfrm>
+                <a:off x="1486968" y="4195985"/>
+                <a:ext cx="9939196" cy="1200329"/>
+              </a:xfrm>
+              <a:prstGeom prst="rect">
+                <a:avLst/>
+              </a:prstGeom>
+              <a:noFill/>
+            </p:spPr>
+            <p:txBody>
+              <a:bodyPr wrap="none" rtlCol="0">
+                <a:spAutoFit/>
+              </a:bodyPr>
+              <a:lstStyle/>
+              <a:p>
+                <a:r>
+                  <a:rPr lang="en-US" dirty="0"/>
+                  <a:t>The test statistic test the significance of all </a:t>
+                </a:r>
+                <a14:m>
+                  <m:oMath xmlns:m="http://schemas.openxmlformats.org/officeDocument/2006/math">
+                    <m:sSub>
+                      <m:sSubPr>
+                        <m:ctrlPr>
+                          <a:rPr lang="en-US" b="0" i="1" smtClean="0">
+                            <a:latin typeface="Cambria Math" panose="02040503050406030204" pitchFamily="18" charset="0"/>
+                          </a:rPr>
+                        </m:ctrlPr>
+                      </m:sSubPr>
+                      <m:e>
+                        <m:r>
+                          <a:rPr lang="en-US" b="0" i="1" smtClean="0">
+                            <a:latin typeface="Cambria Math" panose="02040503050406030204" pitchFamily="18" charset="0"/>
+                          </a:rPr>
+                          <m:t>𝜆</m:t>
+                        </m:r>
+                      </m:e>
+                      <m:sub>
+                        <m:r>
+                          <a:rPr lang="en-US" b="0" i="1" smtClean="0">
+                            <a:latin typeface="Cambria Math" panose="02040503050406030204" pitchFamily="18" charset="0"/>
+                          </a:rPr>
+                          <m:t>𝑖</m:t>
+                        </m:r>
+                      </m:sub>
+                    </m:sSub>
+                  </m:oMath>
+                </a14:m>
+                <a:r>
+                  <a:rPr lang="en-US" dirty="0"/>
+                  <a:t> . If the test is significant than at least one of the lambdas is</a:t>
+                </a:r>
+              </a:p>
+              <a:p>
+                <a:r>
+                  <a:rPr lang="en-US" dirty="0"/>
+                  <a:t>Significantly different than 0.</a:t>
+                </a:r>
+              </a:p>
+              <a:p>
+                <a:endParaRPr lang="en-US" dirty="0"/>
+              </a:p>
+              <a:p>
+                <a:r>
+                  <a:rPr lang="en-US" dirty="0"/>
+                  <a:t>We can continue doing this and dropping the first eigenvalue until we are no longer significant. </a:t>
+                </a:r>
+              </a:p>
+            </p:txBody>
+          </p:sp>
+        </mc:Choice>
+        <mc:Fallback>
+          <p:sp>
+            <p:nvSpPr>
+              <p:cNvPr id="8" name="TextBox 7">
+                <a:extLst>
+                  <a:ext uri="{FF2B5EF4-FFF2-40B4-BE49-F238E27FC236}">
+                    <a16:creationId xmlns:a16="http://schemas.microsoft.com/office/drawing/2014/main" id="{BB2E3926-5F3F-B244-8918-6192428E36A4}"/>
+                  </a:ext>
+                </a:extLst>
+              </p:cNvPr>
+              <p:cNvSpPr txBox="1">
+                <a:spLocks noRot="1" noChangeAspect="1" noMove="1" noResize="1" noEditPoints="1" noAdjustHandles="1" noChangeArrowheads="1" noChangeShapeType="1" noTextEdit="1"/>
+              </p:cNvSpPr>
+              <p:nvPr/>
+            </p:nvSpPr>
+            <p:spPr>
+              <a:xfrm>
+                <a:off x="1486968" y="4195985"/>
+                <a:ext cx="9939196" cy="1200329"/>
+              </a:xfrm>
+              <a:prstGeom prst="rect">
+                <a:avLst/>
+              </a:prstGeom>
+              <a:blipFill>
+                <a:blip r:embed="rId6"/>
+                <a:stretch>
+                  <a:fillRect l="-511" t="-2105" b="-8421"/>
+                </a:stretch>
+              </a:blipFill>
+            </p:spPr>
+            <p:txBody>
+              <a:bodyPr/>
+              <a:lstStyle/>
+              <a:p>
+                <a:r>
+                  <a:rPr lang="en-US">
+                    <a:noFill/>
+                  </a:rPr>
+                  <a:t> </a:t>
+                </a:r>
+              </a:p>
+            </p:txBody>
+          </p:sp>
+        </mc:Fallback>
+      </mc:AlternateContent>
+      <p:pic>
+        <p:nvPicPr>
+          <p:cNvPr id="9" name="Picture 8">
+            <a:extLst>
+              <a:ext uri="{FF2B5EF4-FFF2-40B4-BE49-F238E27FC236}">
+                <a16:creationId xmlns:a16="http://schemas.microsoft.com/office/drawing/2014/main" id="{43ACE12B-9D12-AD45-B92B-6A31641FC5C7}"/>
+              </a:ext>
+            </a:extLst>
+          </p:cNvPr>
+          <p:cNvPicPr>
+            <a:picLocks noChangeAspect="1"/>
+          </p:cNvPicPr>
+          <p:nvPr/>
+        </p:nvPicPr>
+        <p:blipFill>
+          <a:blip r:embed="rId7"/>
+          <a:stretch>
+            <a:fillRect/>
+          </a:stretch>
+        </p:blipFill>
+        <p:spPr>
+          <a:xfrm>
+            <a:off x="1909451" y="5591175"/>
+            <a:ext cx="2476500" cy="901700"/>
+          </a:xfrm>
+          <a:prstGeom prst="rect">
+            <a:avLst/>
+          </a:prstGeom>
+        </p:spPr>
+      </p:pic>
+      <p:pic>
+        <p:nvPicPr>
+          <p:cNvPr id="10" name="Picture 9">
+            <a:extLst>
+              <a:ext uri="{FF2B5EF4-FFF2-40B4-BE49-F238E27FC236}">
+                <a16:creationId xmlns:a16="http://schemas.microsoft.com/office/drawing/2014/main" id="{3CA1DD8D-B577-0445-AF7D-B2435A5F3F34}"/>
+              </a:ext>
+            </a:extLst>
+          </p:cNvPr>
+          <p:cNvPicPr>
+            <a:picLocks noChangeAspect="1"/>
+          </p:cNvPicPr>
+          <p:nvPr/>
+        </p:nvPicPr>
+        <p:blipFill>
+          <a:blip r:embed="rId8"/>
+          <a:stretch>
+            <a:fillRect/>
+          </a:stretch>
+        </p:blipFill>
+        <p:spPr>
+          <a:xfrm>
+            <a:off x="5007598" y="5405765"/>
+            <a:ext cx="5785740" cy="1339556"/>
+          </a:xfrm>
+          <a:prstGeom prst="rect">
+            <a:avLst/>
+          </a:prstGeom>
+        </p:spPr>
+      </p:pic>
+    </p:spTree>
+    <p:extLst>
+      <p:ext uri="{BB962C8B-B14F-4D97-AF65-F5344CB8AC3E}">
+        <p14:creationId xmlns:p14="http://schemas.microsoft.com/office/powerpoint/2010/main" val="3214310116"/>
+      </p:ext>
+    </p:extLst>
+  </p:cSld>
+  <p:clrMapOvr>
+    <a:masterClrMapping/>
+  </p:clrMapOvr>
+</p:sld>
+</file>
+
+<file path=ppt/slides/slide14.xml><?xml version="1.0" encoding="utf-8"?>
+<p:sld xmlns:a="http://schemas.openxmlformats.org/drawingml/2006/main" xmlns:r="http://schemas.openxmlformats.org/officeDocument/2006/relationships" xmlns:p="http://schemas.openxmlformats.org/presentationml/2006/main">
+  <p:cSld>
+    <p:spTree>
+      <p:nvGrpSpPr>
+        <p:cNvPr id="1" name=""/>
+        <p:cNvGrpSpPr/>
+        <p:nvPr/>
+      </p:nvGrpSpPr>
+      <p:grpSpPr>
+        <a:xfrm>
+          <a:off x="0" y="0"/>
+          <a:ext cx="0" cy="0"/>
+          <a:chOff x="0" y="0"/>
+          <a:chExt cx="0" cy="0"/>
+        </a:xfrm>
+      </p:grpSpPr>
+      <p:sp>
+        <p:nvSpPr>
+          <p:cNvPr id="2" name="Title 1">
+            <a:extLst>
+              <a:ext uri="{FF2B5EF4-FFF2-40B4-BE49-F238E27FC236}">
+                <a16:creationId xmlns:a16="http://schemas.microsoft.com/office/drawing/2014/main" id="{C085BF2C-205C-AD47-B1D8-22A1D6452808}"/>
+              </a:ext>
+            </a:extLst>
+          </p:cNvPr>
+          <p:cNvSpPr>
+            <a:spLocks noGrp="1"/>
+          </p:cNvSpPr>
+          <p:nvPr>
+            <p:ph type="title"/>
+          </p:nvPr>
+        </p:nvSpPr>
+        <p:spPr/>
+        <p:txBody>
+          <a:bodyPr/>
+          <a:lstStyle/>
+          <a:p>
+            <a:r>
+              <a:rPr lang="en-US" dirty="0"/>
+              <a:t>Interpretation of discriminant functions</a:t>
+            </a:r>
+          </a:p>
+        </p:txBody>
+      </p:sp>
+      <p:sp>
+        <p:nvSpPr>
+          <p:cNvPr id="3" name="Content Placeholder 2">
+            <a:extLst>
+              <a:ext uri="{FF2B5EF4-FFF2-40B4-BE49-F238E27FC236}">
+                <a16:creationId xmlns:a16="http://schemas.microsoft.com/office/drawing/2014/main" id="{460FF01A-BE5C-2446-81D0-6DD59312178C}"/>
+              </a:ext>
+            </a:extLst>
+          </p:cNvPr>
+          <p:cNvSpPr>
+            <a:spLocks noGrp="1"/>
+          </p:cNvSpPr>
+          <p:nvPr>
+            <p:ph idx="1"/>
+          </p:nvPr>
+        </p:nvSpPr>
+        <p:spPr/>
+        <p:txBody>
+          <a:bodyPr/>
+          <a:lstStyle/>
+          <a:p>
+            <a:r>
+              <a:rPr lang="en-US" dirty="0"/>
+              <a:t>Use standardized coefficients</a:t>
+            </a:r>
+          </a:p>
+          <a:p>
+            <a:r>
+              <a:rPr lang="en-US" dirty="0"/>
+              <a:t>Direction matters for interpretation – not contribution</a:t>
+            </a:r>
+          </a:p>
+        </p:txBody>
+      </p:sp>
+    </p:spTree>
+    <p:extLst>
+      <p:ext uri="{BB962C8B-B14F-4D97-AF65-F5344CB8AC3E}">
+        <p14:creationId xmlns:p14="http://schemas.microsoft.com/office/powerpoint/2010/main" val="3793518875"/>
+      </p:ext>
+    </p:extLst>
+  </p:cSld>
+  <p:clrMapOvr>
+    <a:masterClrMapping/>
+  </p:clrMapOvr>
+</p:sld>
+</file>
+
+<file path=ppt/slides/slide15.xml><?xml version="1.0" encoding="utf-8"?>
+<p:sld xmlns:a="http://schemas.openxmlformats.org/drawingml/2006/main" xmlns:r="http://schemas.openxmlformats.org/officeDocument/2006/relationships" xmlns:p="http://schemas.openxmlformats.org/presentationml/2006/main">
+  <p:cSld>
+    <p:spTree>
+      <p:nvGrpSpPr>
+        <p:cNvPr id="1" name=""/>
+        <p:cNvGrpSpPr/>
+        <p:nvPr/>
+      </p:nvGrpSpPr>
+      <p:grpSpPr>
+        <a:xfrm>
+          <a:off x="0" y="0"/>
+          <a:ext cx="0" cy="0"/>
+          <a:chOff x="0" y="0"/>
+          <a:chExt cx="0" cy="0"/>
+        </a:xfrm>
+      </p:grpSpPr>
+      <p:sp>
+        <p:nvSpPr>
+          <p:cNvPr id="2" name="Title 1">
+            <a:extLst>
+              <a:ext uri="{FF2B5EF4-FFF2-40B4-BE49-F238E27FC236}">
+                <a16:creationId xmlns:a16="http://schemas.microsoft.com/office/drawing/2014/main" id="{D6D33E05-5F29-B740-98F8-5252F89EBE97}"/>
+              </a:ext>
+            </a:extLst>
+          </p:cNvPr>
+          <p:cNvSpPr>
+            <a:spLocks noGrp="1"/>
+          </p:cNvSpPr>
+          <p:nvPr>
+            <p:ph type="title"/>
+          </p:nvPr>
+        </p:nvSpPr>
+        <p:spPr/>
+        <p:txBody>
+          <a:bodyPr/>
+          <a:lstStyle/>
+          <a:p>
+            <a:r>
+              <a:rPr lang="en-US" dirty="0"/>
+              <a:t>Scatter Plots</a:t>
+            </a:r>
+          </a:p>
+        </p:txBody>
+      </p:sp>
+      <p:sp>
+        <p:nvSpPr>
+          <p:cNvPr id="3" name="Content Placeholder 2">
+            <a:extLst>
+              <a:ext uri="{FF2B5EF4-FFF2-40B4-BE49-F238E27FC236}">
+                <a16:creationId xmlns:a16="http://schemas.microsoft.com/office/drawing/2014/main" id="{52AC48AC-6631-C24E-957E-63900CAB6A7E}"/>
+              </a:ext>
+            </a:extLst>
+          </p:cNvPr>
+          <p:cNvSpPr>
+            <a:spLocks noGrp="1"/>
+          </p:cNvSpPr>
+          <p:nvPr>
+            <p:ph idx="1"/>
+          </p:nvPr>
+        </p:nvSpPr>
+        <p:spPr/>
+        <p:txBody>
+          <a:bodyPr/>
+          <a:lstStyle/>
+          <a:p>
+            <a:endParaRPr lang="en-US"/>
+          </a:p>
+        </p:txBody>
+      </p:sp>
+      <p:pic>
+        <p:nvPicPr>
+          <p:cNvPr id="4" name="Picture 3">
+            <a:extLst>
+              <a:ext uri="{FF2B5EF4-FFF2-40B4-BE49-F238E27FC236}">
+                <a16:creationId xmlns:a16="http://schemas.microsoft.com/office/drawing/2014/main" id="{20DFB326-68B0-094C-81EA-C72A95F57503}"/>
+              </a:ext>
+            </a:extLst>
+          </p:cNvPr>
+          <p:cNvPicPr>
+            <a:picLocks noChangeAspect="1"/>
+          </p:cNvPicPr>
+          <p:nvPr/>
+        </p:nvPicPr>
+        <p:blipFill>
+          <a:blip r:embed="rId2"/>
+          <a:stretch>
+            <a:fillRect/>
+          </a:stretch>
+        </p:blipFill>
+        <p:spPr>
+          <a:xfrm>
+            <a:off x="2433118" y="1767941"/>
+            <a:ext cx="6992893" cy="5200112"/>
+          </a:xfrm>
+          <a:prstGeom prst="rect">
+            <a:avLst/>
+          </a:prstGeom>
+        </p:spPr>
+      </p:pic>
+    </p:spTree>
+    <p:extLst>
+      <p:ext uri="{BB962C8B-B14F-4D97-AF65-F5344CB8AC3E}">
+        <p14:creationId xmlns:p14="http://schemas.microsoft.com/office/powerpoint/2010/main" val="2654735451"/>
+      </p:ext>
+    </p:extLst>
+  </p:cSld>
+  <p:clrMapOvr>
+    <a:masterClrMapping/>
+  </p:clrMapOvr>
+</p:sld>
+</file>
+
+<file path=ppt/slides/slide16.xml><?xml version="1.0" encoding="utf-8"?>
+<p:sld xmlns:a="http://schemas.openxmlformats.org/drawingml/2006/main" xmlns:r="http://schemas.openxmlformats.org/officeDocument/2006/relationships" xmlns:p="http://schemas.openxmlformats.org/presentationml/2006/main">
+  <p:cSld>
+    <p:spTree>
+      <p:nvGrpSpPr>
+        <p:cNvPr id="1" name=""/>
+        <p:cNvGrpSpPr/>
+        <p:nvPr/>
+      </p:nvGrpSpPr>
+      <p:grpSpPr>
+        <a:xfrm>
+          <a:off x="0" y="0"/>
+          <a:ext cx="0" cy="0"/>
+          <a:chOff x="0" y="0"/>
+          <a:chExt cx="0" cy="0"/>
+        </a:xfrm>
+      </p:grpSpPr>
+      <p:sp>
+        <p:nvSpPr>
+          <p:cNvPr id="2" name="Title 1">
+            <a:extLst>
+              <a:ext uri="{FF2B5EF4-FFF2-40B4-BE49-F238E27FC236}">
+                <a16:creationId xmlns:a16="http://schemas.microsoft.com/office/drawing/2014/main" id="{5E6F7FC7-256C-0F42-94BE-9FC420D164FC}"/>
+              </a:ext>
+            </a:extLst>
+          </p:cNvPr>
+          <p:cNvSpPr>
+            <a:spLocks noGrp="1"/>
+          </p:cNvSpPr>
+          <p:nvPr>
+            <p:ph type="title"/>
+          </p:nvPr>
+        </p:nvSpPr>
+        <p:spPr/>
+        <p:txBody>
+          <a:bodyPr/>
+          <a:lstStyle/>
+          <a:p>
+            <a:r>
+              <a:rPr lang="en-US" dirty="0"/>
+              <a:t>Chapter 9 Classification Analysis</a:t>
+            </a:r>
+          </a:p>
+        </p:txBody>
+      </p:sp>
+      <p:sp>
+        <p:nvSpPr>
+          <p:cNvPr id="3" name="Content Placeholder 2">
+            <a:extLst>
+              <a:ext uri="{FF2B5EF4-FFF2-40B4-BE49-F238E27FC236}">
+                <a16:creationId xmlns:a16="http://schemas.microsoft.com/office/drawing/2014/main" id="{B443A679-1068-E74E-978D-799F54B5BD88}"/>
+              </a:ext>
+            </a:extLst>
+          </p:cNvPr>
+          <p:cNvSpPr>
+            <a:spLocks noGrp="1"/>
+          </p:cNvSpPr>
+          <p:nvPr>
+            <p:ph idx="1"/>
+          </p:nvPr>
+        </p:nvSpPr>
+        <p:spPr/>
+        <p:txBody>
+          <a:bodyPr/>
+          <a:lstStyle/>
+          <a:p>
+            <a:r>
+              <a:rPr lang="en-US" dirty="0"/>
+              <a:t>Focus on predictive aspect of discriminant analysis. We started doing this in the previous section with graphs</a:t>
+            </a:r>
+          </a:p>
+        </p:txBody>
+      </p:sp>
+    </p:spTree>
+    <p:extLst>
+      <p:ext uri="{BB962C8B-B14F-4D97-AF65-F5344CB8AC3E}">
+        <p14:creationId xmlns:p14="http://schemas.microsoft.com/office/powerpoint/2010/main" val="1326205953"/>
+      </p:ext>
+    </p:extLst>
+  </p:cSld>
+  <p:clrMapOvr>
+    <a:masterClrMapping/>
+  </p:clrMapOvr>
+</p:sld>
+</file>
+
+<file path=ppt/slides/slide17.xml><?xml version="1.0" encoding="utf-8"?>
+<p:sld xmlns:a="http://schemas.openxmlformats.org/drawingml/2006/main" xmlns:r="http://schemas.openxmlformats.org/officeDocument/2006/relationships" xmlns:p="http://schemas.openxmlformats.org/presentationml/2006/main">
+  <p:cSld>
+    <p:spTree>
+      <p:nvGrpSpPr>
+        <p:cNvPr id="1" name=""/>
+        <p:cNvGrpSpPr/>
+        <p:nvPr/>
+      </p:nvGrpSpPr>
+      <p:grpSpPr>
+        <a:xfrm>
+          <a:off x="0" y="0"/>
+          <a:ext cx="0" cy="0"/>
+          <a:chOff x="0" y="0"/>
+          <a:chExt cx="0" cy="0"/>
+        </a:xfrm>
+      </p:grpSpPr>
+      <p:sp>
+        <p:nvSpPr>
+          <p:cNvPr id="2" name="Title 1">
+            <a:extLst>
+              <a:ext uri="{FF2B5EF4-FFF2-40B4-BE49-F238E27FC236}">
+                <a16:creationId xmlns:a16="http://schemas.microsoft.com/office/drawing/2014/main" id="{746DC614-880E-7849-BCDF-E9E27861D6F7}"/>
+              </a:ext>
+            </a:extLst>
+          </p:cNvPr>
+          <p:cNvSpPr>
+            <a:spLocks noGrp="1"/>
+          </p:cNvSpPr>
+          <p:nvPr>
+            <p:ph type="title"/>
+          </p:nvPr>
+        </p:nvSpPr>
+        <p:spPr/>
+        <p:txBody>
+          <a:bodyPr/>
+          <a:lstStyle/>
+          <a:p>
+            <a:r>
+              <a:rPr lang="en-US" dirty="0"/>
+              <a:t>Examples</a:t>
+            </a:r>
+          </a:p>
+        </p:txBody>
+      </p:sp>
+      <p:pic>
+        <p:nvPicPr>
+          <p:cNvPr id="4" name="Content Placeholder 3">
+            <a:extLst>
+              <a:ext uri="{FF2B5EF4-FFF2-40B4-BE49-F238E27FC236}">
+                <a16:creationId xmlns:a16="http://schemas.microsoft.com/office/drawing/2014/main" id="{4FF7C4B8-E648-3E48-8E05-D0AD1ED68063}"/>
+              </a:ext>
+            </a:extLst>
+          </p:cNvPr>
+          <p:cNvPicPr>
+            <a:picLocks noGrp="1" noChangeAspect="1"/>
+          </p:cNvPicPr>
+          <p:nvPr>
+            <p:ph idx="1"/>
+          </p:nvPr>
+        </p:nvPicPr>
+        <p:blipFill>
+          <a:blip r:embed="rId2"/>
+          <a:stretch>
+            <a:fillRect/>
+          </a:stretch>
+        </p:blipFill>
+        <p:spPr>
+          <a:xfrm>
+            <a:off x="1873250" y="1487849"/>
+            <a:ext cx="8445500" cy="2921000"/>
+          </a:xfrm>
+          <a:prstGeom prst="rect">
+            <a:avLst/>
+          </a:prstGeom>
+        </p:spPr>
+      </p:pic>
+    </p:spTree>
+    <p:extLst>
+      <p:ext uri="{BB962C8B-B14F-4D97-AF65-F5344CB8AC3E}">
+        <p14:creationId xmlns:p14="http://schemas.microsoft.com/office/powerpoint/2010/main" val="3024410235"/>
+      </p:ext>
+    </p:extLst>
+  </p:cSld>
+  <p:clrMapOvr>
+    <a:masterClrMapping/>
+  </p:clrMapOvr>
+</p:sld>
+</file>
+
+<file path=ppt/slides/slide18.xml><?xml version="1.0" encoding="utf-8"?>
+<p:sld xmlns:a="http://schemas.openxmlformats.org/drawingml/2006/main" xmlns:r="http://schemas.openxmlformats.org/officeDocument/2006/relationships" xmlns:p="http://schemas.openxmlformats.org/presentationml/2006/main">
+  <p:cSld>
+    <p:spTree>
+      <p:nvGrpSpPr>
+        <p:cNvPr id="1" name=""/>
+        <p:cNvGrpSpPr/>
+        <p:nvPr/>
+      </p:nvGrpSpPr>
+      <p:grpSpPr>
+        <a:xfrm>
+          <a:off x="0" y="0"/>
+          <a:ext cx="0" cy="0"/>
+          <a:chOff x="0" y="0"/>
+          <a:chExt cx="0" cy="0"/>
+        </a:xfrm>
+      </p:grpSpPr>
+      <p:sp>
+        <p:nvSpPr>
+          <p:cNvPr id="2" name="Title 1">
+            <a:extLst>
+              <a:ext uri="{FF2B5EF4-FFF2-40B4-BE49-F238E27FC236}">
+                <a16:creationId xmlns:a16="http://schemas.microsoft.com/office/drawing/2014/main" id="{EE333D52-B92D-234E-9AB0-25A5C26D59C0}"/>
+              </a:ext>
+            </a:extLst>
+          </p:cNvPr>
+          <p:cNvSpPr>
+            <a:spLocks noGrp="1"/>
+          </p:cNvSpPr>
+          <p:nvPr>
+            <p:ph type="title"/>
+          </p:nvPr>
+        </p:nvSpPr>
+        <p:spPr/>
+        <p:txBody>
+          <a:bodyPr/>
+          <a:lstStyle/>
+          <a:p>
+            <a:r>
+              <a:rPr lang="en-US" dirty="0"/>
+              <a:t>Classification in two groups</a:t>
+            </a:r>
+          </a:p>
+        </p:txBody>
+      </p:sp>
+      <mc:AlternateContent xmlns:mc="http://schemas.openxmlformats.org/markup-compatibility/2006">
+        <mc:Choice xmlns:a14="http://schemas.microsoft.com/office/drawing/2010/main" Requires="a14">
+          <p:sp>
+            <p:nvSpPr>
+              <p:cNvPr id="3" name="Content Placeholder 2">
+                <a:extLst>
+                  <a:ext uri="{FF2B5EF4-FFF2-40B4-BE49-F238E27FC236}">
+                    <a16:creationId xmlns:a16="http://schemas.microsoft.com/office/drawing/2014/main" id="{13354F38-D09A-F74C-BDC8-C881A2B47960}"/>
+                  </a:ext>
+                </a:extLst>
+              </p:cNvPr>
+              <p:cNvSpPr>
+                <a:spLocks noGrp="1"/>
+              </p:cNvSpPr>
+              <p:nvPr>
+                <p:ph idx="1"/>
+              </p:nvPr>
+            </p:nvSpPr>
+            <p:spPr>
+              <a:xfrm>
+                <a:off x="838200" y="2460625"/>
+                <a:ext cx="4066309" cy="3716338"/>
+              </a:xfrm>
+            </p:spPr>
+            <p:txBody>
+              <a:bodyPr/>
+              <a:lstStyle/>
+              <a:p>
+                <a:r>
+                  <a:rPr lang="en-US" dirty="0"/>
+                  <a:t>Classify by finding which group z is closer to by comparing to </a:t>
+                </a:r>
+                <a14:m>
+                  <m:oMath xmlns:m="http://schemas.openxmlformats.org/officeDocument/2006/math">
+                    <m:acc>
+                      <m:accPr>
+                        <m:chr m:val="̅"/>
+                        <m:ctrlPr>
+                          <a:rPr lang="en-US" b="0" i="1" smtClean="0">
+                            <a:latin typeface="Cambria Math" panose="02040503050406030204" pitchFamily="18" charset="0"/>
+                          </a:rPr>
+                        </m:ctrlPr>
+                      </m:accPr>
+                      <m:e>
+                        <m:r>
+                          <a:rPr lang="en-US" b="0" i="1" smtClean="0">
+                            <a:latin typeface="Cambria Math" panose="02040503050406030204" pitchFamily="18" charset="0"/>
+                          </a:rPr>
+                          <m:t>𝑧</m:t>
+                        </m:r>
+                      </m:e>
+                    </m:acc>
+                  </m:oMath>
+                </a14:m>
+                <a:endParaRPr lang="en-US" dirty="0"/>
+              </a:p>
+              <a:p>
+                <a:pPr lvl="1"/>
+                <a14:m>
+                  <m:oMath xmlns:m="http://schemas.openxmlformats.org/officeDocument/2006/math">
+                    <m:acc>
+                      <m:accPr>
+                        <m:chr m:val="̅"/>
+                        <m:ctrlPr>
+                          <a:rPr lang="en-US" b="0" i="1" smtClean="0">
+                            <a:latin typeface="Cambria Math" panose="02040503050406030204" pitchFamily="18" charset="0"/>
+                          </a:rPr>
+                        </m:ctrlPr>
+                      </m:accPr>
+                      <m:e>
+                        <m:sSub>
+                          <m:sSubPr>
+                            <m:ctrlPr>
+                              <a:rPr lang="en-US" b="0" i="1" smtClean="0">
+                                <a:latin typeface="Cambria Math" panose="02040503050406030204" pitchFamily="18" charset="0"/>
+                              </a:rPr>
+                            </m:ctrlPr>
+                          </m:sSubPr>
+                          <m:e>
+                            <m:r>
+                              <a:rPr lang="en-US" b="0" i="1" smtClean="0">
+                                <a:latin typeface="Cambria Math" panose="02040503050406030204" pitchFamily="18" charset="0"/>
+                              </a:rPr>
+                              <m:t>𝑧</m:t>
+                            </m:r>
+                          </m:e>
+                          <m:sub>
+                            <m:r>
+                              <a:rPr lang="en-US" b="0" i="1" smtClean="0">
+                                <a:latin typeface="Cambria Math" panose="02040503050406030204" pitchFamily="18" charset="0"/>
+                              </a:rPr>
+                              <m:t>1</m:t>
+                            </m:r>
+                          </m:sub>
+                        </m:sSub>
+                      </m:e>
+                    </m:acc>
+                    <m:r>
+                      <a:rPr lang="en-US" b="0" i="1" dirty="0" smtClean="0">
+                        <a:latin typeface="Cambria Math" panose="02040503050406030204" pitchFamily="18" charset="0"/>
+                      </a:rPr>
+                      <m:t>=</m:t>
+                    </m:r>
+                    <m:sSup>
+                      <m:sSupPr>
+                        <m:ctrlPr>
+                          <a:rPr lang="en-US" b="1" i="1" dirty="0" smtClean="0">
+                            <a:latin typeface="Cambria Math" panose="02040503050406030204" pitchFamily="18" charset="0"/>
+                          </a:rPr>
+                        </m:ctrlPr>
+                      </m:sSupPr>
+                      <m:e>
+                        <m:r>
+                          <a:rPr lang="en-US" b="1" i="1" dirty="0" smtClean="0">
+                            <a:latin typeface="Cambria Math" panose="02040503050406030204" pitchFamily="18" charset="0"/>
+                          </a:rPr>
+                          <m:t>𝒂</m:t>
+                        </m:r>
+                      </m:e>
+                      <m:sup>
+                        <m:r>
+                          <a:rPr lang="en-US" b="1" i="1" dirty="0" smtClean="0">
+                            <a:latin typeface="Cambria Math" panose="02040503050406030204" pitchFamily="18" charset="0"/>
+                          </a:rPr>
+                          <m:t>′</m:t>
+                        </m:r>
+                      </m:sup>
+                    </m:sSup>
+                    <m:acc>
+                      <m:accPr>
+                        <m:chr m:val="̅"/>
+                        <m:ctrlPr>
+                          <a:rPr lang="en-US" b="1" i="1" dirty="0" smtClean="0">
+                            <a:latin typeface="Cambria Math" panose="02040503050406030204" pitchFamily="18" charset="0"/>
+                          </a:rPr>
+                        </m:ctrlPr>
+                      </m:accPr>
+                      <m:e>
+                        <m:sSub>
+                          <m:sSubPr>
+                            <m:ctrlPr>
+                              <a:rPr lang="en-US" b="1" i="1" dirty="0" smtClean="0">
+                                <a:latin typeface="Cambria Math" panose="02040503050406030204" pitchFamily="18" charset="0"/>
+                              </a:rPr>
+                            </m:ctrlPr>
+                          </m:sSubPr>
+                          <m:e>
+                            <m:r>
+                              <a:rPr lang="en-US" b="1" i="1" dirty="0" smtClean="0">
+                                <a:latin typeface="Cambria Math" panose="02040503050406030204" pitchFamily="18" charset="0"/>
+                              </a:rPr>
+                              <m:t>𝒚</m:t>
+                            </m:r>
+                          </m:e>
+                          <m:sub>
+                            <m:r>
+                              <a:rPr lang="en-US" b="1" i="1" dirty="0" smtClean="0">
+                                <a:latin typeface="Cambria Math" panose="02040503050406030204" pitchFamily="18" charset="0"/>
+                              </a:rPr>
+                              <m:t>𝟏</m:t>
+                            </m:r>
+                          </m:sub>
+                        </m:sSub>
+                      </m:e>
+                    </m:acc>
+                    <m:r>
+                      <a:rPr lang="en-US" b="0" i="1" dirty="0" smtClean="0">
+                        <a:latin typeface="Cambria Math" panose="02040503050406030204" pitchFamily="18" charset="0"/>
+                      </a:rPr>
+                      <m:t> </m:t>
+                    </m:r>
+                  </m:oMath>
+                </a14:m>
+                <a:endParaRPr lang="en-US" b="0" dirty="0"/>
+              </a:p>
+              <a:p>
+                <a:pPr lvl="1"/>
+                <a:r>
+                  <a:rPr lang="en-US" dirty="0"/>
+                  <a:t>Same for z2</a:t>
+                </a:r>
+              </a:p>
+              <a:p>
+                <a:pPr marL="457200" lvl="1" indent="0">
+                  <a:buNone/>
+                </a:pPr>
+                <a:endParaRPr lang="en-US" dirty="0"/>
+              </a:p>
+            </p:txBody>
+          </p:sp>
+        </mc:Choice>
+        <mc:Fallback>
+          <p:sp>
+            <p:nvSpPr>
+              <p:cNvPr id="3" name="Content Placeholder 2">
+                <a:extLst>
+                  <a:ext uri="{FF2B5EF4-FFF2-40B4-BE49-F238E27FC236}">
+                    <a16:creationId xmlns:a16="http://schemas.microsoft.com/office/drawing/2014/main" id="{13354F38-D09A-F74C-BDC8-C881A2B47960}"/>
+                  </a:ext>
+                </a:extLst>
+              </p:cNvPr>
+              <p:cNvSpPr>
+                <a:spLocks noGrp="1" noRot="1" noChangeAspect="1" noMove="1" noResize="1" noEditPoints="1" noAdjustHandles="1" noChangeArrowheads="1" noChangeShapeType="1" noTextEdit="1"/>
+              </p:cNvSpPr>
+              <p:nvPr>
+                <p:ph idx="1"/>
+              </p:nvPr>
+            </p:nvSpPr>
+            <p:spPr>
+              <a:xfrm>
+                <a:off x="838200" y="2460625"/>
+                <a:ext cx="4066309" cy="3716338"/>
+              </a:xfrm>
+              <a:blipFill>
+                <a:blip r:embed="rId2"/>
+                <a:stretch>
+                  <a:fillRect l="-2804" t="-2721" r="-1558"/>
+                </a:stretch>
+              </a:blipFill>
+            </p:spPr>
+            <p:txBody>
+              <a:bodyPr/>
+              <a:lstStyle/>
+              <a:p>
+                <a:r>
+                  <a:rPr lang="en-US">
+                    <a:noFill/>
+                  </a:rPr>
+                  <a:t> </a:t>
+                </a:r>
+              </a:p>
+            </p:txBody>
+          </p:sp>
+        </mc:Fallback>
+      </mc:AlternateContent>
+      <p:pic>
+        <p:nvPicPr>
+          <p:cNvPr id="4" name="Picture 3">
+            <a:extLst>
+              <a:ext uri="{FF2B5EF4-FFF2-40B4-BE49-F238E27FC236}">
+                <a16:creationId xmlns:a16="http://schemas.microsoft.com/office/drawing/2014/main" id="{2453BD84-E0B5-F040-B798-483493E2D4F4}"/>
+              </a:ext>
+            </a:extLst>
+          </p:cNvPr>
+          <p:cNvPicPr>
+            <a:picLocks noChangeAspect="1"/>
+          </p:cNvPicPr>
+          <p:nvPr/>
+        </p:nvPicPr>
+        <p:blipFill>
+          <a:blip r:embed="rId3"/>
+          <a:stretch>
+            <a:fillRect/>
+          </a:stretch>
+        </p:blipFill>
+        <p:spPr>
+          <a:xfrm>
+            <a:off x="1573645" y="1825625"/>
+            <a:ext cx="3225800" cy="635000"/>
+          </a:xfrm>
+          <a:prstGeom prst="rect">
+            <a:avLst/>
+          </a:prstGeom>
+        </p:spPr>
+      </p:pic>
+      <p:pic>
+        <p:nvPicPr>
+          <p:cNvPr id="5" name="Picture 4">
+            <a:extLst>
+              <a:ext uri="{FF2B5EF4-FFF2-40B4-BE49-F238E27FC236}">
+                <a16:creationId xmlns:a16="http://schemas.microsoft.com/office/drawing/2014/main" id="{CD7FD457-74D1-4243-B1BE-06B8F96770CE}"/>
+              </a:ext>
+            </a:extLst>
+          </p:cNvPr>
+          <p:cNvPicPr>
+            <a:picLocks noChangeAspect="1"/>
+          </p:cNvPicPr>
+          <p:nvPr/>
+        </p:nvPicPr>
+        <p:blipFill>
+          <a:blip r:embed="rId4"/>
+          <a:stretch>
+            <a:fillRect/>
+          </a:stretch>
+        </p:blipFill>
+        <p:spPr>
+          <a:xfrm>
+            <a:off x="6419272" y="1530062"/>
+            <a:ext cx="4799641" cy="4303126"/>
+          </a:xfrm>
+          <a:prstGeom prst="rect">
+            <a:avLst/>
+          </a:prstGeom>
+        </p:spPr>
+      </p:pic>
+    </p:spTree>
+    <p:extLst>
+      <p:ext uri="{BB962C8B-B14F-4D97-AF65-F5344CB8AC3E}">
+        <p14:creationId xmlns:p14="http://schemas.microsoft.com/office/powerpoint/2010/main" val="3261571064"/>
+      </p:ext>
+    </p:extLst>
+  </p:cSld>
+  <p:clrMapOvr>
+    <a:masterClrMapping/>
+  </p:clrMapOvr>
+</p:sld>
+</file>
+
+<file path=ppt/slides/slide19.xml><?xml version="1.0" encoding="utf-8"?>
+<p:sld xmlns:a="http://schemas.openxmlformats.org/drawingml/2006/main" xmlns:r="http://schemas.openxmlformats.org/officeDocument/2006/relationships" xmlns:p="http://schemas.openxmlformats.org/presentationml/2006/main">
+  <p:cSld>
+    <p:spTree>
+      <p:nvGrpSpPr>
+        <p:cNvPr id="1" name=""/>
+        <p:cNvGrpSpPr/>
+        <p:nvPr/>
+      </p:nvGrpSpPr>
+      <p:grpSpPr>
+        <a:xfrm>
+          <a:off x="0" y="0"/>
+          <a:ext cx="0" cy="0"/>
+          <a:chOff x="0" y="0"/>
+          <a:chExt cx="0" cy="0"/>
+        </a:xfrm>
+      </p:grpSpPr>
+      <p:sp>
+        <p:nvSpPr>
+          <p:cNvPr id="2" name="Title 1">
+            <a:extLst>
+              <a:ext uri="{FF2B5EF4-FFF2-40B4-BE49-F238E27FC236}">
+                <a16:creationId xmlns:a16="http://schemas.microsoft.com/office/drawing/2014/main" id="{ED896AF3-B530-CF4A-B300-E9829F801247}"/>
+              </a:ext>
+            </a:extLst>
+          </p:cNvPr>
+          <p:cNvSpPr>
+            <a:spLocks noGrp="1"/>
+          </p:cNvSpPr>
+          <p:nvPr>
+            <p:ph type="title"/>
+          </p:nvPr>
+        </p:nvSpPr>
+        <p:spPr/>
+        <p:txBody>
+          <a:bodyPr/>
+          <a:lstStyle/>
+          <a:p>
+            <a:r>
+              <a:rPr lang="en-US" dirty="0"/>
+              <a:t>Prior probabilities</a:t>
+            </a:r>
+          </a:p>
+        </p:txBody>
+      </p:sp>
+      <p:pic>
+        <p:nvPicPr>
+          <p:cNvPr id="4" name="Content Placeholder 3">
+            <a:extLst>
+              <a:ext uri="{FF2B5EF4-FFF2-40B4-BE49-F238E27FC236}">
+                <a16:creationId xmlns:a16="http://schemas.microsoft.com/office/drawing/2014/main" id="{5E478786-5924-EE4D-9502-5DA4CE404586}"/>
+              </a:ext>
+            </a:extLst>
+          </p:cNvPr>
+          <p:cNvPicPr>
+            <a:picLocks noGrp="1" noChangeAspect="1"/>
+          </p:cNvPicPr>
+          <p:nvPr>
+            <p:ph idx="1"/>
+          </p:nvPr>
+        </p:nvPicPr>
+        <p:blipFill>
+          <a:blip r:embed="rId2"/>
+          <a:stretch>
+            <a:fillRect/>
+          </a:stretch>
+        </p:blipFill>
+        <p:spPr>
+          <a:xfrm>
+            <a:off x="1771650" y="1762053"/>
+            <a:ext cx="8648700" cy="1485900"/>
+          </a:xfrm>
+          <a:prstGeom prst="rect">
+            <a:avLst/>
+          </a:prstGeom>
+        </p:spPr>
+      </p:pic>
+      <p:pic>
+        <p:nvPicPr>
+          <p:cNvPr id="5" name="Picture 4">
+            <a:extLst>
+              <a:ext uri="{FF2B5EF4-FFF2-40B4-BE49-F238E27FC236}">
+                <a16:creationId xmlns:a16="http://schemas.microsoft.com/office/drawing/2014/main" id="{BA32FB0E-5FE7-C149-973A-B0581AC2F1A4}"/>
+              </a:ext>
+            </a:extLst>
+          </p:cNvPr>
+          <p:cNvPicPr>
+            <a:picLocks noChangeAspect="1"/>
+          </p:cNvPicPr>
+          <p:nvPr/>
+        </p:nvPicPr>
+        <p:blipFill>
+          <a:blip r:embed="rId3"/>
+          <a:stretch>
+            <a:fillRect/>
+          </a:stretch>
+        </p:blipFill>
+        <p:spPr>
+          <a:xfrm>
+            <a:off x="1771650" y="3505778"/>
+            <a:ext cx="8521700" cy="1841500"/>
+          </a:xfrm>
+          <a:prstGeom prst="rect">
+            <a:avLst/>
+          </a:prstGeom>
+        </p:spPr>
+      </p:pic>
+      <p:pic>
+        <p:nvPicPr>
+          <p:cNvPr id="6" name="Picture 5">
+            <a:extLst>
+              <a:ext uri="{FF2B5EF4-FFF2-40B4-BE49-F238E27FC236}">
+                <a16:creationId xmlns:a16="http://schemas.microsoft.com/office/drawing/2014/main" id="{AFD08CAB-4845-104F-AA0A-80BA6B2A96A1}"/>
+              </a:ext>
+            </a:extLst>
+          </p:cNvPr>
+          <p:cNvPicPr>
+            <a:picLocks noChangeAspect="1"/>
+          </p:cNvPicPr>
+          <p:nvPr/>
+        </p:nvPicPr>
+        <p:blipFill>
+          <a:blip r:embed="rId4"/>
+          <a:stretch>
+            <a:fillRect/>
+          </a:stretch>
+        </p:blipFill>
+        <p:spPr>
+          <a:xfrm>
+            <a:off x="2781300" y="5605103"/>
+            <a:ext cx="6629400" cy="647700"/>
+          </a:xfrm>
+          <a:prstGeom prst="rect">
+            <a:avLst/>
+          </a:prstGeom>
+        </p:spPr>
+      </p:pic>
+    </p:spTree>
+    <p:extLst>
+      <p:ext uri="{BB962C8B-B14F-4D97-AF65-F5344CB8AC3E}">
+        <p14:creationId xmlns:p14="http://schemas.microsoft.com/office/powerpoint/2010/main" val="3210094671"/>
+      </p:ext>
+    </p:extLst>
+  </p:cSld>
+  <p:clrMapOvr>
+    <a:masterClrMapping/>
+  </p:clrMapOvr>
+</p:sld>
+</file>
+
 <file path=ppt/slides/slide2.xml><?xml version="1.0" encoding="utf-8"?>
 <p:sld xmlns:a="http://schemas.openxmlformats.org/drawingml/2006/main" xmlns:r="http://schemas.openxmlformats.org/officeDocument/2006/relationships" xmlns:p="http://schemas.openxmlformats.org/presentationml/2006/main">
   <p:cSld>
@@ -4208,6 +6095,720 @@
     <p:extLst>
       <p:ext uri="{BB962C8B-B14F-4D97-AF65-F5344CB8AC3E}">
         <p14:creationId xmlns:p14="http://schemas.microsoft.com/office/powerpoint/2010/main" val="2038618042"/>
+      </p:ext>
+    </p:extLst>
+  </p:cSld>
+  <p:clrMapOvr>
+    <a:masterClrMapping/>
+  </p:clrMapOvr>
+</p:sld>
+</file>
+
+<file path=ppt/slides/slide20.xml><?xml version="1.0" encoding="utf-8"?>
+<p:sld xmlns:a="http://schemas.openxmlformats.org/drawingml/2006/main" xmlns:r="http://schemas.openxmlformats.org/officeDocument/2006/relationships" xmlns:p="http://schemas.openxmlformats.org/presentationml/2006/main">
+  <p:cSld>
+    <p:spTree>
+      <p:nvGrpSpPr>
+        <p:cNvPr id="1" name=""/>
+        <p:cNvGrpSpPr/>
+        <p:nvPr/>
+      </p:nvGrpSpPr>
+      <p:grpSpPr>
+        <a:xfrm>
+          <a:off x="0" y="0"/>
+          <a:ext cx="0" cy="0"/>
+          <a:chOff x="0" y="0"/>
+          <a:chExt cx="0" cy="0"/>
+        </a:xfrm>
+      </p:grpSpPr>
+      <p:sp>
+        <p:nvSpPr>
+          <p:cNvPr id="2" name="Title 1">
+            <a:extLst>
+              <a:ext uri="{FF2B5EF4-FFF2-40B4-BE49-F238E27FC236}">
+                <a16:creationId xmlns:a16="http://schemas.microsoft.com/office/drawing/2014/main" id="{00A89E26-B693-FF46-883F-78D07AFF9B77}"/>
+              </a:ext>
+            </a:extLst>
+          </p:cNvPr>
+          <p:cNvSpPr>
+            <a:spLocks noGrp="1"/>
+          </p:cNvSpPr>
+          <p:nvPr>
+            <p:ph type="title"/>
+          </p:nvPr>
+        </p:nvSpPr>
+        <p:spPr/>
+        <p:txBody>
+          <a:bodyPr/>
+          <a:lstStyle/>
+          <a:p>
+            <a:r>
+              <a:rPr lang="en-US" dirty="0"/>
+              <a:t>Optimal properties</a:t>
+            </a:r>
+          </a:p>
+        </p:txBody>
+      </p:sp>
+      <p:sp>
+        <p:nvSpPr>
+          <p:cNvPr id="3" name="Content Placeholder 2">
+            <a:extLst>
+              <a:ext uri="{FF2B5EF4-FFF2-40B4-BE49-F238E27FC236}">
+                <a16:creationId xmlns:a16="http://schemas.microsoft.com/office/drawing/2014/main" id="{9AA52388-A3A2-4240-9C5D-6F22EDA8FCE5}"/>
+              </a:ext>
+            </a:extLst>
+          </p:cNvPr>
+          <p:cNvSpPr>
+            <a:spLocks noGrp="1"/>
+          </p:cNvSpPr>
+          <p:nvPr>
+            <p:ph idx="1"/>
+          </p:nvPr>
+        </p:nvSpPr>
+        <p:spPr/>
+        <p:txBody>
+          <a:bodyPr/>
+          <a:lstStyle/>
+          <a:p>
+            <a:r>
+              <a:rPr lang="en-US" dirty="0"/>
+              <a:t>Fisher’s Rule (if costs and priors are equal) is optimal under multivariate normal populations where the covariance matrix of the two groups is the same.</a:t>
+            </a:r>
+          </a:p>
+        </p:txBody>
+      </p:sp>
+    </p:spTree>
+    <p:extLst>
+      <p:ext uri="{BB962C8B-B14F-4D97-AF65-F5344CB8AC3E}">
+        <p14:creationId xmlns:p14="http://schemas.microsoft.com/office/powerpoint/2010/main" val="974609221"/>
+      </p:ext>
+    </p:extLst>
+  </p:cSld>
+  <p:clrMapOvr>
+    <a:masterClrMapping/>
+  </p:clrMapOvr>
+</p:sld>
+</file>
+
+<file path=ppt/slides/slide21.xml><?xml version="1.0" encoding="utf-8"?>
+<p:sld xmlns:a="http://schemas.openxmlformats.org/drawingml/2006/main" xmlns:r="http://schemas.openxmlformats.org/officeDocument/2006/relationships" xmlns:p="http://schemas.openxmlformats.org/presentationml/2006/main">
+  <p:cSld>
+    <p:spTree>
+      <p:nvGrpSpPr>
+        <p:cNvPr id="1" name=""/>
+        <p:cNvGrpSpPr/>
+        <p:nvPr/>
+      </p:nvGrpSpPr>
+      <p:grpSpPr>
+        <a:xfrm>
+          <a:off x="0" y="0"/>
+          <a:ext cx="0" cy="0"/>
+          <a:chOff x="0" y="0"/>
+          <a:chExt cx="0" cy="0"/>
+        </a:xfrm>
+      </p:grpSpPr>
+      <p:sp>
+        <p:nvSpPr>
+          <p:cNvPr id="2" name="Title 1">
+            <a:extLst>
+              <a:ext uri="{FF2B5EF4-FFF2-40B4-BE49-F238E27FC236}">
+                <a16:creationId xmlns:a16="http://schemas.microsoft.com/office/drawing/2014/main" id="{0D9A363D-563C-904B-8F49-D04BD459C431}"/>
+              </a:ext>
+            </a:extLst>
+          </p:cNvPr>
+          <p:cNvSpPr>
+            <a:spLocks noGrp="1"/>
+          </p:cNvSpPr>
+          <p:nvPr>
+            <p:ph type="title"/>
+          </p:nvPr>
+        </p:nvSpPr>
+        <p:spPr/>
+        <p:txBody>
+          <a:bodyPr/>
+          <a:lstStyle/>
+          <a:p>
+            <a:r>
+              <a:rPr lang="en-US" dirty="0"/>
+              <a:t>Classification into several groups</a:t>
+            </a:r>
+          </a:p>
+        </p:txBody>
+      </p:sp>
+      <p:sp>
+        <p:nvSpPr>
+          <p:cNvPr id="3" name="Content Placeholder 2">
+            <a:extLst>
+              <a:ext uri="{FF2B5EF4-FFF2-40B4-BE49-F238E27FC236}">
+                <a16:creationId xmlns:a16="http://schemas.microsoft.com/office/drawing/2014/main" id="{3D4336A6-A702-1641-813D-9F67141C8424}"/>
+              </a:ext>
+            </a:extLst>
+          </p:cNvPr>
+          <p:cNvSpPr>
+            <a:spLocks noGrp="1"/>
+          </p:cNvSpPr>
+          <p:nvPr>
+            <p:ph idx="1"/>
+          </p:nvPr>
+        </p:nvSpPr>
+        <p:spPr/>
+        <p:txBody>
+          <a:bodyPr/>
+          <a:lstStyle/>
+          <a:p>
+            <a:r>
+              <a:rPr lang="en-US" dirty="0"/>
+              <a:t>Assume equal misclassification costs</a:t>
+            </a:r>
+          </a:p>
+          <a:p>
+            <a:r>
+              <a:rPr lang="en-US" dirty="0"/>
+              <a:t>Assume equal covariance</a:t>
+            </a:r>
+          </a:p>
+          <a:p>
+            <a:r>
+              <a:rPr lang="en-US" dirty="0"/>
+              <a:t>Linear Classification function:</a:t>
+            </a:r>
+          </a:p>
+          <a:p>
+            <a:endParaRPr lang="en-US" dirty="0"/>
+          </a:p>
+          <a:p>
+            <a:endParaRPr lang="en-US" dirty="0"/>
+          </a:p>
+          <a:p>
+            <a:r>
+              <a:rPr lang="en-US" dirty="0"/>
+              <a:t>Add prior probabilities</a:t>
+            </a:r>
+          </a:p>
+          <a:p>
+            <a:endParaRPr lang="en-US" dirty="0"/>
+          </a:p>
+          <a:p>
+            <a:r>
+              <a:rPr lang="en-US" dirty="0"/>
+              <a:t>Note that these coefficients are different than the LDA functions</a:t>
+            </a:r>
+          </a:p>
+          <a:p>
+            <a:pPr lvl="1"/>
+            <a:endParaRPr lang="en-US" dirty="0"/>
+          </a:p>
+          <a:p>
+            <a:pPr lvl="1"/>
+            <a:endParaRPr lang="en-US" dirty="0"/>
+          </a:p>
+        </p:txBody>
+      </p:sp>
+      <p:pic>
+        <p:nvPicPr>
+          <p:cNvPr id="4" name="Picture 3">
+            <a:extLst>
+              <a:ext uri="{FF2B5EF4-FFF2-40B4-BE49-F238E27FC236}">
+                <a16:creationId xmlns:a16="http://schemas.microsoft.com/office/drawing/2014/main" id="{AF219DC7-8FA3-4C4A-BABD-2309C6D56E71}"/>
+              </a:ext>
+            </a:extLst>
+          </p:cNvPr>
+          <p:cNvPicPr>
+            <a:picLocks noChangeAspect="1"/>
+          </p:cNvPicPr>
+          <p:nvPr/>
+        </p:nvPicPr>
+        <p:blipFill>
+          <a:blip r:embed="rId2"/>
+          <a:stretch>
+            <a:fillRect/>
+          </a:stretch>
+        </p:blipFill>
+        <p:spPr>
+          <a:xfrm>
+            <a:off x="2096655" y="3378994"/>
+            <a:ext cx="3454400" cy="622300"/>
+          </a:xfrm>
+          <a:prstGeom prst="rect">
+            <a:avLst/>
+          </a:prstGeom>
+        </p:spPr>
+      </p:pic>
+      <p:pic>
+        <p:nvPicPr>
+          <p:cNvPr id="6" name="Picture 5">
+            <a:extLst>
+              <a:ext uri="{FF2B5EF4-FFF2-40B4-BE49-F238E27FC236}">
+                <a16:creationId xmlns:a16="http://schemas.microsoft.com/office/drawing/2014/main" id="{E7BE31D2-512B-6D44-A3DC-9ABDA06F8100}"/>
+              </a:ext>
+            </a:extLst>
+          </p:cNvPr>
+          <p:cNvPicPr>
+            <a:picLocks noChangeAspect="1"/>
+          </p:cNvPicPr>
+          <p:nvPr/>
+        </p:nvPicPr>
+        <p:blipFill>
+          <a:blip r:embed="rId3"/>
+          <a:stretch>
+            <a:fillRect/>
+          </a:stretch>
+        </p:blipFill>
+        <p:spPr>
+          <a:xfrm>
+            <a:off x="1864591" y="4863523"/>
+            <a:ext cx="5969000" cy="622300"/>
+          </a:xfrm>
+          <a:prstGeom prst="rect">
+            <a:avLst/>
+          </a:prstGeom>
+        </p:spPr>
+      </p:pic>
+    </p:spTree>
+    <p:extLst>
+      <p:ext uri="{BB962C8B-B14F-4D97-AF65-F5344CB8AC3E}">
+        <p14:creationId xmlns:p14="http://schemas.microsoft.com/office/powerpoint/2010/main" val="3280236069"/>
+      </p:ext>
+    </p:extLst>
+  </p:cSld>
+  <p:clrMapOvr>
+    <a:masterClrMapping/>
+  </p:clrMapOvr>
+</p:sld>
+</file>
+
+<file path=ppt/slides/slide22.xml><?xml version="1.0" encoding="utf-8"?>
+<p:sld xmlns:a="http://schemas.openxmlformats.org/drawingml/2006/main" xmlns:r="http://schemas.openxmlformats.org/officeDocument/2006/relationships" xmlns:p="http://schemas.openxmlformats.org/presentationml/2006/main">
+  <p:cSld>
+    <p:spTree>
+      <p:nvGrpSpPr>
+        <p:cNvPr id="1" name=""/>
+        <p:cNvGrpSpPr/>
+        <p:nvPr/>
+      </p:nvGrpSpPr>
+      <p:grpSpPr>
+        <a:xfrm>
+          <a:off x="0" y="0"/>
+          <a:ext cx="0" cy="0"/>
+          <a:chOff x="0" y="0"/>
+          <a:chExt cx="0" cy="0"/>
+        </a:xfrm>
+      </p:grpSpPr>
+      <p:sp>
+        <p:nvSpPr>
+          <p:cNvPr id="2" name="Title 1">
+            <a:extLst>
+              <a:ext uri="{FF2B5EF4-FFF2-40B4-BE49-F238E27FC236}">
+                <a16:creationId xmlns:a16="http://schemas.microsoft.com/office/drawing/2014/main" id="{A9D67CF5-A634-7A41-AB9E-6E807FDD523B}"/>
+              </a:ext>
+            </a:extLst>
+          </p:cNvPr>
+          <p:cNvSpPr>
+            <a:spLocks noGrp="1"/>
+          </p:cNvSpPr>
+          <p:nvPr>
+            <p:ph type="title"/>
+          </p:nvPr>
+        </p:nvSpPr>
+        <p:spPr/>
+        <p:txBody>
+          <a:bodyPr/>
+          <a:lstStyle/>
+          <a:p>
+            <a:r>
+              <a:rPr lang="en-US" dirty="0"/>
+              <a:t>Unequal population covariance matrices:</a:t>
+            </a:r>
+            <a:br>
+              <a:rPr lang="en-US" dirty="0"/>
+            </a:br>
+            <a:r>
+              <a:rPr lang="en-US" dirty="0"/>
+              <a:t>Quadratic Classification Functions</a:t>
+            </a:r>
+          </a:p>
+        </p:txBody>
+      </p:sp>
+      <p:pic>
+        <p:nvPicPr>
+          <p:cNvPr id="4" name="Content Placeholder 3">
+            <a:extLst>
+              <a:ext uri="{FF2B5EF4-FFF2-40B4-BE49-F238E27FC236}">
+                <a16:creationId xmlns:a16="http://schemas.microsoft.com/office/drawing/2014/main" id="{CEE0C209-0680-594D-BC64-CF604DADEEF6}"/>
+              </a:ext>
+            </a:extLst>
+          </p:cNvPr>
+          <p:cNvPicPr>
+            <a:picLocks noGrp="1" noChangeAspect="1"/>
+          </p:cNvPicPr>
+          <p:nvPr>
+            <p:ph idx="1"/>
+          </p:nvPr>
+        </p:nvPicPr>
+        <p:blipFill>
+          <a:blip r:embed="rId2"/>
+          <a:stretch>
+            <a:fillRect/>
+          </a:stretch>
+        </p:blipFill>
+        <p:spPr>
+          <a:xfrm>
+            <a:off x="508269" y="1690688"/>
+            <a:ext cx="5587731" cy="4351338"/>
+          </a:xfrm>
+          <a:prstGeom prst="rect">
+            <a:avLst/>
+          </a:prstGeom>
+        </p:spPr>
+      </p:pic>
+      <p:pic>
+        <p:nvPicPr>
+          <p:cNvPr id="5" name="Picture 4">
+            <a:extLst>
+              <a:ext uri="{FF2B5EF4-FFF2-40B4-BE49-F238E27FC236}">
+                <a16:creationId xmlns:a16="http://schemas.microsoft.com/office/drawing/2014/main" id="{FCC9EEAE-2392-8E46-B789-13D7847DA86B}"/>
+              </a:ext>
+            </a:extLst>
+          </p:cNvPr>
+          <p:cNvPicPr>
+            <a:picLocks noChangeAspect="1"/>
+          </p:cNvPicPr>
+          <p:nvPr/>
+        </p:nvPicPr>
+        <p:blipFill>
+          <a:blip r:embed="rId3"/>
+          <a:stretch>
+            <a:fillRect/>
+          </a:stretch>
+        </p:blipFill>
+        <p:spPr>
+          <a:xfrm>
+            <a:off x="6038850" y="2458606"/>
+            <a:ext cx="5372100" cy="596900"/>
+          </a:xfrm>
+          <a:prstGeom prst="rect">
+            <a:avLst/>
+          </a:prstGeom>
+        </p:spPr>
+      </p:pic>
+      <p:sp>
+        <p:nvSpPr>
+          <p:cNvPr id="6" name="TextBox 5">
+            <a:extLst>
+              <a:ext uri="{FF2B5EF4-FFF2-40B4-BE49-F238E27FC236}">
+                <a16:creationId xmlns:a16="http://schemas.microsoft.com/office/drawing/2014/main" id="{A85A3EE5-E154-2143-BEFB-8F8D8B23CCEC}"/>
+              </a:ext>
+            </a:extLst>
+          </p:cNvPr>
+          <p:cNvSpPr txBox="1"/>
+          <p:nvPr/>
+        </p:nvSpPr>
+        <p:spPr>
+          <a:xfrm>
+            <a:off x="6613236" y="4064000"/>
+            <a:ext cx="5253169" cy="646331"/>
+          </a:xfrm>
+          <a:prstGeom prst="rect">
+            <a:avLst/>
+          </a:prstGeom>
+          <a:noFill/>
+        </p:spPr>
+        <p:txBody>
+          <a:bodyPr wrap="none" rtlCol="0">
+            <a:spAutoFit/>
+          </a:bodyPr>
+          <a:lstStyle/>
+          <a:p>
+            <a:r>
+              <a:rPr lang="en-US" dirty="0"/>
+              <a:t>Not each n must be greater than p so that S may exist </a:t>
+            </a:r>
+          </a:p>
+          <a:p>
+            <a:r>
+              <a:rPr lang="en-US" dirty="0"/>
+              <a:t>for each group</a:t>
+            </a:r>
+          </a:p>
+        </p:txBody>
+      </p:sp>
+    </p:spTree>
+    <p:extLst>
+      <p:ext uri="{BB962C8B-B14F-4D97-AF65-F5344CB8AC3E}">
+        <p14:creationId xmlns:p14="http://schemas.microsoft.com/office/powerpoint/2010/main" val="1521343861"/>
+      </p:ext>
+    </p:extLst>
+  </p:cSld>
+  <p:clrMapOvr>
+    <a:masterClrMapping/>
+  </p:clrMapOvr>
+</p:sld>
+</file>
+
+<file path=ppt/slides/slide23.xml><?xml version="1.0" encoding="utf-8"?>
+<p:sld xmlns:a="http://schemas.openxmlformats.org/drawingml/2006/main" xmlns:r="http://schemas.openxmlformats.org/officeDocument/2006/relationships" xmlns:p="http://schemas.openxmlformats.org/presentationml/2006/main">
+  <p:cSld>
+    <p:spTree>
+      <p:nvGrpSpPr>
+        <p:cNvPr id="1" name=""/>
+        <p:cNvGrpSpPr/>
+        <p:nvPr/>
+      </p:nvGrpSpPr>
+      <p:grpSpPr>
+        <a:xfrm>
+          <a:off x="0" y="0"/>
+          <a:ext cx="0" cy="0"/>
+          <a:chOff x="0" y="0"/>
+          <a:chExt cx="0" cy="0"/>
+        </a:xfrm>
+      </p:grpSpPr>
+      <p:sp>
+        <p:nvSpPr>
+          <p:cNvPr id="2" name="Title 1">
+            <a:extLst>
+              <a:ext uri="{FF2B5EF4-FFF2-40B4-BE49-F238E27FC236}">
+                <a16:creationId xmlns:a16="http://schemas.microsoft.com/office/drawing/2014/main" id="{B0164C94-D0AD-134E-B640-6960E7766238}"/>
+              </a:ext>
+            </a:extLst>
+          </p:cNvPr>
+          <p:cNvSpPr>
+            <a:spLocks noGrp="1"/>
+          </p:cNvSpPr>
+          <p:nvPr>
+            <p:ph type="title"/>
+          </p:nvPr>
+        </p:nvSpPr>
+        <p:spPr/>
+        <p:txBody>
+          <a:bodyPr/>
+          <a:lstStyle/>
+          <a:p>
+            <a:r>
+              <a:rPr lang="en-US" dirty="0"/>
+              <a:t>Semester Overview</a:t>
+            </a:r>
+          </a:p>
+        </p:txBody>
+      </p:sp>
+      <p:sp>
+        <p:nvSpPr>
+          <p:cNvPr id="3" name="Content Placeholder 2">
+            <a:extLst>
+              <a:ext uri="{FF2B5EF4-FFF2-40B4-BE49-F238E27FC236}">
+                <a16:creationId xmlns:a16="http://schemas.microsoft.com/office/drawing/2014/main" id="{37EDBC18-0026-F44B-95F1-FBF967487847}"/>
+              </a:ext>
+            </a:extLst>
+          </p:cNvPr>
+          <p:cNvSpPr>
+            <a:spLocks noGrp="1"/>
+          </p:cNvSpPr>
+          <p:nvPr>
+            <p:ph idx="1"/>
+          </p:nvPr>
+        </p:nvSpPr>
+        <p:spPr>
+          <a:xfrm>
+            <a:off x="838200" y="1825625"/>
+            <a:ext cx="4962236" cy="4351338"/>
+          </a:xfrm>
+        </p:spPr>
+        <p:txBody>
+          <a:bodyPr/>
+          <a:lstStyle/>
+          <a:p>
+            <a:r>
+              <a:rPr lang="en-US" dirty="0"/>
+              <a:t>Linear Algebra, Visualization</a:t>
+            </a:r>
+          </a:p>
+          <a:p>
+            <a:r>
+              <a:rPr lang="en-US" dirty="0"/>
+              <a:t>Describing Multivariate Normal</a:t>
+            </a:r>
+          </a:p>
+          <a:p>
+            <a:pPr lvl="1"/>
+            <a:r>
+              <a:rPr lang="en-US" dirty="0"/>
+              <a:t>Tests on one or two mean vectors</a:t>
+            </a:r>
+          </a:p>
+          <a:p>
+            <a:r>
+              <a:rPr lang="en-US" dirty="0"/>
+              <a:t>PCA</a:t>
+            </a:r>
+          </a:p>
+          <a:p>
+            <a:r>
+              <a:rPr lang="en-US" dirty="0"/>
+              <a:t>EFA/CFA</a:t>
+            </a:r>
+          </a:p>
+          <a:p>
+            <a:r>
+              <a:rPr lang="en-US" dirty="0"/>
+              <a:t>Clustering</a:t>
+            </a:r>
+          </a:p>
+          <a:p>
+            <a:r>
+              <a:rPr lang="en-US" dirty="0"/>
+              <a:t>Graphical </a:t>
+            </a:r>
+          </a:p>
+          <a:p>
+            <a:r>
+              <a:rPr lang="en-US" dirty="0"/>
+              <a:t>Discriminant Analysis</a:t>
+            </a:r>
+          </a:p>
+        </p:txBody>
+      </p:sp>
+      <p:sp>
+        <p:nvSpPr>
+          <p:cNvPr id="4" name="TextBox 3">
+            <a:extLst>
+              <a:ext uri="{FF2B5EF4-FFF2-40B4-BE49-F238E27FC236}">
+                <a16:creationId xmlns:a16="http://schemas.microsoft.com/office/drawing/2014/main" id="{823917C4-588F-F04E-87E3-E537D0CF9FF9}"/>
+              </a:ext>
+            </a:extLst>
+          </p:cNvPr>
+          <p:cNvSpPr txBox="1"/>
+          <p:nvPr/>
+        </p:nvSpPr>
+        <p:spPr>
+          <a:xfrm>
+            <a:off x="6188361" y="1720840"/>
+            <a:ext cx="5375565" cy="3416320"/>
+          </a:xfrm>
+          <a:prstGeom prst="rect">
+            <a:avLst/>
+          </a:prstGeom>
+          <a:noFill/>
+        </p:spPr>
+        <p:txBody>
+          <a:bodyPr wrap="square" rtlCol="0">
+            <a:spAutoFit/>
+          </a:bodyPr>
+          <a:lstStyle/>
+          <a:p>
+            <a:pPr marL="285750" indent="-285750">
+              <a:buFontTx/>
+              <a:buChar char="-"/>
+            </a:pPr>
+            <a:r>
+              <a:rPr lang="en-US" dirty="0"/>
+              <a:t>Are these two groups different?</a:t>
+            </a:r>
+          </a:p>
+          <a:p>
+            <a:pPr marL="742950" lvl="1" indent="-285750">
+              <a:buFontTx/>
+              <a:buChar char="-"/>
+            </a:pPr>
+            <a:r>
+              <a:rPr lang="en-US" dirty="0"/>
+              <a:t>Tests on one or two mean vectors</a:t>
+            </a:r>
+          </a:p>
+          <a:p>
+            <a:pPr marL="285750" indent="-285750">
+              <a:buFontTx/>
+              <a:buChar char="-"/>
+            </a:pPr>
+            <a:r>
+              <a:rPr lang="en-US" dirty="0"/>
+              <a:t>What describes the variation in the data?</a:t>
+            </a:r>
+          </a:p>
+          <a:p>
+            <a:pPr marL="742950" lvl="1" indent="-285750">
+              <a:buFontTx/>
+              <a:buChar char="-"/>
+            </a:pPr>
+            <a:r>
+              <a:rPr lang="en-US" dirty="0"/>
+              <a:t>PCA</a:t>
+            </a:r>
+          </a:p>
+          <a:p>
+            <a:pPr marL="285750" indent="-285750">
+              <a:buFontTx/>
+              <a:buChar char="-"/>
+            </a:pPr>
+            <a:r>
+              <a:rPr lang="en-US" dirty="0"/>
+              <a:t>What factors lead to the observed data</a:t>
+            </a:r>
+          </a:p>
+          <a:p>
+            <a:pPr marL="742950" lvl="1" indent="-285750">
+              <a:buFontTx/>
+              <a:buChar char="-"/>
+            </a:pPr>
+            <a:r>
+              <a:rPr lang="en-US" dirty="0"/>
+              <a:t>EFA/CFA</a:t>
+            </a:r>
+          </a:p>
+          <a:p>
+            <a:pPr marL="285750" indent="-285750">
+              <a:buFontTx/>
+              <a:buChar char="-"/>
+            </a:pPr>
+            <a:r>
+              <a:rPr lang="en-US" dirty="0"/>
+              <a:t>Can I make groups from the data?</a:t>
+            </a:r>
+          </a:p>
+          <a:p>
+            <a:pPr marL="742950" lvl="1" indent="-285750">
+              <a:buFontTx/>
+              <a:buChar char="-"/>
+            </a:pPr>
+            <a:r>
+              <a:rPr lang="en-US" dirty="0"/>
+              <a:t>Clustering</a:t>
+            </a:r>
+          </a:p>
+          <a:p>
+            <a:pPr marL="742950" lvl="1" indent="-285750">
+              <a:buFontTx/>
+              <a:buChar char="-"/>
+            </a:pPr>
+            <a:r>
+              <a:rPr lang="en-US" dirty="0"/>
+              <a:t>Graphical Analysis</a:t>
+            </a:r>
+          </a:p>
+          <a:p>
+            <a:pPr marL="285750" indent="-285750">
+              <a:buFontTx/>
+              <a:buChar char="-"/>
+            </a:pPr>
+            <a:r>
+              <a:rPr lang="en-US" dirty="0"/>
+              <a:t>Which features best separate the data? How well can I do it?</a:t>
+            </a:r>
+          </a:p>
+          <a:p>
+            <a:pPr marL="742950" lvl="1" indent="-285750">
+              <a:buFontTx/>
+              <a:buChar char="-"/>
+            </a:pPr>
+            <a:r>
+              <a:rPr lang="en-US" dirty="0"/>
+              <a:t>Discriminant Analysis</a:t>
+            </a:r>
+          </a:p>
+        </p:txBody>
+      </p:sp>
+    </p:spTree>
+    <p:extLst>
+      <p:ext uri="{BB962C8B-B14F-4D97-AF65-F5344CB8AC3E}">
+        <p14:creationId xmlns:p14="http://schemas.microsoft.com/office/powerpoint/2010/main" val="1488848873"/>
       </p:ext>
     </p:extLst>
   </p:cSld>
@@ -4854,10 +7455,10 @@
       </p:pic>
       <p:pic>
         <p:nvPicPr>
-          <p:cNvPr id="6" name="Picture 5">
-            <a:extLst>
-              <a:ext uri="{FF2B5EF4-FFF2-40B4-BE49-F238E27FC236}">
-                <a16:creationId xmlns:a16="http://schemas.microsoft.com/office/drawing/2014/main" id="{D6DC370B-4270-8048-96DD-4466AB9CEB6D}"/>
+          <p:cNvPr id="8" name="Picture 7">
+            <a:extLst>
+              <a:ext uri="{FF2B5EF4-FFF2-40B4-BE49-F238E27FC236}">
+                <a16:creationId xmlns:a16="http://schemas.microsoft.com/office/drawing/2014/main" id="{5B74A1D4-F925-E542-9340-4E7645896195}"/>
               </a:ext>
             </a:extLst>
           </p:cNvPr>
@@ -4874,38 +7475,8 @@
         </p:blipFill>
         <p:spPr>
           <a:xfrm>
-            <a:off x="3893500" y="3303780"/>
-            <a:ext cx="4610100" cy="825500"/>
-          </a:xfrm>
-          <a:prstGeom prst="rect">
-            <a:avLst/>
-          </a:prstGeom>
-        </p:spPr>
-      </p:pic>
-      <p:pic>
-        <p:nvPicPr>
-          <p:cNvPr id="7" name="Picture 6">
-            <a:extLst>
-              <a:ext uri="{FF2B5EF4-FFF2-40B4-BE49-F238E27FC236}">
-                <a16:creationId xmlns:a16="http://schemas.microsoft.com/office/drawing/2014/main" id="{556A102D-025A-C745-9740-E621F5254A9A}"/>
-              </a:ext>
-            </a:extLst>
-          </p:cNvPr>
-          <p:cNvPicPr>
-            <a:picLocks noChangeAspect="1"/>
-          </p:cNvPicPr>
-          <p:nvPr/>
-        </p:nvPicPr>
-        <p:blipFill>
-          <a:blip r:embed="rId5"/>
-          <a:stretch>
-            <a:fillRect/>
-          </a:stretch>
-        </p:blipFill>
-        <p:spPr>
-          <a:xfrm>
-            <a:off x="3880800" y="4497580"/>
-            <a:ext cx="4622800" cy="1943100"/>
+            <a:off x="4720306" y="3234346"/>
+            <a:ext cx="4152900" cy="3632200"/>
           </a:xfrm>
           <a:prstGeom prst="rect">
             <a:avLst/>

--- a/Class 14 Discriminant Analysis.pptx
+++ b/Class 14 Discriminant Analysis.pptx
@@ -250,7 +250,7 @@
           <a:p>
             <a:fld id="{DCB46477-8831-DF47-BC3A-B65F1FA8D045}" type="datetimeFigureOut">
               <a:rPr lang="en-US" smtClean="0"/>
-              <a:t>12/6/21</a:t>
+              <a:t>12/9/21</a:t>
             </a:fld>
             <a:endParaRPr lang="en-US"/>
           </a:p>
@@ -664,7 +664,7 @@
           <a:p>
             <a:fld id="{037F6D3A-DF67-F84B-9597-C40502329EC7}" type="datetimeFigureOut">
               <a:rPr lang="en-US" smtClean="0"/>
-              <a:t>12/6/21</a:t>
+              <a:t>12/9/21</a:t>
             </a:fld>
             <a:endParaRPr lang="en-US"/>
           </a:p>
@@ -862,7 +862,7 @@
           <a:p>
             <a:fld id="{037F6D3A-DF67-F84B-9597-C40502329EC7}" type="datetimeFigureOut">
               <a:rPr lang="en-US" smtClean="0"/>
-              <a:t>12/6/21</a:t>
+              <a:t>12/9/21</a:t>
             </a:fld>
             <a:endParaRPr lang="en-US"/>
           </a:p>
@@ -1070,7 +1070,7 @@
           <a:p>
             <a:fld id="{037F6D3A-DF67-F84B-9597-C40502329EC7}" type="datetimeFigureOut">
               <a:rPr lang="en-US" smtClean="0"/>
-              <a:t>12/6/21</a:t>
+              <a:t>12/9/21</a:t>
             </a:fld>
             <a:endParaRPr lang="en-US"/>
           </a:p>
@@ -1268,7 +1268,7 @@
           <a:p>
             <a:fld id="{037F6D3A-DF67-F84B-9597-C40502329EC7}" type="datetimeFigureOut">
               <a:rPr lang="en-US" smtClean="0"/>
-              <a:t>12/6/21</a:t>
+              <a:t>12/9/21</a:t>
             </a:fld>
             <a:endParaRPr lang="en-US"/>
           </a:p>
@@ -1543,7 +1543,7 @@
           <a:p>
             <a:fld id="{037F6D3A-DF67-F84B-9597-C40502329EC7}" type="datetimeFigureOut">
               <a:rPr lang="en-US" smtClean="0"/>
-              <a:t>12/6/21</a:t>
+              <a:t>12/9/21</a:t>
             </a:fld>
             <a:endParaRPr lang="en-US"/>
           </a:p>
@@ -1808,7 +1808,7 @@
           <a:p>
             <a:fld id="{037F6D3A-DF67-F84B-9597-C40502329EC7}" type="datetimeFigureOut">
               <a:rPr lang="en-US" smtClean="0"/>
-              <a:t>12/6/21</a:t>
+              <a:t>12/9/21</a:t>
             </a:fld>
             <a:endParaRPr lang="en-US"/>
           </a:p>
@@ -2220,7 +2220,7 @@
           <a:p>
             <a:fld id="{037F6D3A-DF67-F84B-9597-C40502329EC7}" type="datetimeFigureOut">
               <a:rPr lang="en-US" smtClean="0"/>
-              <a:t>12/6/21</a:t>
+              <a:t>12/9/21</a:t>
             </a:fld>
             <a:endParaRPr lang="en-US"/>
           </a:p>
@@ -2361,7 +2361,7 @@
           <a:p>
             <a:fld id="{037F6D3A-DF67-F84B-9597-C40502329EC7}" type="datetimeFigureOut">
               <a:rPr lang="en-US" smtClean="0"/>
-              <a:t>12/6/21</a:t>
+              <a:t>12/9/21</a:t>
             </a:fld>
             <a:endParaRPr lang="en-US"/>
           </a:p>
@@ -2474,7 +2474,7 @@
           <a:p>
             <a:fld id="{037F6D3A-DF67-F84B-9597-C40502329EC7}" type="datetimeFigureOut">
               <a:rPr lang="en-US" smtClean="0"/>
-              <a:t>12/6/21</a:t>
+              <a:t>12/9/21</a:t>
             </a:fld>
             <a:endParaRPr lang="en-US"/>
           </a:p>
@@ -2785,7 +2785,7 @@
           <a:p>
             <a:fld id="{037F6D3A-DF67-F84B-9597-C40502329EC7}" type="datetimeFigureOut">
               <a:rPr lang="en-US" smtClean="0"/>
-              <a:t>12/6/21</a:t>
+              <a:t>12/9/21</a:t>
             </a:fld>
             <a:endParaRPr lang="en-US"/>
           </a:p>
@@ -3073,7 +3073,7 @@
           <a:p>
             <a:fld id="{037F6D3A-DF67-F84B-9597-C40502329EC7}" type="datetimeFigureOut">
               <a:rPr lang="en-US" smtClean="0"/>
-              <a:t>12/6/21</a:t>
+              <a:t>12/9/21</a:t>
             </a:fld>
             <a:endParaRPr lang="en-US"/>
           </a:p>
@@ -3314,7 +3314,7 @@
           <a:p>
             <a:fld id="{037F6D3A-DF67-F84B-9597-C40502329EC7}" type="datetimeFigureOut">
               <a:rPr lang="en-US" smtClean="0"/>
-              <a:t>12/6/21</a:t>
+              <a:t>12/9/21</a:t>
             </a:fld>
             <a:endParaRPr lang="en-US"/>
           </a:p>
@@ -4187,8 +4187,8 @@
           </a:p>
         </p:txBody>
       </p:sp>
-      <mc:AlternateContent xmlns:mc="http://schemas.openxmlformats.org/markup-compatibility/2006">
-        <mc:Choice xmlns:a14="http://schemas.microsoft.com/office/drawing/2010/main" Requires="a14">
+      <mc:AlternateContent xmlns:mc="http://schemas.openxmlformats.org/markup-compatibility/2006" xmlns:a14="http://schemas.microsoft.com/office/drawing/2010/main">
+        <mc:Choice Requires="a14">
           <p:sp>
             <p:nvSpPr>
               <p:cNvPr id="3" name="Content Placeholder 2">
@@ -4509,7 +4509,7 @@
             </p:txBody>
           </p:sp>
         </mc:Choice>
-        <mc:Fallback>
+        <mc:Fallback xmlns="">
           <p:sp>
             <p:nvSpPr>
               <p:cNvPr id="3" name="Content Placeholder 2">
@@ -4669,8 +4669,8 @@
           </a:prstGeom>
         </p:spPr>
       </p:pic>
-      <mc:AlternateContent xmlns:mc="http://schemas.openxmlformats.org/markup-compatibility/2006">
-        <mc:Choice xmlns:a14="http://schemas.microsoft.com/office/drawing/2010/main" Requires="a14">
+      <mc:AlternateContent xmlns:mc="http://schemas.openxmlformats.org/markup-compatibility/2006" xmlns:a14="http://schemas.microsoft.com/office/drawing/2010/main">
+        <mc:Choice Requires="a14">
           <p:sp>
             <p:nvSpPr>
               <p:cNvPr id="6" name="TextBox 5">
@@ -4699,6 +4699,7 @@
               </a:bodyPr>
               <a:lstStyle/>
               <a:p>
+                <a:pPr/>
                 <a14:m>
                   <m:oMathPara xmlns:m="http://schemas.openxmlformats.org/officeDocument/2006/math">
                     <m:oMathParaPr>
@@ -4772,7 +4773,7 @@
             </p:txBody>
           </p:sp>
         </mc:Choice>
-        <mc:Fallback>
+        <mc:Fallback xmlns="">
           <p:sp>
             <p:nvSpPr>
               <p:cNvPr id="6" name="TextBox 5">
@@ -4817,8 +4818,8 @@
           </p:sp>
         </mc:Fallback>
       </mc:AlternateContent>
-      <mc:AlternateContent xmlns:mc="http://schemas.openxmlformats.org/markup-compatibility/2006">
-        <mc:Choice xmlns:a14="http://schemas.microsoft.com/office/drawing/2010/main" Requires="a14">
+      <mc:AlternateContent xmlns:mc="http://schemas.openxmlformats.org/markup-compatibility/2006" xmlns:a14="http://schemas.microsoft.com/office/drawing/2010/main">
+        <mc:Choice Requires="a14">
           <p:sp>
             <p:nvSpPr>
               <p:cNvPr id="7" name="TextBox 6">
@@ -4872,7 +4873,7 @@
             </p:txBody>
           </p:sp>
         </mc:Choice>
-        <mc:Fallback>
+        <mc:Fallback xmlns="">
           <p:sp>
             <p:nvSpPr>
               <p:cNvPr id="7" name="TextBox 6">
@@ -4917,8 +4918,8 @@
           </p:sp>
         </mc:Fallback>
       </mc:AlternateContent>
-      <mc:AlternateContent xmlns:mc="http://schemas.openxmlformats.org/markup-compatibility/2006">
-        <mc:Choice xmlns:a14="http://schemas.microsoft.com/office/drawing/2010/main" Requires="a14">
+      <mc:AlternateContent xmlns:mc="http://schemas.openxmlformats.org/markup-compatibility/2006" xmlns:a14="http://schemas.microsoft.com/office/drawing/2010/main">
+        <mc:Choice Requires="a14">
           <p:sp>
             <p:nvSpPr>
               <p:cNvPr id="8" name="TextBox 7">
@@ -5003,7 +5004,7 @@
             </p:txBody>
           </p:sp>
         </mc:Choice>
-        <mc:Fallback>
+        <mc:Fallback xmlns="">
           <p:sp>
             <p:nvSpPr>
               <p:cNvPr id="8" name="TextBox 7">
@@ -5547,8 +5548,8 @@
           </a:p>
         </p:txBody>
       </p:sp>
-      <mc:AlternateContent xmlns:mc="http://schemas.openxmlformats.org/markup-compatibility/2006">
-        <mc:Choice xmlns:a14="http://schemas.microsoft.com/office/drawing/2010/main" Requires="a14">
+      <mc:AlternateContent xmlns:mc="http://schemas.openxmlformats.org/markup-compatibility/2006" xmlns:a14="http://schemas.microsoft.com/office/drawing/2010/main">
+        <mc:Choice Requires="a14">
           <p:sp>
             <p:nvSpPr>
               <p:cNvPr id="3" name="Content Placeholder 2">
@@ -5738,7 +5739,7 @@
             </p:txBody>
           </p:sp>
         </mc:Choice>
-        <mc:Fallback>
+        <mc:Fallback xmlns="">
           <p:sp>
             <p:nvSpPr>
               <p:cNvPr id="3" name="Content Placeholder 2">
@@ -7603,8 +7604,8 @@
           </a:prstGeom>
         </p:spPr>
       </p:pic>
-      <mc:AlternateContent xmlns:mc="http://schemas.openxmlformats.org/markup-compatibility/2006">
-        <mc:Choice xmlns:a14="http://schemas.microsoft.com/office/drawing/2010/main" Requires="a14">
+      <mc:AlternateContent xmlns:mc="http://schemas.openxmlformats.org/markup-compatibility/2006" xmlns:a14="http://schemas.microsoft.com/office/drawing/2010/main">
+        <mc:Choice Requires="a14">
           <p:sp>
             <p:nvSpPr>
               <p:cNvPr id="6" name="Rectangle 5">
@@ -7738,7 +7739,7 @@
             </p:txBody>
           </p:sp>
         </mc:Choice>
-        <mc:Fallback>
+        <mc:Fallback xmlns="">
           <p:sp>
             <p:nvSpPr>
               <p:cNvPr id="6" name="Rectangle 5">
